--- a/lessons/lesson_two/Seesion 2.pptx
+++ b/lessons/lesson_two/Seesion 2.pptx
@@ -5,7 +5,7 @@
     <p:sldMasterId id="2147483659" r:id="rId1"/>
   </p:sldMasterIdLst>
   <p:notesMasterIdLst>
-    <p:notesMasterId r:id="rId35"/>
+    <p:notesMasterId r:id="rId32"/>
   </p:notesMasterIdLst>
   <p:sldIdLst>
     <p:sldId id="256" r:id="rId2"/>
@@ -31,26 +31,23 @@
     <p:sldId id="295" r:id="rId22"/>
     <p:sldId id="310" r:id="rId23"/>
     <p:sldId id="296" r:id="rId24"/>
-    <p:sldId id="311" r:id="rId25"/>
-    <p:sldId id="312" r:id="rId26"/>
-    <p:sldId id="313" r:id="rId27"/>
-    <p:sldId id="292" r:id="rId28"/>
-    <p:sldId id="293" r:id="rId29"/>
-    <p:sldId id="294" r:id="rId30"/>
-    <p:sldId id="298" r:id="rId31"/>
-    <p:sldId id="300" r:id="rId32"/>
-    <p:sldId id="301" r:id="rId33"/>
-    <p:sldId id="302" r:id="rId34"/>
+    <p:sldId id="292" r:id="rId25"/>
+    <p:sldId id="293" r:id="rId26"/>
+    <p:sldId id="294" r:id="rId27"/>
+    <p:sldId id="298" r:id="rId28"/>
+    <p:sldId id="300" r:id="rId29"/>
+    <p:sldId id="301" r:id="rId30"/>
+    <p:sldId id="302" r:id="rId31"/>
   </p:sldIdLst>
   <p:sldSz cx="9144000" cy="5143500" type="screen16x9"/>
   <p:notesSz cx="6858000" cy="9144000"/>
   <p:embeddedFontLst>
     <p:embeddedFont>
       <p:font typeface="Roboto" panose="02000000000000000000" pitchFamily="2" charset="0"/>
-      <p:regular r:id="rId36"/>
-      <p:bold r:id="rId37"/>
-      <p:italic r:id="rId38"/>
-      <p:boldItalic r:id="rId39"/>
+      <p:regular r:id="rId33"/>
+      <p:bold r:id="rId34"/>
+      <p:italic r:id="rId35"/>
+      <p:boldItalic r:id="rId36"/>
     </p:embeddedFont>
   </p:embeddedFontLst>
   <p:defaultTextStyle>
@@ -310,9 +307,6 @@
             <p14:sldId id="295"/>
             <p14:sldId id="310"/>
             <p14:sldId id="296"/>
-            <p14:sldId id="311"/>
-            <p14:sldId id="312"/>
-            <p14:sldId id="313"/>
             <p14:sldId id="292"/>
             <p14:sldId id="293"/>
             <p14:sldId id="294"/>
@@ -1129,600 +1123,6 @@
     </pc:docChg>
   </pc:docChgLst>
   <pc:docChgLst>
-    <pc:chgData name="Antonio-Marius Tricolici" userId="4ca5b4ffc4fcfb59" providerId="LiveId" clId="{948C9755-D538-4556-A498-DE6B58A1F2A7}"/>
-    <pc:docChg chg="undo custSel addSld delSld modSld sldOrd modSection">
-      <pc:chgData name="Antonio-Marius Tricolici" userId="4ca5b4ffc4fcfb59" providerId="LiveId" clId="{948C9755-D538-4556-A498-DE6B58A1F2A7}" dt="2022-02-09T16:25:12.431" v="2667" actId="20577"/>
-      <pc:docMkLst>
-        <pc:docMk/>
-      </pc:docMkLst>
-      <pc:sldChg chg="addSp delSp modSp mod">
-        <pc:chgData name="Antonio-Marius Tricolici" userId="4ca5b4ffc4fcfb59" providerId="LiveId" clId="{948C9755-D538-4556-A498-DE6B58A1F2A7}" dt="2022-02-08T15:53:38.728" v="661" actId="11529"/>
-        <pc:sldMkLst>
-          <pc:docMk/>
-          <pc:sldMk cId="2712006679" sldId="280"/>
-        </pc:sldMkLst>
-        <pc:spChg chg="mod">
-          <ac:chgData name="Antonio-Marius Tricolici" userId="4ca5b4ffc4fcfb59" providerId="LiveId" clId="{948C9755-D538-4556-A498-DE6B58A1F2A7}" dt="2022-02-08T15:43:00.280" v="273" actId="1076"/>
-          <ac:spMkLst>
-            <pc:docMk/>
-            <pc:sldMk cId="2712006679" sldId="280"/>
-            <ac:spMk id="2" creationId="{8E446382-299C-4A5E-B254-742C46985421}"/>
-          </ac:spMkLst>
-        </pc:spChg>
-        <pc:spChg chg="mod">
-          <ac:chgData name="Antonio-Marius Tricolici" userId="4ca5b4ffc4fcfb59" providerId="LiveId" clId="{948C9755-D538-4556-A498-DE6B58A1F2A7}" dt="2022-02-08T15:43:04.335" v="274" actId="1076"/>
-          <ac:spMkLst>
-            <pc:docMk/>
-            <pc:sldMk cId="2712006679" sldId="280"/>
-            <ac:spMk id="6" creationId="{54EC660E-354B-4FCC-9F9F-C7A3C360B230}"/>
-          </ac:spMkLst>
-        </pc:spChg>
-        <pc:spChg chg="add mod">
-          <ac:chgData name="Antonio-Marius Tricolici" userId="4ca5b4ffc4fcfb59" providerId="LiveId" clId="{948C9755-D538-4556-A498-DE6B58A1F2A7}" dt="2022-02-08T15:45:40.697" v="583" actId="1076"/>
-          <ac:spMkLst>
-            <pc:docMk/>
-            <pc:sldMk cId="2712006679" sldId="280"/>
-            <ac:spMk id="7" creationId="{B07AA650-1D8A-4227-870A-23C123F6EF97}"/>
-          </ac:spMkLst>
-        </pc:spChg>
-        <pc:spChg chg="add mod">
-          <ac:chgData name="Antonio-Marius Tricolici" userId="4ca5b4ffc4fcfb59" providerId="LiveId" clId="{948C9755-D538-4556-A498-DE6B58A1F2A7}" dt="2022-02-08T15:46:01.370" v="659" actId="20577"/>
-          <ac:spMkLst>
-            <pc:docMk/>
-            <pc:sldMk cId="2712006679" sldId="280"/>
-            <ac:spMk id="8" creationId="{40965715-8760-4EC8-9AE3-A26C867CF7B2}"/>
-          </ac:spMkLst>
-        </pc:spChg>
-        <pc:spChg chg="mod">
-          <ac:chgData name="Antonio-Marius Tricolici" userId="4ca5b4ffc4fcfb59" providerId="LiveId" clId="{948C9755-D538-4556-A498-DE6B58A1F2A7}" dt="2022-02-08T15:43:00.280" v="273" actId="1076"/>
-          <ac:spMkLst>
-            <pc:docMk/>
-            <pc:sldMk cId="2712006679" sldId="280"/>
-            <ac:spMk id="9" creationId="{1A78085C-DD82-4414-B06A-5093D8A6BB36}"/>
-          </ac:spMkLst>
-        </pc:spChg>
-        <pc:spChg chg="mod">
-          <ac:chgData name="Antonio-Marius Tricolici" userId="4ca5b4ffc4fcfb59" providerId="LiveId" clId="{948C9755-D538-4556-A498-DE6B58A1F2A7}" dt="2022-02-08T15:43:00.280" v="273" actId="1076"/>
-          <ac:spMkLst>
-            <pc:docMk/>
-            <pc:sldMk cId="2712006679" sldId="280"/>
-            <ac:spMk id="10" creationId="{3760D405-3AC0-4227-8E27-94BC8E6EF8F3}"/>
-          </ac:spMkLst>
-        </pc:spChg>
-        <pc:spChg chg="add del mod">
-          <ac:chgData name="Antonio-Marius Tricolici" userId="4ca5b4ffc4fcfb59" providerId="LiveId" clId="{948C9755-D538-4556-A498-DE6B58A1F2A7}" dt="2022-02-08T15:43:17.792" v="278" actId="478"/>
-          <ac:spMkLst>
-            <pc:docMk/>
-            <pc:sldMk cId="2712006679" sldId="280"/>
-            <ac:spMk id="11" creationId="{165C399A-162E-42FC-B7AC-001F10892D9C}"/>
-          </ac:spMkLst>
-        </pc:spChg>
-        <pc:spChg chg="add del mod">
-          <ac:chgData name="Antonio-Marius Tricolici" userId="4ca5b4ffc4fcfb59" providerId="LiveId" clId="{948C9755-D538-4556-A498-DE6B58A1F2A7}" dt="2022-02-08T15:43:16.862" v="277" actId="478"/>
-          <ac:spMkLst>
-            <pc:docMk/>
-            <pc:sldMk cId="2712006679" sldId="280"/>
-            <ac:spMk id="12" creationId="{1A4ECF2D-F5E3-4366-92FE-5E8E6849BDD4}"/>
-          </ac:spMkLst>
-        </pc:spChg>
-        <pc:cxnChg chg="add del">
-          <ac:chgData name="Antonio-Marius Tricolici" userId="4ca5b4ffc4fcfb59" providerId="LiveId" clId="{948C9755-D538-4556-A498-DE6B58A1F2A7}" dt="2022-02-08T15:53:38.728" v="661" actId="11529"/>
-          <ac:cxnSpMkLst>
-            <pc:docMk/>
-            <pc:sldMk cId="2712006679" sldId="280"/>
-            <ac:cxnSpMk id="4" creationId="{649EFB65-72E9-43F1-ABC7-197F14BCACBB}"/>
-          </ac:cxnSpMkLst>
-        </pc:cxnChg>
-      </pc:sldChg>
-      <pc:sldChg chg="modSp mod">
-        <pc:chgData name="Antonio-Marius Tricolici" userId="4ca5b4ffc4fcfb59" providerId="LiveId" clId="{948C9755-D538-4556-A498-DE6B58A1F2A7}" dt="2022-02-08T17:09:26.136" v="1044" actId="20577"/>
-        <pc:sldMkLst>
-          <pc:docMk/>
-          <pc:sldMk cId="3565427431" sldId="282"/>
-        </pc:sldMkLst>
-        <pc:spChg chg="mod">
-          <ac:chgData name="Antonio-Marius Tricolici" userId="4ca5b4ffc4fcfb59" providerId="LiveId" clId="{948C9755-D538-4556-A498-DE6B58A1F2A7}" dt="2022-02-08T17:09:26.136" v="1044" actId="20577"/>
-          <ac:spMkLst>
-            <pc:docMk/>
-            <pc:sldMk cId="3565427431" sldId="282"/>
-            <ac:spMk id="3" creationId="{C36B375D-819E-40EA-93FD-95B37CF2A798}"/>
-          </ac:spMkLst>
-        </pc:spChg>
-      </pc:sldChg>
-      <pc:sldChg chg="modSp modAnim">
-        <pc:chgData name="Antonio-Marius Tricolici" userId="4ca5b4ffc4fcfb59" providerId="LiveId" clId="{948C9755-D538-4556-A498-DE6B58A1F2A7}" dt="2022-02-09T11:04:21.914" v="1245" actId="20577"/>
-        <pc:sldMkLst>
-          <pc:docMk/>
-          <pc:sldMk cId="1099309434" sldId="283"/>
-        </pc:sldMkLst>
-        <pc:spChg chg="mod">
-          <ac:chgData name="Antonio-Marius Tricolici" userId="4ca5b4ffc4fcfb59" providerId="LiveId" clId="{948C9755-D538-4556-A498-DE6B58A1F2A7}" dt="2022-02-09T11:04:21.914" v="1245" actId="20577"/>
-          <ac:spMkLst>
-            <pc:docMk/>
-            <pc:sldMk cId="1099309434" sldId="283"/>
-            <ac:spMk id="12" creationId="{11F58F19-161F-4B91-84D1-EA00C56F4A4E}"/>
-          </ac:spMkLst>
-        </pc:spChg>
-      </pc:sldChg>
-      <pc:sldChg chg="modSp mod">
-        <pc:chgData name="Antonio-Marius Tricolici" userId="4ca5b4ffc4fcfb59" providerId="LiveId" clId="{948C9755-D538-4556-A498-DE6B58A1F2A7}" dt="2022-02-09T11:02:34.709" v="1241" actId="1076"/>
-        <pc:sldMkLst>
-          <pc:docMk/>
-          <pc:sldMk cId="2946385776" sldId="285"/>
-        </pc:sldMkLst>
-        <pc:spChg chg="mod">
-          <ac:chgData name="Antonio-Marius Tricolici" userId="4ca5b4ffc4fcfb59" providerId="LiveId" clId="{948C9755-D538-4556-A498-DE6B58A1F2A7}" dt="2022-02-09T11:02:31.537" v="1240" actId="20577"/>
-          <ac:spMkLst>
-            <pc:docMk/>
-            <pc:sldMk cId="2946385776" sldId="285"/>
-            <ac:spMk id="2" creationId="{B03688EC-5062-4FC3-9581-27B2CDABA505}"/>
-          </ac:spMkLst>
-        </pc:spChg>
-        <pc:picChg chg="mod">
-          <ac:chgData name="Antonio-Marius Tricolici" userId="4ca5b4ffc4fcfb59" providerId="LiveId" clId="{948C9755-D538-4556-A498-DE6B58A1F2A7}" dt="2022-02-09T11:02:34.709" v="1241" actId="1076"/>
-          <ac:picMkLst>
-            <pc:docMk/>
-            <pc:sldMk cId="2946385776" sldId="285"/>
-            <ac:picMk id="1026" creationId="{1AFC8FBC-3D4C-4DA2-B56D-B97BF4120C52}"/>
-          </ac:picMkLst>
-        </pc:picChg>
-      </pc:sldChg>
-      <pc:sldChg chg="modSp mod ord">
-        <pc:chgData name="Antonio-Marius Tricolici" userId="4ca5b4ffc4fcfb59" providerId="LiveId" clId="{948C9755-D538-4556-A498-DE6B58A1F2A7}" dt="2022-02-09T13:04:21.497" v="1306" actId="20577"/>
-        <pc:sldMkLst>
-          <pc:docMk/>
-          <pc:sldMk cId="4091551081" sldId="291"/>
-        </pc:sldMkLst>
-        <pc:spChg chg="mod">
-          <ac:chgData name="Antonio-Marius Tricolici" userId="4ca5b4ffc4fcfb59" providerId="LiveId" clId="{948C9755-D538-4556-A498-DE6B58A1F2A7}" dt="2022-02-09T13:04:21.497" v="1306" actId="20577"/>
-          <ac:spMkLst>
-            <pc:docMk/>
-            <pc:sldMk cId="4091551081" sldId="291"/>
-            <ac:spMk id="3" creationId="{0D116993-C575-4EB0-BBCB-E96E07F70ECC}"/>
-          </ac:spMkLst>
-        </pc:spChg>
-      </pc:sldChg>
-      <pc:sldChg chg="modSp mod">
-        <pc:chgData name="Antonio-Marius Tricolici" userId="4ca5b4ffc4fcfb59" providerId="LiveId" clId="{948C9755-D538-4556-A498-DE6B58A1F2A7}" dt="2022-02-08T17:28:23.047" v="1202" actId="20577"/>
-        <pc:sldMkLst>
-          <pc:docMk/>
-          <pc:sldMk cId="2231459128" sldId="295"/>
-        </pc:sldMkLst>
-        <pc:graphicFrameChg chg="modGraphic">
-          <ac:chgData name="Antonio-Marius Tricolici" userId="4ca5b4ffc4fcfb59" providerId="LiveId" clId="{948C9755-D538-4556-A498-DE6B58A1F2A7}" dt="2022-02-08T17:28:23.047" v="1202" actId="20577"/>
-          <ac:graphicFrameMkLst>
-            <pc:docMk/>
-            <pc:sldMk cId="2231459128" sldId="295"/>
-            <ac:graphicFrameMk id="3" creationId="{82FC0CEF-BB47-4CBB-A67F-C85E5AD6707C}"/>
-          </ac:graphicFrameMkLst>
-        </pc:graphicFrameChg>
-      </pc:sldChg>
-      <pc:sldChg chg="addSp delSp modSp">
-        <pc:chgData name="Antonio-Marius Tricolici" userId="4ca5b4ffc4fcfb59" providerId="LiveId" clId="{948C9755-D538-4556-A498-DE6B58A1F2A7}" dt="2022-02-09T13:24:12.773" v="1982"/>
-        <pc:sldMkLst>
-          <pc:docMk/>
-          <pc:sldMk cId="1092461397" sldId="296"/>
-        </pc:sldMkLst>
-        <pc:spChg chg="del mod">
-          <ac:chgData name="Antonio-Marius Tricolici" userId="4ca5b4ffc4fcfb59" providerId="LiveId" clId="{948C9755-D538-4556-A498-DE6B58A1F2A7}" dt="2022-02-09T13:24:12.128" v="1981" actId="478"/>
-          <ac:spMkLst>
-            <pc:docMk/>
-            <pc:sldMk cId="1092461397" sldId="296"/>
-            <ac:spMk id="3" creationId="{53699E59-CFF6-4FAA-8FCC-4446DF473673}"/>
-          </ac:spMkLst>
-        </pc:spChg>
-        <pc:spChg chg="add mod">
-          <ac:chgData name="Antonio-Marius Tricolici" userId="4ca5b4ffc4fcfb59" providerId="LiveId" clId="{948C9755-D538-4556-A498-DE6B58A1F2A7}" dt="2022-02-09T13:24:12.773" v="1982"/>
-          <ac:spMkLst>
-            <pc:docMk/>
-            <pc:sldMk cId="1092461397" sldId="296"/>
-            <ac:spMk id="4" creationId="{612B1899-40F8-4771-B552-2D66FCA5F6D0}"/>
-          </ac:spMkLst>
-        </pc:spChg>
-      </pc:sldChg>
-      <pc:sldChg chg="modSp mod">
-        <pc:chgData name="Antonio-Marius Tricolici" userId="4ca5b4ffc4fcfb59" providerId="LiveId" clId="{948C9755-D538-4556-A498-DE6B58A1F2A7}" dt="2022-02-09T11:16:31.330" v="1302" actId="20577"/>
-        <pc:sldMkLst>
-          <pc:docMk/>
-          <pc:sldMk cId="3225857392" sldId="297"/>
-        </pc:sldMkLst>
-        <pc:spChg chg="mod">
-          <ac:chgData name="Antonio-Marius Tricolici" userId="4ca5b4ffc4fcfb59" providerId="LiveId" clId="{948C9755-D538-4556-A498-DE6B58A1F2A7}" dt="2022-02-09T11:16:31.330" v="1302" actId="20577"/>
-          <ac:spMkLst>
-            <pc:docMk/>
-            <pc:sldMk cId="3225857392" sldId="297"/>
-            <ac:spMk id="3" creationId="{1F9675CB-EDEC-4035-A9B9-CA5BDD4563C1}"/>
-          </ac:spMkLst>
-        </pc:spChg>
-      </pc:sldChg>
-      <pc:sldChg chg="modSp mod">
-        <pc:chgData name="Antonio-Marius Tricolici" userId="4ca5b4ffc4fcfb59" providerId="LiveId" clId="{948C9755-D538-4556-A498-DE6B58A1F2A7}" dt="2022-02-09T13:07:25.262" v="1313" actId="20577"/>
-        <pc:sldMkLst>
-          <pc:docMk/>
-          <pc:sldMk cId="160628957" sldId="299"/>
-        </pc:sldMkLst>
-        <pc:spChg chg="mod">
-          <ac:chgData name="Antonio-Marius Tricolici" userId="4ca5b4ffc4fcfb59" providerId="LiveId" clId="{948C9755-D538-4556-A498-DE6B58A1F2A7}" dt="2022-02-09T13:07:25.262" v="1313" actId="20577"/>
-          <ac:spMkLst>
-            <pc:docMk/>
-            <pc:sldMk cId="160628957" sldId="299"/>
-            <ac:spMk id="3" creationId="{C549E5D0-31A2-4272-8CFF-5122F3897551}"/>
-          </ac:spMkLst>
-        </pc:spChg>
-      </pc:sldChg>
-      <pc:sldChg chg="modSp mod">
-        <pc:chgData name="Antonio-Marius Tricolici" userId="4ca5b4ffc4fcfb59" providerId="LiveId" clId="{948C9755-D538-4556-A498-DE6B58A1F2A7}" dt="2022-02-08T17:33:48.687" v="1235" actId="20577"/>
-        <pc:sldMkLst>
-          <pc:docMk/>
-          <pc:sldMk cId="395441443" sldId="300"/>
-        </pc:sldMkLst>
-        <pc:spChg chg="mod">
-          <ac:chgData name="Antonio-Marius Tricolici" userId="4ca5b4ffc4fcfb59" providerId="LiveId" clId="{948C9755-D538-4556-A498-DE6B58A1F2A7}" dt="2022-02-08T17:33:48.687" v="1235" actId="20577"/>
-          <ac:spMkLst>
-            <pc:docMk/>
-            <pc:sldMk cId="395441443" sldId="300"/>
-            <ac:spMk id="3" creationId="{491A78FA-A4AE-45D3-B4AA-F84DDF4B804D}"/>
-          </ac:spMkLst>
-        </pc:spChg>
-      </pc:sldChg>
-      <pc:sldChg chg="modSp new del mod">
-        <pc:chgData name="Antonio-Marius Tricolici" userId="4ca5b4ffc4fcfb59" providerId="LiveId" clId="{948C9755-D538-4556-A498-DE6B58A1F2A7}" dt="2022-02-07T18:57:55.779" v="17" actId="2696"/>
-        <pc:sldMkLst>
-          <pc:docMk/>
-          <pc:sldMk cId="1722697930" sldId="305"/>
-        </pc:sldMkLst>
-        <pc:spChg chg="mod">
-          <ac:chgData name="Antonio-Marius Tricolici" userId="4ca5b4ffc4fcfb59" providerId="LiveId" clId="{948C9755-D538-4556-A498-DE6B58A1F2A7}" dt="2022-02-07T18:57:51.163" v="16" actId="20577"/>
-          <ac:spMkLst>
-            <pc:docMk/>
-            <pc:sldMk cId="1722697930" sldId="305"/>
-            <ac:spMk id="2" creationId="{96F5A353-0409-42B3-BCB0-992518E2E1CC}"/>
-          </ac:spMkLst>
-        </pc:spChg>
-      </pc:sldChg>
-      <pc:sldChg chg="addSp modSp new mod">
-        <pc:chgData name="Antonio-Marius Tricolici" userId="4ca5b4ffc4fcfb59" providerId="LiveId" clId="{948C9755-D538-4556-A498-DE6B58A1F2A7}" dt="2022-02-07T19:00:50.543" v="94" actId="1076"/>
-        <pc:sldMkLst>
-          <pc:docMk/>
-          <pc:sldMk cId="4272820975" sldId="305"/>
-        </pc:sldMkLst>
-        <pc:spChg chg="mod">
-          <ac:chgData name="Antonio-Marius Tricolici" userId="4ca5b4ffc4fcfb59" providerId="LiveId" clId="{948C9755-D538-4556-A498-DE6B58A1F2A7}" dt="2022-02-07T19:00:28.285" v="72" actId="20577"/>
-          <ac:spMkLst>
-            <pc:docMk/>
-            <pc:sldMk cId="4272820975" sldId="305"/>
-            <ac:spMk id="2" creationId="{6D009EDC-BAAB-4889-ADDB-CEAEF6DDF7B3}"/>
-          </ac:spMkLst>
-        </pc:spChg>
-        <pc:spChg chg="add mod">
-          <ac:chgData name="Antonio-Marius Tricolici" userId="4ca5b4ffc4fcfb59" providerId="LiveId" clId="{948C9755-D538-4556-A498-DE6B58A1F2A7}" dt="2022-02-07T18:59:37.315" v="35" actId="1076"/>
-          <ac:spMkLst>
-            <pc:docMk/>
-            <pc:sldMk cId="4272820975" sldId="305"/>
-            <ac:spMk id="3" creationId="{8504EBCF-C7BE-459C-84F7-994B926DD61D}"/>
-          </ac:spMkLst>
-        </pc:spChg>
-        <pc:spChg chg="add mod">
-          <ac:chgData name="Antonio-Marius Tricolici" userId="4ca5b4ffc4fcfb59" providerId="LiveId" clId="{948C9755-D538-4556-A498-DE6B58A1F2A7}" dt="2022-02-07T19:00:19.685" v="49" actId="339"/>
-          <ac:spMkLst>
-            <pc:docMk/>
-            <pc:sldMk cId="4272820975" sldId="305"/>
-            <ac:spMk id="4" creationId="{72A8303D-9E5E-41B8-85BC-1983B312B09D}"/>
-          </ac:spMkLst>
-        </pc:spChg>
-        <pc:spChg chg="add mod">
-          <ac:chgData name="Antonio-Marius Tricolici" userId="4ca5b4ffc4fcfb59" providerId="LiveId" clId="{948C9755-D538-4556-A498-DE6B58A1F2A7}" dt="2022-02-07T19:00:41.688" v="83" actId="1076"/>
-          <ac:spMkLst>
-            <pc:docMk/>
-            <pc:sldMk cId="4272820975" sldId="305"/>
-            <ac:spMk id="5" creationId="{09B583F5-3BCC-44DD-BE1B-19E251B6EF0F}"/>
-          </ac:spMkLst>
-        </pc:spChg>
-        <pc:spChg chg="add mod">
-          <ac:chgData name="Antonio-Marius Tricolici" userId="4ca5b4ffc4fcfb59" providerId="LiveId" clId="{948C9755-D538-4556-A498-DE6B58A1F2A7}" dt="2022-02-07T19:00:50.543" v="94" actId="1076"/>
-          <ac:spMkLst>
-            <pc:docMk/>
-            <pc:sldMk cId="4272820975" sldId="305"/>
-            <ac:spMk id="6" creationId="{3109227E-96BB-4C72-AE9B-64D2AF1DCD38}"/>
-          </ac:spMkLst>
-        </pc:spChg>
-      </pc:sldChg>
-      <pc:sldChg chg="addSp modSp new mod">
-        <pc:chgData name="Antonio-Marius Tricolici" userId="4ca5b4ffc4fcfb59" providerId="LiveId" clId="{948C9755-D538-4556-A498-DE6B58A1F2A7}" dt="2022-02-07T19:19:15.907" v="254" actId="2711"/>
-        <pc:sldMkLst>
-          <pc:docMk/>
-          <pc:sldMk cId="1102530071" sldId="306"/>
-        </pc:sldMkLst>
-        <pc:spChg chg="mod">
-          <ac:chgData name="Antonio-Marius Tricolici" userId="4ca5b4ffc4fcfb59" providerId="LiveId" clId="{948C9755-D538-4556-A498-DE6B58A1F2A7}" dt="2022-02-07T19:17:52.013" v="235" actId="20577"/>
-          <ac:spMkLst>
-            <pc:docMk/>
-            <pc:sldMk cId="1102530071" sldId="306"/>
-            <ac:spMk id="2" creationId="{A8735B3D-5867-43FB-8298-BAAE2B8B5D3E}"/>
-          </ac:spMkLst>
-        </pc:spChg>
-        <pc:spChg chg="add mod">
-          <ac:chgData name="Antonio-Marius Tricolici" userId="4ca5b4ffc4fcfb59" providerId="LiveId" clId="{948C9755-D538-4556-A498-DE6B58A1F2A7}" dt="2022-02-07T19:18:48.285" v="239" actId="1076"/>
-          <ac:spMkLst>
-            <pc:docMk/>
-            <pc:sldMk cId="1102530071" sldId="306"/>
-            <ac:spMk id="3" creationId="{36B6A2EB-CB4B-4E7B-AA83-A45032893364}"/>
-          </ac:spMkLst>
-        </pc:spChg>
-        <pc:spChg chg="add mod">
-          <ac:chgData name="Antonio-Marius Tricolici" userId="4ca5b4ffc4fcfb59" providerId="LiveId" clId="{948C9755-D538-4556-A498-DE6B58A1F2A7}" dt="2022-02-07T19:19:15.907" v="254" actId="2711"/>
-          <ac:spMkLst>
-            <pc:docMk/>
-            <pc:sldMk cId="1102530071" sldId="306"/>
-            <ac:spMk id="4" creationId="{4D9F60A6-DDFA-42DF-ADD4-B877808A2B21}"/>
-          </ac:spMkLst>
-        </pc:spChg>
-      </pc:sldChg>
-      <pc:sldChg chg="addSp delSp modSp new mod">
-        <pc:chgData name="Antonio-Marius Tricolici" userId="4ca5b4ffc4fcfb59" providerId="LiveId" clId="{948C9755-D538-4556-A498-DE6B58A1F2A7}" dt="2022-02-08T17:02:55.698" v="954" actId="20577"/>
-        <pc:sldMkLst>
-          <pc:docMk/>
-          <pc:sldMk cId="3530632125" sldId="307"/>
-        </pc:sldMkLst>
-        <pc:spChg chg="mod">
-          <ac:chgData name="Antonio-Marius Tricolici" userId="4ca5b4ffc4fcfb59" providerId="LiveId" clId="{948C9755-D538-4556-A498-DE6B58A1F2A7}" dt="2022-02-08T16:49:38.996" v="671" actId="20577"/>
-          <ac:spMkLst>
-            <pc:docMk/>
-            <pc:sldMk cId="3530632125" sldId="307"/>
-            <ac:spMk id="2" creationId="{5620D6B0-CD60-4DDF-95FF-B6EE4EA3E55A}"/>
-          </ac:spMkLst>
-        </pc:spChg>
-        <pc:spChg chg="add mod">
-          <ac:chgData name="Antonio-Marius Tricolici" userId="4ca5b4ffc4fcfb59" providerId="LiveId" clId="{948C9755-D538-4556-A498-DE6B58A1F2A7}" dt="2022-02-08T17:02:55.698" v="954" actId="20577"/>
-          <ac:spMkLst>
-            <pc:docMk/>
-            <pc:sldMk cId="3530632125" sldId="307"/>
-            <ac:spMk id="3" creationId="{5BA591D8-A6E4-4B4E-B95E-F653409EFCD0}"/>
-          </ac:spMkLst>
-        </pc:spChg>
-        <pc:spChg chg="add del mod">
-          <ac:chgData name="Antonio-Marius Tricolici" userId="4ca5b4ffc4fcfb59" providerId="LiveId" clId="{948C9755-D538-4556-A498-DE6B58A1F2A7}" dt="2022-02-08T17:01:11.291" v="869" actId="478"/>
-          <ac:spMkLst>
-            <pc:docMk/>
-            <pc:sldMk cId="3530632125" sldId="307"/>
-            <ac:spMk id="4" creationId="{23EA854A-6840-436E-8F5A-9C91EE7C9FB9}"/>
-          </ac:spMkLst>
-        </pc:spChg>
-      </pc:sldChg>
-      <pc:sldChg chg="addSp modSp new mod">
-        <pc:chgData name="Antonio-Marius Tricolici" userId="4ca5b4ffc4fcfb59" providerId="LiveId" clId="{948C9755-D538-4556-A498-DE6B58A1F2A7}" dt="2022-02-08T17:13:04.474" v="1131" actId="20577"/>
-        <pc:sldMkLst>
-          <pc:docMk/>
-          <pc:sldMk cId="3895728013" sldId="308"/>
-        </pc:sldMkLst>
-        <pc:spChg chg="mod">
-          <ac:chgData name="Antonio-Marius Tricolici" userId="4ca5b4ffc4fcfb59" providerId="LiveId" clId="{948C9755-D538-4556-A498-DE6B58A1F2A7}" dt="2022-02-08T17:08:39.543" v="971" actId="27636"/>
-          <ac:spMkLst>
-            <pc:docMk/>
-            <pc:sldMk cId="3895728013" sldId="308"/>
-            <ac:spMk id="2" creationId="{C6DF4976-365D-45EB-A22A-1D0D87E6A0E6}"/>
-          </ac:spMkLst>
-        </pc:spChg>
-        <pc:spChg chg="add mod">
-          <ac:chgData name="Antonio-Marius Tricolici" userId="4ca5b4ffc4fcfb59" providerId="LiveId" clId="{948C9755-D538-4556-A498-DE6B58A1F2A7}" dt="2022-02-08T17:13:04.474" v="1131" actId="20577"/>
-          <ac:spMkLst>
-            <pc:docMk/>
-            <pc:sldMk cId="3895728013" sldId="308"/>
-            <ac:spMk id="3" creationId="{F5551B66-E95F-46FC-A73A-2DF5D3334A3C}"/>
-          </ac:spMkLst>
-        </pc:spChg>
-      </pc:sldChg>
-      <pc:sldChg chg="addSp delSp modSp new mod">
-        <pc:chgData name="Antonio-Marius Tricolici" userId="4ca5b4ffc4fcfb59" providerId="LiveId" clId="{948C9755-D538-4556-A498-DE6B58A1F2A7}" dt="2022-02-08T17:20:50.907" v="1164" actId="1076"/>
-        <pc:sldMkLst>
-          <pc:docMk/>
-          <pc:sldMk cId="1103731587" sldId="309"/>
-        </pc:sldMkLst>
-        <pc:spChg chg="mod">
-          <ac:chgData name="Antonio-Marius Tricolici" userId="4ca5b4ffc4fcfb59" providerId="LiveId" clId="{948C9755-D538-4556-A498-DE6B58A1F2A7}" dt="2022-02-08T17:20:16.523" v="1143" actId="27636"/>
-          <ac:spMkLst>
-            <pc:docMk/>
-            <pc:sldMk cId="1103731587" sldId="309"/>
-            <ac:spMk id="2" creationId="{601CB872-5F0B-45A1-AEAA-275895DAD66B}"/>
-          </ac:spMkLst>
-        </pc:spChg>
-        <pc:spChg chg="add del">
-          <ac:chgData name="Antonio-Marius Tricolici" userId="4ca5b4ffc4fcfb59" providerId="LiveId" clId="{948C9755-D538-4556-A498-DE6B58A1F2A7}" dt="2022-02-08T17:20:18.890" v="1145"/>
-          <ac:spMkLst>
-            <pc:docMk/>
-            <pc:sldMk cId="1103731587" sldId="309"/>
-            <ac:spMk id="3" creationId="{A95C2D6A-EAA0-47B3-9354-E44EA8096BE4}"/>
-          </ac:spMkLst>
-        </pc:spChg>
-        <pc:spChg chg="add mod">
-          <ac:chgData name="Antonio-Marius Tricolici" userId="4ca5b4ffc4fcfb59" providerId="LiveId" clId="{948C9755-D538-4556-A498-DE6B58A1F2A7}" dt="2022-02-08T17:20:50.907" v="1164" actId="1076"/>
-          <ac:spMkLst>
-            <pc:docMk/>
-            <pc:sldMk cId="1103731587" sldId="309"/>
-            <ac:spMk id="4" creationId="{2A375779-5019-444B-B98D-3D5F6AF18A3B}"/>
-          </ac:spMkLst>
-        </pc:spChg>
-      </pc:sldChg>
-      <pc:sldChg chg="modSp new del mod ord">
-        <pc:chgData name="Antonio-Marius Tricolici" userId="4ca5b4ffc4fcfb59" providerId="LiveId" clId="{948C9755-D538-4556-A498-DE6B58A1F2A7}" dt="2022-02-08T17:28:17.507" v="1188" actId="2696"/>
-        <pc:sldMkLst>
-          <pc:docMk/>
-          <pc:sldMk cId="279625937" sldId="310"/>
-        </pc:sldMkLst>
-        <pc:spChg chg="mod">
-          <ac:chgData name="Antonio-Marius Tricolici" userId="4ca5b4ffc4fcfb59" providerId="LiveId" clId="{948C9755-D538-4556-A498-DE6B58A1F2A7}" dt="2022-02-08T17:25:34.049" v="1187" actId="20577"/>
-          <ac:spMkLst>
-            <pc:docMk/>
-            <pc:sldMk cId="279625937" sldId="310"/>
-            <ac:spMk id="2" creationId="{2EB62FDA-6C9D-42C4-AE0D-95C4EEA855AE}"/>
-          </ac:spMkLst>
-        </pc:spChg>
-      </pc:sldChg>
-      <pc:sldChg chg="modSp new del mod">
-        <pc:chgData name="Antonio-Marius Tricolici" userId="4ca5b4ffc4fcfb59" providerId="LiveId" clId="{948C9755-D538-4556-A498-DE6B58A1F2A7}" dt="2022-02-08T17:42:00.760" v="1236" actId="2696"/>
-        <pc:sldMkLst>
-          <pc:docMk/>
-          <pc:sldMk cId="2020452495" sldId="310"/>
-        </pc:sldMkLst>
-        <pc:spChg chg="mod">
-          <ac:chgData name="Antonio-Marius Tricolici" userId="4ca5b4ffc4fcfb59" providerId="LiveId" clId="{948C9755-D538-4556-A498-DE6B58A1F2A7}" dt="2022-02-08T17:33:06.734" v="1218" actId="20577"/>
-          <ac:spMkLst>
-            <pc:docMk/>
-            <pc:sldMk cId="2020452495" sldId="310"/>
-            <ac:spMk id="2" creationId="{03F912CF-405C-44A6-9748-85A52068489B}"/>
-          </ac:spMkLst>
-        </pc:spChg>
-      </pc:sldChg>
-      <pc:sldChg chg="addSp modSp new mod">
-        <pc:chgData name="Antonio-Marius Tricolici" userId="4ca5b4ffc4fcfb59" providerId="LiveId" clId="{948C9755-D538-4556-A498-DE6B58A1F2A7}" dt="2022-02-09T16:14:00.051" v="2012" actId="20577"/>
-        <pc:sldMkLst>
-          <pc:docMk/>
-          <pc:sldMk cId="3014821586" sldId="310"/>
-        </pc:sldMkLst>
-        <pc:spChg chg="mod">
-          <ac:chgData name="Antonio-Marius Tricolici" userId="4ca5b4ffc4fcfb59" providerId="LiveId" clId="{948C9755-D538-4556-A498-DE6B58A1F2A7}" dt="2022-02-09T13:11:04.188" v="1396" actId="20577"/>
-          <ac:spMkLst>
-            <pc:docMk/>
-            <pc:sldMk cId="3014821586" sldId="310"/>
-            <ac:spMk id="2" creationId="{F0E4DAD0-99E1-4CC4-8A25-7BD73404AAAD}"/>
-          </ac:spMkLst>
-        </pc:spChg>
-        <pc:spChg chg="add mod">
-          <ac:chgData name="Antonio-Marius Tricolici" userId="4ca5b4ffc4fcfb59" providerId="LiveId" clId="{948C9755-D538-4556-A498-DE6B58A1F2A7}" dt="2022-02-09T16:14:00.051" v="2012" actId="20577"/>
-          <ac:spMkLst>
-            <pc:docMk/>
-            <pc:sldMk cId="3014821586" sldId="310"/>
-            <ac:spMk id="3" creationId="{121DA9C3-96D8-4533-AD7A-B1AB4342D7A5}"/>
-          </ac:spMkLst>
-        </pc:spChg>
-      </pc:sldChg>
-      <pc:sldChg chg="addSp delSp modSp add mod">
-        <pc:chgData name="Antonio-Marius Tricolici" userId="4ca5b4ffc4fcfb59" providerId="LiveId" clId="{948C9755-D538-4556-A498-DE6B58A1F2A7}" dt="2022-02-09T13:24:04.624" v="1980" actId="1076"/>
-        <pc:sldMkLst>
-          <pc:docMk/>
-          <pc:sldMk cId="1951682945" sldId="311"/>
-        </pc:sldMkLst>
-        <pc:spChg chg="mod">
-          <ac:chgData name="Antonio-Marius Tricolici" userId="4ca5b4ffc4fcfb59" providerId="LiveId" clId="{948C9755-D538-4556-A498-DE6B58A1F2A7}" dt="2022-02-09T13:23:00.647" v="1957" actId="20577"/>
-          <ac:spMkLst>
-            <pc:docMk/>
-            <pc:sldMk cId="1951682945" sldId="311"/>
-            <ac:spMk id="2" creationId="{2434BFC9-3CF7-4C5A-AECF-8CB62D74C39B}"/>
-          </ac:spMkLst>
-        </pc:spChg>
-        <pc:spChg chg="del mod">
-          <ac:chgData name="Antonio-Marius Tricolici" userId="4ca5b4ffc4fcfb59" providerId="LiveId" clId="{948C9755-D538-4556-A498-DE6B58A1F2A7}" dt="2022-02-09T13:23:37.781" v="1960" actId="478"/>
-          <ac:spMkLst>
-            <pc:docMk/>
-            <pc:sldMk cId="1951682945" sldId="311"/>
-            <ac:spMk id="3" creationId="{53699E59-CFF6-4FAA-8FCC-4446DF473673}"/>
-          </ac:spMkLst>
-        </pc:spChg>
-        <pc:spChg chg="add del">
-          <ac:chgData name="Antonio-Marius Tricolici" userId="4ca5b4ffc4fcfb59" providerId="LiveId" clId="{948C9755-D538-4556-A498-DE6B58A1F2A7}" dt="2022-02-09T13:23:37.781" v="1960" actId="478"/>
-          <ac:spMkLst>
-            <pc:docMk/>
-            <pc:sldMk cId="1951682945" sldId="311"/>
-            <ac:spMk id="4" creationId="{76F5F353-3903-45E0-8DD7-D7F76E5451AF}"/>
-          </ac:spMkLst>
-        </pc:spChg>
-        <pc:spChg chg="add mod">
-          <ac:chgData name="Antonio-Marius Tricolici" userId="4ca5b4ffc4fcfb59" providerId="LiveId" clId="{948C9755-D538-4556-A498-DE6B58A1F2A7}" dt="2022-02-09T13:24:04.624" v="1980" actId="1076"/>
-          <ac:spMkLst>
-            <pc:docMk/>
-            <pc:sldMk cId="1951682945" sldId="311"/>
-            <ac:spMk id="5" creationId="{28C3E6EF-CDA0-4AF1-B0C3-0637ECFE3104}"/>
-          </ac:spMkLst>
-        </pc:spChg>
-      </pc:sldChg>
-      <pc:sldChg chg="addSp delSp modSp new mod">
-        <pc:chgData name="Antonio-Marius Tricolici" userId="4ca5b4ffc4fcfb59" providerId="LiveId" clId="{948C9755-D538-4556-A498-DE6B58A1F2A7}" dt="2022-02-09T16:23:26.175" v="2491" actId="1076"/>
-        <pc:sldMkLst>
-          <pc:docMk/>
-          <pc:sldMk cId="1382119592" sldId="312"/>
-        </pc:sldMkLst>
-        <pc:spChg chg="mod">
-          <ac:chgData name="Antonio-Marius Tricolici" userId="4ca5b4ffc4fcfb59" providerId="LiveId" clId="{948C9755-D538-4556-A498-DE6B58A1F2A7}" dt="2022-02-09T16:20:07.876" v="2106" actId="20577"/>
-          <ac:spMkLst>
-            <pc:docMk/>
-            <pc:sldMk cId="1382119592" sldId="312"/>
-            <ac:spMk id="2" creationId="{A2550421-BFA2-4B09-832F-B3DB7C65246E}"/>
-          </ac:spMkLst>
-        </pc:spChg>
-        <pc:spChg chg="add del mod">
-          <ac:chgData name="Antonio-Marius Tricolici" userId="4ca5b4ffc4fcfb59" providerId="LiveId" clId="{948C9755-D538-4556-A498-DE6B58A1F2A7}" dt="2022-02-09T16:20:43.959" v="2110"/>
-          <ac:spMkLst>
-            <pc:docMk/>
-            <pc:sldMk cId="1382119592" sldId="312"/>
-            <ac:spMk id="3" creationId="{E319FDFB-88C0-430A-BC8B-E492D377F991}"/>
-          </ac:spMkLst>
-        </pc:spChg>
-        <pc:spChg chg="add del">
-          <ac:chgData name="Antonio-Marius Tricolici" userId="4ca5b4ffc4fcfb59" providerId="LiveId" clId="{948C9755-D538-4556-A498-DE6B58A1F2A7}" dt="2022-02-09T16:22:55.947" v="2465"/>
-          <ac:spMkLst>
-            <pc:docMk/>
-            <pc:sldMk cId="1382119592" sldId="312"/>
-            <ac:spMk id="4" creationId="{E9BB46BB-5807-46DB-B1C9-3E6BF1BB9ED2}"/>
-          </ac:spMkLst>
-        </pc:spChg>
-        <pc:spChg chg="add mod">
-          <ac:chgData name="Antonio-Marius Tricolici" userId="4ca5b4ffc4fcfb59" providerId="LiveId" clId="{948C9755-D538-4556-A498-DE6B58A1F2A7}" dt="2022-02-09T16:23:26.175" v="2491" actId="1076"/>
-          <ac:spMkLst>
-            <pc:docMk/>
-            <pc:sldMk cId="1382119592" sldId="312"/>
-            <ac:spMk id="5" creationId="{66FBCD7C-505A-45CE-9762-4E56EC9915F5}"/>
-          </ac:spMkLst>
-        </pc:spChg>
-      </pc:sldChg>
-      <pc:sldChg chg="addSp modSp new del mod">
-        <pc:chgData name="Antonio-Marius Tricolici" userId="4ca5b4ffc4fcfb59" providerId="LiveId" clId="{948C9755-D538-4556-A498-DE6B58A1F2A7}" dt="2022-02-09T16:19:47.084" v="2081" actId="2696"/>
-        <pc:sldMkLst>
-          <pc:docMk/>
-          <pc:sldMk cId="3349678792" sldId="312"/>
-        </pc:sldMkLst>
-        <pc:spChg chg="mod">
-          <ac:chgData name="Antonio-Marius Tricolici" userId="4ca5b4ffc4fcfb59" providerId="LiveId" clId="{948C9755-D538-4556-A498-DE6B58A1F2A7}" dt="2022-02-09T16:18:55.723" v="2022" actId="20577"/>
-          <ac:spMkLst>
-            <pc:docMk/>
-            <pc:sldMk cId="3349678792" sldId="312"/>
-            <ac:spMk id="2" creationId="{983B203C-7278-456B-9AC0-0FCC36D9CC04}"/>
-          </ac:spMkLst>
-        </pc:spChg>
-        <pc:spChg chg="add mod">
-          <ac:chgData name="Antonio-Marius Tricolici" userId="4ca5b4ffc4fcfb59" providerId="LiveId" clId="{948C9755-D538-4556-A498-DE6B58A1F2A7}" dt="2022-02-09T16:19:24.728" v="2080" actId="20577"/>
-          <ac:spMkLst>
-            <pc:docMk/>
-            <pc:sldMk cId="3349678792" sldId="312"/>
-            <ac:spMk id="3" creationId="{F4A8B284-B63E-4C36-9FF1-F773CDE92F86}"/>
-          </ac:spMkLst>
-        </pc:spChg>
-      </pc:sldChg>
-      <pc:sldChg chg="addSp modSp new mod">
-        <pc:chgData name="Antonio-Marius Tricolici" userId="4ca5b4ffc4fcfb59" providerId="LiveId" clId="{948C9755-D538-4556-A498-DE6B58A1F2A7}" dt="2022-02-09T16:25:12.431" v="2667" actId="20577"/>
-        <pc:sldMkLst>
-          <pc:docMk/>
-          <pc:sldMk cId="672368777" sldId="313"/>
-        </pc:sldMkLst>
-        <pc:spChg chg="mod">
-          <ac:chgData name="Antonio-Marius Tricolici" userId="4ca5b4ffc4fcfb59" providerId="LiveId" clId="{948C9755-D538-4556-A498-DE6B58A1F2A7}" dt="2022-02-09T16:20:54.868" v="2129" actId="20577"/>
-          <ac:spMkLst>
-            <pc:docMk/>
-            <pc:sldMk cId="672368777" sldId="313"/>
-            <ac:spMk id="2" creationId="{D09F23FB-6150-4E1E-B6B0-A351D7BB021D}"/>
-          </ac:spMkLst>
-        </pc:spChg>
-        <pc:spChg chg="add mod">
-          <ac:chgData name="Antonio-Marius Tricolici" userId="4ca5b4ffc4fcfb59" providerId="LiveId" clId="{948C9755-D538-4556-A498-DE6B58A1F2A7}" dt="2022-02-09T16:25:12.431" v="2667" actId="20577"/>
-          <ac:spMkLst>
-            <pc:docMk/>
-            <pc:sldMk cId="672368777" sldId="313"/>
-            <ac:spMk id="3" creationId="{66244AFD-0283-4EC3-8CD9-5A774A43EB00}"/>
-          </ac:spMkLst>
-        </pc:spChg>
-      </pc:sldChg>
-    </pc:docChg>
-  </pc:docChgLst>
-  <pc:docChgLst>
     <pc:chgData name="Antonio-Marius Tricolici" userId="4ca5b4ffc4fcfb59" providerId="LiveId" clId="{F830A961-9413-4C2F-8E1D-42717A9235CA}"/>
     <pc:docChg chg="undo custSel addSld delSld modSld addSection delSection modSection">
       <pc:chgData name="Antonio-Marius Tricolici" userId="4ca5b4ffc4fcfb59" providerId="LiveId" clId="{F830A961-9413-4C2F-8E1D-42717A9235CA}" dt="2022-02-04T13:09:16.783" v="36" actId="20577"/>
@@ -2514,6 +1914,600 @@
           </pc:sldLayoutMkLst>
         </pc:sldLayoutChg>
       </pc:sldMasterChg>
+    </pc:docChg>
+  </pc:docChgLst>
+  <pc:docChgLst>
+    <pc:chgData name="Antonio-Marius Tricolici" userId="4ca5b4ffc4fcfb59" providerId="LiveId" clId="{948C9755-D538-4556-A498-DE6B58A1F2A7}"/>
+    <pc:docChg chg="undo custSel addSld delSld modSld sldOrd modSection">
+      <pc:chgData name="Antonio-Marius Tricolici" userId="4ca5b4ffc4fcfb59" providerId="LiveId" clId="{948C9755-D538-4556-A498-DE6B58A1F2A7}" dt="2022-02-09T16:25:12.431" v="2667" actId="20577"/>
+      <pc:docMkLst>
+        <pc:docMk/>
+      </pc:docMkLst>
+      <pc:sldChg chg="addSp delSp modSp mod">
+        <pc:chgData name="Antonio-Marius Tricolici" userId="4ca5b4ffc4fcfb59" providerId="LiveId" clId="{948C9755-D538-4556-A498-DE6B58A1F2A7}" dt="2022-02-08T15:53:38.728" v="661" actId="11529"/>
+        <pc:sldMkLst>
+          <pc:docMk/>
+          <pc:sldMk cId="2712006679" sldId="280"/>
+        </pc:sldMkLst>
+        <pc:spChg chg="mod">
+          <ac:chgData name="Antonio-Marius Tricolici" userId="4ca5b4ffc4fcfb59" providerId="LiveId" clId="{948C9755-D538-4556-A498-DE6B58A1F2A7}" dt="2022-02-08T15:43:00.280" v="273" actId="1076"/>
+          <ac:spMkLst>
+            <pc:docMk/>
+            <pc:sldMk cId="2712006679" sldId="280"/>
+            <ac:spMk id="2" creationId="{8E446382-299C-4A5E-B254-742C46985421}"/>
+          </ac:spMkLst>
+        </pc:spChg>
+        <pc:spChg chg="mod">
+          <ac:chgData name="Antonio-Marius Tricolici" userId="4ca5b4ffc4fcfb59" providerId="LiveId" clId="{948C9755-D538-4556-A498-DE6B58A1F2A7}" dt="2022-02-08T15:43:04.335" v="274" actId="1076"/>
+          <ac:spMkLst>
+            <pc:docMk/>
+            <pc:sldMk cId="2712006679" sldId="280"/>
+            <ac:spMk id="6" creationId="{54EC660E-354B-4FCC-9F9F-C7A3C360B230}"/>
+          </ac:spMkLst>
+        </pc:spChg>
+        <pc:spChg chg="add mod">
+          <ac:chgData name="Antonio-Marius Tricolici" userId="4ca5b4ffc4fcfb59" providerId="LiveId" clId="{948C9755-D538-4556-A498-DE6B58A1F2A7}" dt="2022-02-08T15:45:40.697" v="583" actId="1076"/>
+          <ac:spMkLst>
+            <pc:docMk/>
+            <pc:sldMk cId="2712006679" sldId="280"/>
+            <ac:spMk id="7" creationId="{B07AA650-1D8A-4227-870A-23C123F6EF97}"/>
+          </ac:spMkLst>
+        </pc:spChg>
+        <pc:spChg chg="add mod">
+          <ac:chgData name="Antonio-Marius Tricolici" userId="4ca5b4ffc4fcfb59" providerId="LiveId" clId="{948C9755-D538-4556-A498-DE6B58A1F2A7}" dt="2022-02-08T15:46:01.370" v="659" actId="20577"/>
+          <ac:spMkLst>
+            <pc:docMk/>
+            <pc:sldMk cId="2712006679" sldId="280"/>
+            <ac:spMk id="8" creationId="{40965715-8760-4EC8-9AE3-A26C867CF7B2}"/>
+          </ac:spMkLst>
+        </pc:spChg>
+        <pc:spChg chg="mod">
+          <ac:chgData name="Antonio-Marius Tricolici" userId="4ca5b4ffc4fcfb59" providerId="LiveId" clId="{948C9755-D538-4556-A498-DE6B58A1F2A7}" dt="2022-02-08T15:43:00.280" v="273" actId="1076"/>
+          <ac:spMkLst>
+            <pc:docMk/>
+            <pc:sldMk cId="2712006679" sldId="280"/>
+            <ac:spMk id="9" creationId="{1A78085C-DD82-4414-B06A-5093D8A6BB36}"/>
+          </ac:spMkLst>
+        </pc:spChg>
+        <pc:spChg chg="mod">
+          <ac:chgData name="Antonio-Marius Tricolici" userId="4ca5b4ffc4fcfb59" providerId="LiveId" clId="{948C9755-D538-4556-A498-DE6B58A1F2A7}" dt="2022-02-08T15:43:00.280" v="273" actId="1076"/>
+          <ac:spMkLst>
+            <pc:docMk/>
+            <pc:sldMk cId="2712006679" sldId="280"/>
+            <ac:spMk id="10" creationId="{3760D405-3AC0-4227-8E27-94BC8E6EF8F3}"/>
+          </ac:spMkLst>
+        </pc:spChg>
+        <pc:spChg chg="add del mod">
+          <ac:chgData name="Antonio-Marius Tricolici" userId="4ca5b4ffc4fcfb59" providerId="LiveId" clId="{948C9755-D538-4556-A498-DE6B58A1F2A7}" dt="2022-02-08T15:43:17.792" v="278" actId="478"/>
+          <ac:spMkLst>
+            <pc:docMk/>
+            <pc:sldMk cId="2712006679" sldId="280"/>
+            <ac:spMk id="11" creationId="{165C399A-162E-42FC-B7AC-001F10892D9C}"/>
+          </ac:spMkLst>
+        </pc:spChg>
+        <pc:spChg chg="add del mod">
+          <ac:chgData name="Antonio-Marius Tricolici" userId="4ca5b4ffc4fcfb59" providerId="LiveId" clId="{948C9755-D538-4556-A498-DE6B58A1F2A7}" dt="2022-02-08T15:43:16.862" v="277" actId="478"/>
+          <ac:spMkLst>
+            <pc:docMk/>
+            <pc:sldMk cId="2712006679" sldId="280"/>
+            <ac:spMk id="12" creationId="{1A4ECF2D-F5E3-4366-92FE-5E8E6849BDD4}"/>
+          </ac:spMkLst>
+        </pc:spChg>
+        <pc:cxnChg chg="add del">
+          <ac:chgData name="Antonio-Marius Tricolici" userId="4ca5b4ffc4fcfb59" providerId="LiveId" clId="{948C9755-D538-4556-A498-DE6B58A1F2A7}" dt="2022-02-08T15:53:38.728" v="661" actId="11529"/>
+          <ac:cxnSpMkLst>
+            <pc:docMk/>
+            <pc:sldMk cId="2712006679" sldId="280"/>
+            <ac:cxnSpMk id="4" creationId="{649EFB65-72E9-43F1-ABC7-197F14BCACBB}"/>
+          </ac:cxnSpMkLst>
+        </pc:cxnChg>
+      </pc:sldChg>
+      <pc:sldChg chg="modSp mod">
+        <pc:chgData name="Antonio-Marius Tricolici" userId="4ca5b4ffc4fcfb59" providerId="LiveId" clId="{948C9755-D538-4556-A498-DE6B58A1F2A7}" dt="2022-02-08T17:09:26.136" v="1044" actId="20577"/>
+        <pc:sldMkLst>
+          <pc:docMk/>
+          <pc:sldMk cId="3565427431" sldId="282"/>
+        </pc:sldMkLst>
+        <pc:spChg chg="mod">
+          <ac:chgData name="Antonio-Marius Tricolici" userId="4ca5b4ffc4fcfb59" providerId="LiveId" clId="{948C9755-D538-4556-A498-DE6B58A1F2A7}" dt="2022-02-08T17:09:26.136" v="1044" actId="20577"/>
+          <ac:spMkLst>
+            <pc:docMk/>
+            <pc:sldMk cId="3565427431" sldId="282"/>
+            <ac:spMk id="3" creationId="{C36B375D-819E-40EA-93FD-95B37CF2A798}"/>
+          </ac:spMkLst>
+        </pc:spChg>
+      </pc:sldChg>
+      <pc:sldChg chg="modSp modAnim">
+        <pc:chgData name="Antonio-Marius Tricolici" userId="4ca5b4ffc4fcfb59" providerId="LiveId" clId="{948C9755-D538-4556-A498-DE6B58A1F2A7}" dt="2022-02-09T11:04:21.914" v="1245" actId="20577"/>
+        <pc:sldMkLst>
+          <pc:docMk/>
+          <pc:sldMk cId="1099309434" sldId="283"/>
+        </pc:sldMkLst>
+        <pc:spChg chg="mod">
+          <ac:chgData name="Antonio-Marius Tricolici" userId="4ca5b4ffc4fcfb59" providerId="LiveId" clId="{948C9755-D538-4556-A498-DE6B58A1F2A7}" dt="2022-02-09T11:04:21.914" v="1245" actId="20577"/>
+          <ac:spMkLst>
+            <pc:docMk/>
+            <pc:sldMk cId="1099309434" sldId="283"/>
+            <ac:spMk id="12" creationId="{11F58F19-161F-4B91-84D1-EA00C56F4A4E}"/>
+          </ac:spMkLst>
+        </pc:spChg>
+      </pc:sldChg>
+      <pc:sldChg chg="modSp mod">
+        <pc:chgData name="Antonio-Marius Tricolici" userId="4ca5b4ffc4fcfb59" providerId="LiveId" clId="{948C9755-D538-4556-A498-DE6B58A1F2A7}" dt="2022-02-09T11:02:34.709" v="1241" actId="1076"/>
+        <pc:sldMkLst>
+          <pc:docMk/>
+          <pc:sldMk cId="2946385776" sldId="285"/>
+        </pc:sldMkLst>
+        <pc:spChg chg="mod">
+          <ac:chgData name="Antonio-Marius Tricolici" userId="4ca5b4ffc4fcfb59" providerId="LiveId" clId="{948C9755-D538-4556-A498-DE6B58A1F2A7}" dt="2022-02-09T11:02:31.537" v="1240" actId="20577"/>
+          <ac:spMkLst>
+            <pc:docMk/>
+            <pc:sldMk cId="2946385776" sldId="285"/>
+            <ac:spMk id="2" creationId="{B03688EC-5062-4FC3-9581-27B2CDABA505}"/>
+          </ac:spMkLst>
+        </pc:spChg>
+        <pc:picChg chg="mod">
+          <ac:chgData name="Antonio-Marius Tricolici" userId="4ca5b4ffc4fcfb59" providerId="LiveId" clId="{948C9755-D538-4556-A498-DE6B58A1F2A7}" dt="2022-02-09T11:02:34.709" v="1241" actId="1076"/>
+          <ac:picMkLst>
+            <pc:docMk/>
+            <pc:sldMk cId="2946385776" sldId="285"/>
+            <ac:picMk id="1026" creationId="{1AFC8FBC-3D4C-4DA2-B56D-B97BF4120C52}"/>
+          </ac:picMkLst>
+        </pc:picChg>
+      </pc:sldChg>
+      <pc:sldChg chg="modSp mod ord">
+        <pc:chgData name="Antonio-Marius Tricolici" userId="4ca5b4ffc4fcfb59" providerId="LiveId" clId="{948C9755-D538-4556-A498-DE6B58A1F2A7}" dt="2022-02-09T13:04:21.497" v="1306" actId="20577"/>
+        <pc:sldMkLst>
+          <pc:docMk/>
+          <pc:sldMk cId="4091551081" sldId="291"/>
+        </pc:sldMkLst>
+        <pc:spChg chg="mod">
+          <ac:chgData name="Antonio-Marius Tricolici" userId="4ca5b4ffc4fcfb59" providerId="LiveId" clId="{948C9755-D538-4556-A498-DE6B58A1F2A7}" dt="2022-02-09T13:04:21.497" v="1306" actId="20577"/>
+          <ac:spMkLst>
+            <pc:docMk/>
+            <pc:sldMk cId="4091551081" sldId="291"/>
+            <ac:spMk id="3" creationId="{0D116993-C575-4EB0-BBCB-E96E07F70ECC}"/>
+          </ac:spMkLst>
+        </pc:spChg>
+      </pc:sldChg>
+      <pc:sldChg chg="modSp mod">
+        <pc:chgData name="Antonio-Marius Tricolici" userId="4ca5b4ffc4fcfb59" providerId="LiveId" clId="{948C9755-D538-4556-A498-DE6B58A1F2A7}" dt="2022-02-08T17:28:23.047" v="1202" actId="20577"/>
+        <pc:sldMkLst>
+          <pc:docMk/>
+          <pc:sldMk cId="2231459128" sldId="295"/>
+        </pc:sldMkLst>
+        <pc:graphicFrameChg chg="modGraphic">
+          <ac:chgData name="Antonio-Marius Tricolici" userId="4ca5b4ffc4fcfb59" providerId="LiveId" clId="{948C9755-D538-4556-A498-DE6B58A1F2A7}" dt="2022-02-08T17:28:23.047" v="1202" actId="20577"/>
+          <ac:graphicFrameMkLst>
+            <pc:docMk/>
+            <pc:sldMk cId="2231459128" sldId="295"/>
+            <ac:graphicFrameMk id="3" creationId="{82FC0CEF-BB47-4CBB-A67F-C85E5AD6707C}"/>
+          </ac:graphicFrameMkLst>
+        </pc:graphicFrameChg>
+      </pc:sldChg>
+      <pc:sldChg chg="addSp delSp modSp">
+        <pc:chgData name="Antonio-Marius Tricolici" userId="4ca5b4ffc4fcfb59" providerId="LiveId" clId="{948C9755-D538-4556-A498-DE6B58A1F2A7}" dt="2022-02-09T13:24:12.773" v="1982"/>
+        <pc:sldMkLst>
+          <pc:docMk/>
+          <pc:sldMk cId="1092461397" sldId="296"/>
+        </pc:sldMkLst>
+        <pc:spChg chg="del mod">
+          <ac:chgData name="Antonio-Marius Tricolici" userId="4ca5b4ffc4fcfb59" providerId="LiveId" clId="{948C9755-D538-4556-A498-DE6B58A1F2A7}" dt="2022-02-09T13:24:12.128" v="1981" actId="478"/>
+          <ac:spMkLst>
+            <pc:docMk/>
+            <pc:sldMk cId="1092461397" sldId="296"/>
+            <ac:spMk id="3" creationId="{53699E59-CFF6-4FAA-8FCC-4446DF473673}"/>
+          </ac:spMkLst>
+        </pc:spChg>
+        <pc:spChg chg="add mod">
+          <ac:chgData name="Antonio-Marius Tricolici" userId="4ca5b4ffc4fcfb59" providerId="LiveId" clId="{948C9755-D538-4556-A498-DE6B58A1F2A7}" dt="2022-02-09T13:24:12.773" v="1982"/>
+          <ac:spMkLst>
+            <pc:docMk/>
+            <pc:sldMk cId="1092461397" sldId="296"/>
+            <ac:spMk id="4" creationId="{612B1899-40F8-4771-B552-2D66FCA5F6D0}"/>
+          </ac:spMkLst>
+        </pc:spChg>
+      </pc:sldChg>
+      <pc:sldChg chg="modSp mod">
+        <pc:chgData name="Antonio-Marius Tricolici" userId="4ca5b4ffc4fcfb59" providerId="LiveId" clId="{948C9755-D538-4556-A498-DE6B58A1F2A7}" dt="2022-02-09T11:16:31.330" v="1302" actId="20577"/>
+        <pc:sldMkLst>
+          <pc:docMk/>
+          <pc:sldMk cId="3225857392" sldId="297"/>
+        </pc:sldMkLst>
+        <pc:spChg chg="mod">
+          <ac:chgData name="Antonio-Marius Tricolici" userId="4ca5b4ffc4fcfb59" providerId="LiveId" clId="{948C9755-D538-4556-A498-DE6B58A1F2A7}" dt="2022-02-09T11:16:31.330" v="1302" actId="20577"/>
+          <ac:spMkLst>
+            <pc:docMk/>
+            <pc:sldMk cId="3225857392" sldId="297"/>
+            <ac:spMk id="3" creationId="{1F9675CB-EDEC-4035-A9B9-CA5BDD4563C1}"/>
+          </ac:spMkLst>
+        </pc:spChg>
+      </pc:sldChg>
+      <pc:sldChg chg="modSp mod">
+        <pc:chgData name="Antonio-Marius Tricolici" userId="4ca5b4ffc4fcfb59" providerId="LiveId" clId="{948C9755-D538-4556-A498-DE6B58A1F2A7}" dt="2022-02-09T13:07:25.262" v="1313" actId="20577"/>
+        <pc:sldMkLst>
+          <pc:docMk/>
+          <pc:sldMk cId="160628957" sldId="299"/>
+        </pc:sldMkLst>
+        <pc:spChg chg="mod">
+          <ac:chgData name="Antonio-Marius Tricolici" userId="4ca5b4ffc4fcfb59" providerId="LiveId" clId="{948C9755-D538-4556-A498-DE6B58A1F2A7}" dt="2022-02-09T13:07:25.262" v="1313" actId="20577"/>
+          <ac:spMkLst>
+            <pc:docMk/>
+            <pc:sldMk cId="160628957" sldId="299"/>
+            <ac:spMk id="3" creationId="{C549E5D0-31A2-4272-8CFF-5122F3897551}"/>
+          </ac:spMkLst>
+        </pc:spChg>
+      </pc:sldChg>
+      <pc:sldChg chg="modSp mod">
+        <pc:chgData name="Antonio-Marius Tricolici" userId="4ca5b4ffc4fcfb59" providerId="LiveId" clId="{948C9755-D538-4556-A498-DE6B58A1F2A7}" dt="2022-02-08T17:33:48.687" v="1235" actId="20577"/>
+        <pc:sldMkLst>
+          <pc:docMk/>
+          <pc:sldMk cId="395441443" sldId="300"/>
+        </pc:sldMkLst>
+        <pc:spChg chg="mod">
+          <ac:chgData name="Antonio-Marius Tricolici" userId="4ca5b4ffc4fcfb59" providerId="LiveId" clId="{948C9755-D538-4556-A498-DE6B58A1F2A7}" dt="2022-02-08T17:33:48.687" v="1235" actId="20577"/>
+          <ac:spMkLst>
+            <pc:docMk/>
+            <pc:sldMk cId="395441443" sldId="300"/>
+            <ac:spMk id="3" creationId="{491A78FA-A4AE-45D3-B4AA-F84DDF4B804D}"/>
+          </ac:spMkLst>
+        </pc:spChg>
+      </pc:sldChg>
+      <pc:sldChg chg="modSp new del mod">
+        <pc:chgData name="Antonio-Marius Tricolici" userId="4ca5b4ffc4fcfb59" providerId="LiveId" clId="{948C9755-D538-4556-A498-DE6B58A1F2A7}" dt="2022-02-07T18:57:55.779" v="17" actId="2696"/>
+        <pc:sldMkLst>
+          <pc:docMk/>
+          <pc:sldMk cId="1722697930" sldId="305"/>
+        </pc:sldMkLst>
+        <pc:spChg chg="mod">
+          <ac:chgData name="Antonio-Marius Tricolici" userId="4ca5b4ffc4fcfb59" providerId="LiveId" clId="{948C9755-D538-4556-A498-DE6B58A1F2A7}" dt="2022-02-07T18:57:51.163" v="16" actId="20577"/>
+          <ac:spMkLst>
+            <pc:docMk/>
+            <pc:sldMk cId="1722697930" sldId="305"/>
+            <ac:spMk id="2" creationId="{96F5A353-0409-42B3-BCB0-992518E2E1CC}"/>
+          </ac:spMkLst>
+        </pc:spChg>
+      </pc:sldChg>
+      <pc:sldChg chg="addSp modSp new mod">
+        <pc:chgData name="Antonio-Marius Tricolici" userId="4ca5b4ffc4fcfb59" providerId="LiveId" clId="{948C9755-D538-4556-A498-DE6B58A1F2A7}" dt="2022-02-07T19:00:50.543" v="94" actId="1076"/>
+        <pc:sldMkLst>
+          <pc:docMk/>
+          <pc:sldMk cId="4272820975" sldId="305"/>
+        </pc:sldMkLst>
+        <pc:spChg chg="mod">
+          <ac:chgData name="Antonio-Marius Tricolici" userId="4ca5b4ffc4fcfb59" providerId="LiveId" clId="{948C9755-D538-4556-A498-DE6B58A1F2A7}" dt="2022-02-07T19:00:28.285" v="72" actId="20577"/>
+          <ac:spMkLst>
+            <pc:docMk/>
+            <pc:sldMk cId="4272820975" sldId="305"/>
+            <ac:spMk id="2" creationId="{6D009EDC-BAAB-4889-ADDB-CEAEF6DDF7B3}"/>
+          </ac:spMkLst>
+        </pc:spChg>
+        <pc:spChg chg="add mod">
+          <ac:chgData name="Antonio-Marius Tricolici" userId="4ca5b4ffc4fcfb59" providerId="LiveId" clId="{948C9755-D538-4556-A498-DE6B58A1F2A7}" dt="2022-02-07T18:59:37.315" v="35" actId="1076"/>
+          <ac:spMkLst>
+            <pc:docMk/>
+            <pc:sldMk cId="4272820975" sldId="305"/>
+            <ac:spMk id="3" creationId="{8504EBCF-C7BE-459C-84F7-994B926DD61D}"/>
+          </ac:spMkLst>
+        </pc:spChg>
+        <pc:spChg chg="add mod">
+          <ac:chgData name="Antonio-Marius Tricolici" userId="4ca5b4ffc4fcfb59" providerId="LiveId" clId="{948C9755-D538-4556-A498-DE6B58A1F2A7}" dt="2022-02-07T19:00:19.685" v="49" actId="339"/>
+          <ac:spMkLst>
+            <pc:docMk/>
+            <pc:sldMk cId="4272820975" sldId="305"/>
+            <ac:spMk id="4" creationId="{72A8303D-9E5E-41B8-85BC-1983B312B09D}"/>
+          </ac:spMkLst>
+        </pc:spChg>
+        <pc:spChg chg="add mod">
+          <ac:chgData name="Antonio-Marius Tricolici" userId="4ca5b4ffc4fcfb59" providerId="LiveId" clId="{948C9755-D538-4556-A498-DE6B58A1F2A7}" dt="2022-02-07T19:00:41.688" v="83" actId="1076"/>
+          <ac:spMkLst>
+            <pc:docMk/>
+            <pc:sldMk cId="4272820975" sldId="305"/>
+            <ac:spMk id="5" creationId="{09B583F5-3BCC-44DD-BE1B-19E251B6EF0F}"/>
+          </ac:spMkLst>
+        </pc:spChg>
+        <pc:spChg chg="add mod">
+          <ac:chgData name="Antonio-Marius Tricolici" userId="4ca5b4ffc4fcfb59" providerId="LiveId" clId="{948C9755-D538-4556-A498-DE6B58A1F2A7}" dt="2022-02-07T19:00:50.543" v="94" actId="1076"/>
+          <ac:spMkLst>
+            <pc:docMk/>
+            <pc:sldMk cId="4272820975" sldId="305"/>
+            <ac:spMk id="6" creationId="{3109227E-96BB-4C72-AE9B-64D2AF1DCD38}"/>
+          </ac:spMkLst>
+        </pc:spChg>
+      </pc:sldChg>
+      <pc:sldChg chg="addSp modSp new mod">
+        <pc:chgData name="Antonio-Marius Tricolici" userId="4ca5b4ffc4fcfb59" providerId="LiveId" clId="{948C9755-D538-4556-A498-DE6B58A1F2A7}" dt="2022-02-07T19:19:15.907" v="254" actId="2711"/>
+        <pc:sldMkLst>
+          <pc:docMk/>
+          <pc:sldMk cId="1102530071" sldId="306"/>
+        </pc:sldMkLst>
+        <pc:spChg chg="mod">
+          <ac:chgData name="Antonio-Marius Tricolici" userId="4ca5b4ffc4fcfb59" providerId="LiveId" clId="{948C9755-D538-4556-A498-DE6B58A1F2A7}" dt="2022-02-07T19:17:52.013" v="235" actId="20577"/>
+          <ac:spMkLst>
+            <pc:docMk/>
+            <pc:sldMk cId="1102530071" sldId="306"/>
+            <ac:spMk id="2" creationId="{A8735B3D-5867-43FB-8298-BAAE2B8B5D3E}"/>
+          </ac:spMkLst>
+        </pc:spChg>
+        <pc:spChg chg="add mod">
+          <ac:chgData name="Antonio-Marius Tricolici" userId="4ca5b4ffc4fcfb59" providerId="LiveId" clId="{948C9755-D538-4556-A498-DE6B58A1F2A7}" dt="2022-02-07T19:18:48.285" v="239" actId="1076"/>
+          <ac:spMkLst>
+            <pc:docMk/>
+            <pc:sldMk cId="1102530071" sldId="306"/>
+            <ac:spMk id="3" creationId="{36B6A2EB-CB4B-4E7B-AA83-A45032893364}"/>
+          </ac:spMkLst>
+        </pc:spChg>
+        <pc:spChg chg="add mod">
+          <ac:chgData name="Antonio-Marius Tricolici" userId="4ca5b4ffc4fcfb59" providerId="LiveId" clId="{948C9755-D538-4556-A498-DE6B58A1F2A7}" dt="2022-02-07T19:19:15.907" v="254" actId="2711"/>
+          <ac:spMkLst>
+            <pc:docMk/>
+            <pc:sldMk cId="1102530071" sldId="306"/>
+            <ac:spMk id="4" creationId="{4D9F60A6-DDFA-42DF-ADD4-B877808A2B21}"/>
+          </ac:spMkLst>
+        </pc:spChg>
+      </pc:sldChg>
+      <pc:sldChg chg="addSp delSp modSp new mod">
+        <pc:chgData name="Antonio-Marius Tricolici" userId="4ca5b4ffc4fcfb59" providerId="LiveId" clId="{948C9755-D538-4556-A498-DE6B58A1F2A7}" dt="2022-02-08T17:02:55.698" v="954" actId="20577"/>
+        <pc:sldMkLst>
+          <pc:docMk/>
+          <pc:sldMk cId="3530632125" sldId="307"/>
+        </pc:sldMkLst>
+        <pc:spChg chg="mod">
+          <ac:chgData name="Antonio-Marius Tricolici" userId="4ca5b4ffc4fcfb59" providerId="LiveId" clId="{948C9755-D538-4556-A498-DE6B58A1F2A7}" dt="2022-02-08T16:49:38.996" v="671" actId="20577"/>
+          <ac:spMkLst>
+            <pc:docMk/>
+            <pc:sldMk cId="3530632125" sldId="307"/>
+            <ac:spMk id="2" creationId="{5620D6B0-CD60-4DDF-95FF-B6EE4EA3E55A}"/>
+          </ac:spMkLst>
+        </pc:spChg>
+        <pc:spChg chg="add mod">
+          <ac:chgData name="Antonio-Marius Tricolici" userId="4ca5b4ffc4fcfb59" providerId="LiveId" clId="{948C9755-D538-4556-A498-DE6B58A1F2A7}" dt="2022-02-08T17:02:55.698" v="954" actId="20577"/>
+          <ac:spMkLst>
+            <pc:docMk/>
+            <pc:sldMk cId="3530632125" sldId="307"/>
+            <ac:spMk id="3" creationId="{5BA591D8-A6E4-4B4E-B95E-F653409EFCD0}"/>
+          </ac:spMkLst>
+        </pc:spChg>
+        <pc:spChg chg="add del mod">
+          <ac:chgData name="Antonio-Marius Tricolici" userId="4ca5b4ffc4fcfb59" providerId="LiveId" clId="{948C9755-D538-4556-A498-DE6B58A1F2A7}" dt="2022-02-08T17:01:11.291" v="869" actId="478"/>
+          <ac:spMkLst>
+            <pc:docMk/>
+            <pc:sldMk cId="3530632125" sldId="307"/>
+            <ac:spMk id="4" creationId="{23EA854A-6840-436E-8F5A-9C91EE7C9FB9}"/>
+          </ac:spMkLst>
+        </pc:spChg>
+      </pc:sldChg>
+      <pc:sldChg chg="addSp modSp new mod">
+        <pc:chgData name="Antonio-Marius Tricolici" userId="4ca5b4ffc4fcfb59" providerId="LiveId" clId="{948C9755-D538-4556-A498-DE6B58A1F2A7}" dt="2022-02-08T17:13:04.474" v="1131" actId="20577"/>
+        <pc:sldMkLst>
+          <pc:docMk/>
+          <pc:sldMk cId="3895728013" sldId="308"/>
+        </pc:sldMkLst>
+        <pc:spChg chg="mod">
+          <ac:chgData name="Antonio-Marius Tricolici" userId="4ca5b4ffc4fcfb59" providerId="LiveId" clId="{948C9755-D538-4556-A498-DE6B58A1F2A7}" dt="2022-02-08T17:08:39.543" v="971" actId="27636"/>
+          <ac:spMkLst>
+            <pc:docMk/>
+            <pc:sldMk cId="3895728013" sldId="308"/>
+            <ac:spMk id="2" creationId="{C6DF4976-365D-45EB-A22A-1D0D87E6A0E6}"/>
+          </ac:spMkLst>
+        </pc:spChg>
+        <pc:spChg chg="add mod">
+          <ac:chgData name="Antonio-Marius Tricolici" userId="4ca5b4ffc4fcfb59" providerId="LiveId" clId="{948C9755-D538-4556-A498-DE6B58A1F2A7}" dt="2022-02-08T17:13:04.474" v="1131" actId="20577"/>
+          <ac:spMkLst>
+            <pc:docMk/>
+            <pc:sldMk cId="3895728013" sldId="308"/>
+            <ac:spMk id="3" creationId="{F5551B66-E95F-46FC-A73A-2DF5D3334A3C}"/>
+          </ac:spMkLst>
+        </pc:spChg>
+      </pc:sldChg>
+      <pc:sldChg chg="addSp delSp modSp new mod">
+        <pc:chgData name="Antonio-Marius Tricolici" userId="4ca5b4ffc4fcfb59" providerId="LiveId" clId="{948C9755-D538-4556-A498-DE6B58A1F2A7}" dt="2022-02-08T17:20:50.907" v="1164" actId="1076"/>
+        <pc:sldMkLst>
+          <pc:docMk/>
+          <pc:sldMk cId="1103731587" sldId="309"/>
+        </pc:sldMkLst>
+        <pc:spChg chg="mod">
+          <ac:chgData name="Antonio-Marius Tricolici" userId="4ca5b4ffc4fcfb59" providerId="LiveId" clId="{948C9755-D538-4556-A498-DE6B58A1F2A7}" dt="2022-02-08T17:20:16.523" v="1143" actId="27636"/>
+          <ac:spMkLst>
+            <pc:docMk/>
+            <pc:sldMk cId="1103731587" sldId="309"/>
+            <ac:spMk id="2" creationId="{601CB872-5F0B-45A1-AEAA-275895DAD66B}"/>
+          </ac:spMkLst>
+        </pc:spChg>
+        <pc:spChg chg="add del">
+          <ac:chgData name="Antonio-Marius Tricolici" userId="4ca5b4ffc4fcfb59" providerId="LiveId" clId="{948C9755-D538-4556-A498-DE6B58A1F2A7}" dt="2022-02-08T17:20:18.890" v="1145"/>
+          <ac:spMkLst>
+            <pc:docMk/>
+            <pc:sldMk cId="1103731587" sldId="309"/>
+            <ac:spMk id="3" creationId="{A95C2D6A-EAA0-47B3-9354-E44EA8096BE4}"/>
+          </ac:spMkLst>
+        </pc:spChg>
+        <pc:spChg chg="add mod">
+          <ac:chgData name="Antonio-Marius Tricolici" userId="4ca5b4ffc4fcfb59" providerId="LiveId" clId="{948C9755-D538-4556-A498-DE6B58A1F2A7}" dt="2022-02-08T17:20:50.907" v="1164" actId="1076"/>
+          <ac:spMkLst>
+            <pc:docMk/>
+            <pc:sldMk cId="1103731587" sldId="309"/>
+            <ac:spMk id="4" creationId="{2A375779-5019-444B-B98D-3D5F6AF18A3B}"/>
+          </ac:spMkLst>
+        </pc:spChg>
+      </pc:sldChg>
+      <pc:sldChg chg="modSp new del mod ord">
+        <pc:chgData name="Antonio-Marius Tricolici" userId="4ca5b4ffc4fcfb59" providerId="LiveId" clId="{948C9755-D538-4556-A498-DE6B58A1F2A7}" dt="2022-02-08T17:28:17.507" v="1188" actId="2696"/>
+        <pc:sldMkLst>
+          <pc:docMk/>
+          <pc:sldMk cId="279625937" sldId="310"/>
+        </pc:sldMkLst>
+        <pc:spChg chg="mod">
+          <ac:chgData name="Antonio-Marius Tricolici" userId="4ca5b4ffc4fcfb59" providerId="LiveId" clId="{948C9755-D538-4556-A498-DE6B58A1F2A7}" dt="2022-02-08T17:25:34.049" v="1187" actId="20577"/>
+          <ac:spMkLst>
+            <pc:docMk/>
+            <pc:sldMk cId="279625937" sldId="310"/>
+            <ac:spMk id="2" creationId="{2EB62FDA-6C9D-42C4-AE0D-95C4EEA855AE}"/>
+          </ac:spMkLst>
+        </pc:spChg>
+      </pc:sldChg>
+      <pc:sldChg chg="modSp new del mod">
+        <pc:chgData name="Antonio-Marius Tricolici" userId="4ca5b4ffc4fcfb59" providerId="LiveId" clId="{948C9755-D538-4556-A498-DE6B58A1F2A7}" dt="2022-02-08T17:42:00.760" v="1236" actId="2696"/>
+        <pc:sldMkLst>
+          <pc:docMk/>
+          <pc:sldMk cId="2020452495" sldId="310"/>
+        </pc:sldMkLst>
+        <pc:spChg chg="mod">
+          <ac:chgData name="Antonio-Marius Tricolici" userId="4ca5b4ffc4fcfb59" providerId="LiveId" clId="{948C9755-D538-4556-A498-DE6B58A1F2A7}" dt="2022-02-08T17:33:06.734" v="1218" actId="20577"/>
+          <ac:spMkLst>
+            <pc:docMk/>
+            <pc:sldMk cId="2020452495" sldId="310"/>
+            <ac:spMk id="2" creationId="{03F912CF-405C-44A6-9748-85A52068489B}"/>
+          </ac:spMkLst>
+        </pc:spChg>
+      </pc:sldChg>
+      <pc:sldChg chg="addSp modSp new mod">
+        <pc:chgData name="Antonio-Marius Tricolici" userId="4ca5b4ffc4fcfb59" providerId="LiveId" clId="{948C9755-D538-4556-A498-DE6B58A1F2A7}" dt="2022-02-09T16:14:00.051" v="2012" actId="20577"/>
+        <pc:sldMkLst>
+          <pc:docMk/>
+          <pc:sldMk cId="3014821586" sldId="310"/>
+        </pc:sldMkLst>
+        <pc:spChg chg="mod">
+          <ac:chgData name="Antonio-Marius Tricolici" userId="4ca5b4ffc4fcfb59" providerId="LiveId" clId="{948C9755-D538-4556-A498-DE6B58A1F2A7}" dt="2022-02-09T13:11:04.188" v="1396" actId="20577"/>
+          <ac:spMkLst>
+            <pc:docMk/>
+            <pc:sldMk cId="3014821586" sldId="310"/>
+            <ac:spMk id="2" creationId="{F0E4DAD0-99E1-4CC4-8A25-7BD73404AAAD}"/>
+          </ac:spMkLst>
+        </pc:spChg>
+        <pc:spChg chg="add mod">
+          <ac:chgData name="Antonio-Marius Tricolici" userId="4ca5b4ffc4fcfb59" providerId="LiveId" clId="{948C9755-D538-4556-A498-DE6B58A1F2A7}" dt="2022-02-09T16:14:00.051" v="2012" actId="20577"/>
+          <ac:spMkLst>
+            <pc:docMk/>
+            <pc:sldMk cId="3014821586" sldId="310"/>
+            <ac:spMk id="3" creationId="{121DA9C3-96D8-4533-AD7A-B1AB4342D7A5}"/>
+          </ac:spMkLst>
+        </pc:spChg>
+      </pc:sldChg>
+      <pc:sldChg chg="addSp delSp modSp add mod">
+        <pc:chgData name="Antonio-Marius Tricolici" userId="4ca5b4ffc4fcfb59" providerId="LiveId" clId="{948C9755-D538-4556-A498-DE6B58A1F2A7}" dt="2022-02-09T13:24:04.624" v="1980" actId="1076"/>
+        <pc:sldMkLst>
+          <pc:docMk/>
+          <pc:sldMk cId="1951682945" sldId="311"/>
+        </pc:sldMkLst>
+        <pc:spChg chg="mod">
+          <ac:chgData name="Antonio-Marius Tricolici" userId="4ca5b4ffc4fcfb59" providerId="LiveId" clId="{948C9755-D538-4556-A498-DE6B58A1F2A7}" dt="2022-02-09T13:23:00.647" v="1957" actId="20577"/>
+          <ac:spMkLst>
+            <pc:docMk/>
+            <pc:sldMk cId="1951682945" sldId="311"/>
+            <ac:spMk id="2" creationId="{2434BFC9-3CF7-4C5A-AECF-8CB62D74C39B}"/>
+          </ac:spMkLst>
+        </pc:spChg>
+        <pc:spChg chg="del mod">
+          <ac:chgData name="Antonio-Marius Tricolici" userId="4ca5b4ffc4fcfb59" providerId="LiveId" clId="{948C9755-D538-4556-A498-DE6B58A1F2A7}" dt="2022-02-09T13:23:37.781" v="1960" actId="478"/>
+          <ac:spMkLst>
+            <pc:docMk/>
+            <pc:sldMk cId="1951682945" sldId="311"/>
+            <ac:spMk id="3" creationId="{53699E59-CFF6-4FAA-8FCC-4446DF473673}"/>
+          </ac:spMkLst>
+        </pc:spChg>
+        <pc:spChg chg="add del">
+          <ac:chgData name="Antonio-Marius Tricolici" userId="4ca5b4ffc4fcfb59" providerId="LiveId" clId="{948C9755-D538-4556-A498-DE6B58A1F2A7}" dt="2022-02-09T13:23:37.781" v="1960" actId="478"/>
+          <ac:spMkLst>
+            <pc:docMk/>
+            <pc:sldMk cId="1951682945" sldId="311"/>
+            <ac:spMk id="4" creationId="{76F5F353-3903-45E0-8DD7-D7F76E5451AF}"/>
+          </ac:spMkLst>
+        </pc:spChg>
+        <pc:spChg chg="add mod">
+          <ac:chgData name="Antonio-Marius Tricolici" userId="4ca5b4ffc4fcfb59" providerId="LiveId" clId="{948C9755-D538-4556-A498-DE6B58A1F2A7}" dt="2022-02-09T13:24:04.624" v="1980" actId="1076"/>
+          <ac:spMkLst>
+            <pc:docMk/>
+            <pc:sldMk cId="1951682945" sldId="311"/>
+            <ac:spMk id="5" creationId="{28C3E6EF-CDA0-4AF1-B0C3-0637ECFE3104}"/>
+          </ac:spMkLst>
+        </pc:spChg>
+      </pc:sldChg>
+      <pc:sldChg chg="addSp delSp modSp new mod">
+        <pc:chgData name="Antonio-Marius Tricolici" userId="4ca5b4ffc4fcfb59" providerId="LiveId" clId="{948C9755-D538-4556-A498-DE6B58A1F2A7}" dt="2022-02-09T16:23:26.175" v="2491" actId="1076"/>
+        <pc:sldMkLst>
+          <pc:docMk/>
+          <pc:sldMk cId="1382119592" sldId="312"/>
+        </pc:sldMkLst>
+        <pc:spChg chg="mod">
+          <ac:chgData name="Antonio-Marius Tricolici" userId="4ca5b4ffc4fcfb59" providerId="LiveId" clId="{948C9755-D538-4556-A498-DE6B58A1F2A7}" dt="2022-02-09T16:20:07.876" v="2106" actId="20577"/>
+          <ac:spMkLst>
+            <pc:docMk/>
+            <pc:sldMk cId="1382119592" sldId="312"/>
+            <ac:spMk id="2" creationId="{A2550421-BFA2-4B09-832F-B3DB7C65246E}"/>
+          </ac:spMkLst>
+        </pc:spChg>
+        <pc:spChg chg="add del mod">
+          <ac:chgData name="Antonio-Marius Tricolici" userId="4ca5b4ffc4fcfb59" providerId="LiveId" clId="{948C9755-D538-4556-A498-DE6B58A1F2A7}" dt="2022-02-09T16:20:43.959" v="2110"/>
+          <ac:spMkLst>
+            <pc:docMk/>
+            <pc:sldMk cId="1382119592" sldId="312"/>
+            <ac:spMk id="3" creationId="{E319FDFB-88C0-430A-BC8B-E492D377F991}"/>
+          </ac:spMkLst>
+        </pc:spChg>
+        <pc:spChg chg="add del">
+          <ac:chgData name="Antonio-Marius Tricolici" userId="4ca5b4ffc4fcfb59" providerId="LiveId" clId="{948C9755-D538-4556-A498-DE6B58A1F2A7}" dt="2022-02-09T16:22:55.947" v="2465"/>
+          <ac:spMkLst>
+            <pc:docMk/>
+            <pc:sldMk cId="1382119592" sldId="312"/>
+            <ac:spMk id="4" creationId="{E9BB46BB-5807-46DB-B1C9-3E6BF1BB9ED2}"/>
+          </ac:spMkLst>
+        </pc:spChg>
+        <pc:spChg chg="add mod">
+          <ac:chgData name="Antonio-Marius Tricolici" userId="4ca5b4ffc4fcfb59" providerId="LiveId" clId="{948C9755-D538-4556-A498-DE6B58A1F2A7}" dt="2022-02-09T16:23:26.175" v="2491" actId="1076"/>
+          <ac:spMkLst>
+            <pc:docMk/>
+            <pc:sldMk cId="1382119592" sldId="312"/>
+            <ac:spMk id="5" creationId="{66FBCD7C-505A-45CE-9762-4E56EC9915F5}"/>
+          </ac:spMkLst>
+        </pc:spChg>
+      </pc:sldChg>
+      <pc:sldChg chg="addSp modSp new del mod">
+        <pc:chgData name="Antonio-Marius Tricolici" userId="4ca5b4ffc4fcfb59" providerId="LiveId" clId="{948C9755-D538-4556-A498-DE6B58A1F2A7}" dt="2022-02-09T16:19:47.084" v="2081" actId="2696"/>
+        <pc:sldMkLst>
+          <pc:docMk/>
+          <pc:sldMk cId="3349678792" sldId="312"/>
+        </pc:sldMkLst>
+        <pc:spChg chg="mod">
+          <ac:chgData name="Antonio-Marius Tricolici" userId="4ca5b4ffc4fcfb59" providerId="LiveId" clId="{948C9755-D538-4556-A498-DE6B58A1F2A7}" dt="2022-02-09T16:18:55.723" v="2022" actId="20577"/>
+          <ac:spMkLst>
+            <pc:docMk/>
+            <pc:sldMk cId="3349678792" sldId="312"/>
+            <ac:spMk id="2" creationId="{983B203C-7278-456B-9AC0-0FCC36D9CC04}"/>
+          </ac:spMkLst>
+        </pc:spChg>
+        <pc:spChg chg="add mod">
+          <ac:chgData name="Antonio-Marius Tricolici" userId="4ca5b4ffc4fcfb59" providerId="LiveId" clId="{948C9755-D538-4556-A498-DE6B58A1F2A7}" dt="2022-02-09T16:19:24.728" v="2080" actId="20577"/>
+          <ac:spMkLst>
+            <pc:docMk/>
+            <pc:sldMk cId="3349678792" sldId="312"/>
+            <ac:spMk id="3" creationId="{F4A8B284-B63E-4C36-9FF1-F773CDE92F86}"/>
+          </ac:spMkLst>
+        </pc:spChg>
+      </pc:sldChg>
+      <pc:sldChg chg="addSp modSp new mod">
+        <pc:chgData name="Antonio-Marius Tricolici" userId="4ca5b4ffc4fcfb59" providerId="LiveId" clId="{948C9755-D538-4556-A498-DE6B58A1F2A7}" dt="2022-02-09T16:25:12.431" v="2667" actId="20577"/>
+        <pc:sldMkLst>
+          <pc:docMk/>
+          <pc:sldMk cId="672368777" sldId="313"/>
+        </pc:sldMkLst>
+        <pc:spChg chg="mod">
+          <ac:chgData name="Antonio-Marius Tricolici" userId="4ca5b4ffc4fcfb59" providerId="LiveId" clId="{948C9755-D538-4556-A498-DE6B58A1F2A7}" dt="2022-02-09T16:20:54.868" v="2129" actId="20577"/>
+          <ac:spMkLst>
+            <pc:docMk/>
+            <pc:sldMk cId="672368777" sldId="313"/>
+            <ac:spMk id="2" creationId="{D09F23FB-6150-4E1E-B6B0-A351D7BB021D}"/>
+          </ac:spMkLst>
+        </pc:spChg>
+        <pc:spChg chg="add mod">
+          <ac:chgData name="Antonio-Marius Tricolici" userId="4ca5b4ffc4fcfb59" providerId="LiveId" clId="{948C9755-D538-4556-A498-DE6B58A1F2A7}" dt="2022-02-09T16:25:12.431" v="2667" actId="20577"/>
+          <ac:spMkLst>
+            <pc:docMk/>
+            <pc:sldMk cId="672368777" sldId="313"/>
+            <ac:spMk id="3" creationId="{66244AFD-0283-4EC3-8CD9-5A774A43EB00}"/>
+          </ac:spMkLst>
+        </pc:spChg>
+      </pc:sldChg>
     </pc:docChg>
   </pc:docChgLst>
 </pc:chgInfo>
@@ -14399,15 +14393,6 @@
                 <a:tailEnd/>
               </a14:hiddenLine>
             </a:ext>
-            <a:ext uri="{AF507438-7753-43E0-B8FC-AC1667EBCBE1}">
-              <a14:hiddenEffects xmlns:a14="http://schemas.microsoft.com/office/drawing/2010/main">
-                <a:effectLst>
-                  <a:outerShdw dist="35921" dir="2700000" algn="ctr" rotWithShape="0">
-                    <a:schemeClr val="bg2"/>
-                  </a:outerShdw>
-                </a:effectLst>
-              </a14:hiddenEffects>
-            </a:ext>
           </a:extLst>
         </p:spPr>
         <p:txBody>
@@ -15318,1784 +15303,6 @@
 </file>
 
 <file path=ppt/slides/slide24.xml><?xml version="1.0" encoding="utf-8"?>
-<p:sld xmlns:a="http://schemas.openxmlformats.org/drawingml/2006/main" xmlns:r="http://schemas.openxmlformats.org/officeDocument/2006/relationships" xmlns:p="http://schemas.openxmlformats.org/presentationml/2006/main">
-  <p:cSld>
-    <p:spTree>
-      <p:nvGrpSpPr>
-        <p:cNvPr id="1" name=""/>
-        <p:cNvGrpSpPr/>
-        <p:nvPr/>
-      </p:nvGrpSpPr>
-      <p:grpSpPr>
-        <a:xfrm>
-          <a:off x="0" y="0"/>
-          <a:ext cx="0" cy="0"/>
-          <a:chOff x="0" y="0"/>
-          <a:chExt cx="0" cy="0"/>
-        </a:xfrm>
-      </p:grpSpPr>
-      <p:sp>
-        <p:nvSpPr>
-          <p:cNvPr id="2" name="Title 1">
-            <a:extLst>
-              <a:ext uri="{FF2B5EF4-FFF2-40B4-BE49-F238E27FC236}">
-                <a16:creationId xmlns:a16="http://schemas.microsoft.com/office/drawing/2014/main" id="{2434BFC9-3CF7-4C5A-AECF-8CB62D74C39B}"/>
-              </a:ext>
-            </a:extLst>
-          </p:cNvPr>
-          <p:cNvSpPr>
-            <a:spLocks noGrp="1"/>
-          </p:cNvSpPr>
-          <p:nvPr>
-            <p:ph type="title"/>
-          </p:nvPr>
-        </p:nvSpPr>
-        <p:spPr/>
-        <p:txBody>
-          <a:bodyPr/>
-          <a:lstStyle/>
-          <a:p>
-            <a:r>
-              <a:rPr lang="en-US" dirty="0"/>
-              <a:t>Negative </a:t>
-            </a:r>
-            <a:r>
-              <a:rPr lang="en-US" dirty="0" err="1"/>
-              <a:t>Exemple</a:t>
-            </a:r>
-            <a:endParaRPr lang="en-US" dirty="0"/>
-          </a:p>
-        </p:txBody>
-      </p:sp>
-      <p:sp>
-        <p:nvSpPr>
-          <p:cNvPr id="5" name="Rectangle 2">
-            <a:extLst>
-              <a:ext uri="{FF2B5EF4-FFF2-40B4-BE49-F238E27FC236}">
-                <a16:creationId xmlns:a16="http://schemas.microsoft.com/office/drawing/2014/main" id="{28C3E6EF-CDA0-4AF1-B0C3-0637ECFE3104}"/>
-              </a:ext>
-            </a:extLst>
-          </p:cNvPr>
-          <p:cNvSpPr>
-            <a:spLocks noChangeArrowheads="1"/>
-          </p:cNvSpPr>
-          <p:nvPr/>
-        </p:nvSpPr>
-        <p:spPr bwMode="auto">
-          <a:xfrm>
-            <a:off x="1623116" y="1053594"/>
-            <a:ext cx="5897768" cy="3539430"/>
-          </a:xfrm>
-          <a:prstGeom prst="rect">
-            <a:avLst/>
-          </a:prstGeom>
-          <a:solidFill>
-            <a:srgbClr val="2B2B2B"/>
-          </a:solidFill>
-          <a:ln>
-            <a:noFill/>
-          </a:ln>
-          <a:effectLst>
-            <a:outerShdw blurRad="107950" dist="12700" dir="5400000" algn="ctr">
-              <a:srgbClr val="000000"/>
-            </a:outerShdw>
-          </a:effectLst>
-          <a:scene3d>
-            <a:camera prst="orthographicFront">
-              <a:rot lat="0" lon="0" rev="0"/>
-            </a:camera>
-            <a:lightRig rig="soft" dir="t">
-              <a:rot lat="0" lon="0" rev="0"/>
-            </a:lightRig>
-          </a:scene3d>
-          <a:sp3d contourW="44450" prstMaterial="matte">
-            <a:bevelT w="63500" h="63500" prst="artDeco"/>
-            <a:contourClr>
-              <a:srgbClr val="FFFFFF"/>
-            </a:contourClr>
-          </a:sp3d>
-          <a:extLst>
-            <a:ext uri="{91240B29-F687-4F45-9708-019B960494DF}">
-              <a14:hiddenLine xmlns:a14="http://schemas.microsoft.com/office/drawing/2010/main" w="9525">
-                <a:solidFill>
-                  <a:schemeClr val="tx1"/>
-                </a:solidFill>
-                <a:miter lim="800000"/>
-                <a:headEnd/>
-                <a:tailEnd/>
-              </a14:hiddenLine>
-            </a:ext>
-            <a:ext uri="{AF507438-7753-43E0-B8FC-AC1667EBCBE1}">
-              <a14:hiddenEffects xmlns:a14="http://schemas.microsoft.com/office/drawing/2010/main">
-                <a:effectLst>
-                  <a:outerShdw dist="35921" dir="2700000" algn="ctr" rotWithShape="0">
-                    <a:schemeClr val="bg2"/>
-                  </a:outerShdw>
-                </a:effectLst>
-              </a14:hiddenEffects>
-            </a:ext>
-          </a:extLst>
-        </p:spPr>
-        <p:txBody>
-          <a:bodyPr vert="horz" wrap="none" lIns="91440" tIns="45720" rIns="91440" bIns="45720" numCol="1" anchor="ctr" anchorCtr="0" compatLnSpc="1">
-            <a:prstTxWarp prst="textNoShape">
-              <a:avLst/>
-            </a:prstTxWarp>
-            <a:spAutoFit/>
-          </a:bodyPr>
-          <a:lstStyle/>
-          <a:p>
-            <a:pPr marL="0" marR="0" lvl="0" indent="0" algn="l" defTabSz="914400" rtl="0" eaLnBrk="0" fontAlgn="base" latinLnBrk="0" hangingPunct="0">
-              <a:lnSpc>
-                <a:spcPct val="100000"/>
-              </a:lnSpc>
-              <a:spcBef>
-                <a:spcPct val="0"/>
-              </a:spcBef>
-              <a:spcAft>
-                <a:spcPct val="0"/>
-              </a:spcAft>
-              <a:buClrTx/>
-              <a:buSzTx/>
-              <a:buFontTx/>
-              <a:buNone/>
-              <a:tabLst/>
-            </a:pPr>
-            <a:r>
-              <a:rPr kumimoji="0" lang="en-US" altLang="en-US" sz="1600" b="0" i="0" u="none" strike="noStrike" cap="none" normalizeH="0" baseline="0" dirty="0">
-                <a:ln>
-                  <a:noFill/>
-                </a:ln>
-                <a:solidFill>
-                  <a:srgbClr val="A9B7C6"/>
-                </a:solidFill>
-                <a:effectLst/>
-                <a:latin typeface="Roboto" panose="02000000000000000000" pitchFamily="2" charset="0"/>
-                <a:ea typeface="Roboto" panose="02000000000000000000" pitchFamily="2" charset="0"/>
-              </a:rPr>
-              <a:t>age = </a:t>
-            </a:r>
-            <a:r>
-              <a:rPr kumimoji="0" lang="en-US" altLang="en-US" sz="1600" b="0" i="0" u="none" strike="noStrike" cap="none" normalizeH="0" baseline="0" dirty="0">
-                <a:ln>
-                  <a:noFill/>
-                </a:ln>
-                <a:solidFill>
-                  <a:srgbClr val="6897BB"/>
-                </a:solidFill>
-                <a:effectLst/>
-                <a:latin typeface="Roboto" panose="02000000000000000000" pitchFamily="2" charset="0"/>
-                <a:ea typeface="Roboto" panose="02000000000000000000" pitchFamily="2" charset="0"/>
-              </a:rPr>
-              <a:t>16</a:t>
-            </a:r>
-            <a:br>
-              <a:rPr kumimoji="0" lang="en-US" altLang="en-US" sz="1600" b="0" i="0" u="none" strike="noStrike" cap="none" normalizeH="0" baseline="0" dirty="0">
-                <a:ln>
-                  <a:noFill/>
-                </a:ln>
-                <a:solidFill>
-                  <a:srgbClr val="6897BB"/>
-                </a:solidFill>
-                <a:effectLst/>
-                <a:latin typeface="Roboto" panose="02000000000000000000" pitchFamily="2" charset="0"/>
-                <a:ea typeface="Roboto" panose="02000000000000000000" pitchFamily="2" charset="0"/>
-              </a:rPr>
-            </a:br>
-            <a:r>
-              <a:rPr kumimoji="0" lang="en-US" altLang="en-US" sz="1600" b="0" i="0" u="none" strike="noStrike" cap="none" normalizeH="0" baseline="0" dirty="0" err="1">
-                <a:ln>
-                  <a:noFill/>
-                </a:ln>
-                <a:solidFill>
-                  <a:srgbClr val="A9B7C6"/>
-                </a:solidFill>
-                <a:effectLst/>
-                <a:latin typeface="Roboto" panose="02000000000000000000" pitchFamily="2" charset="0"/>
-                <a:ea typeface="Roboto" panose="02000000000000000000" pitchFamily="2" charset="0"/>
-              </a:rPr>
-              <a:t>age_restricted</a:t>
-            </a:r>
-            <a:r>
-              <a:rPr kumimoji="0" lang="en-US" altLang="en-US" sz="1600" b="0" i="0" u="none" strike="noStrike" cap="none" normalizeH="0" baseline="0" dirty="0">
-                <a:ln>
-                  <a:noFill/>
-                </a:ln>
-                <a:solidFill>
-                  <a:srgbClr val="A9B7C6"/>
-                </a:solidFill>
-                <a:effectLst/>
-                <a:latin typeface="Roboto" panose="02000000000000000000" pitchFamily="2" charset="0"/>
-                <a:ea typeface="Roboto" panose="02000000000000000000" pitchFamily="2" charset="0"/>
-              </a:rPr>
-              <a:t> = </a:t>
-            </a:r>
-            <a:r>
-              <a:rPr kumimoji="0" lang="en-US" altLang="en-US" sz="1600" b="0" i="0" u="none" strike="noStrike" cap="none" normalizeH="0" baseline="0" dirty="0">
-                <a:ln>
-                  <a:noFill/>
-                </a:ln>
-                <a:solidFill>
-                  <a:srgbClr val="CC7832"/>
-                </a:solidFill>
-                <a:effectLst/>
-                <a:latin typeface="Roboto" panose="02000000000000000000" pitchFamily="2" charset="0"/>
-                <a:ea typeface="Roboto" panose="02000000000000000000" pitchFamily="2" charset="0"/>
-              </a:rPr>
-              <a:t>True</a:t>
-            </a:r>
-            <a:br>
-              <a:rPr kumimoji="0" lang="en-US" altLang="en-US" sz="1600" b="0" i="0" u="none" strike="noStrike" cap="none" normalizeH="0" baseline="0" dirty="0">
-                <a:ln>
-                  <a:noFill/>
-                </a:ln>
-                <a:solidFill>
-                  <a:srgbClr val="CC7832"/>
-                </a:solidFill>
-                <a:effectLst/>
-                <a:latin typeface="Roboto" panose="02000000000000000000" pitchFamily="2" charset="0"/>
-                <a:ea typeface="Roboto" panose="02000000000000000000" pitchFamily="2" charset="0"/>
-              </a:rPr>
-            </a:br>
-            <a:br>
-              <a:rPr kumimoji="0" lang="en-US" altLang="en-US" sz="1600" b="0" i="0" u="none" strike="noStrike" cap="none" normalizeH="0" baseline="0" dirty="0">
-                <a:ln>
-                  <a:noFill/>
-                </a:ln>
-                <a:solidFill>
-                  <a:srgbClr val="CC7832"/>
-                </a:solidFill>
-                <a:effectLst/>
-                <a:latin typeface="Roboto" panose="02000000000000000000" pitchFamily="2" charset="0"/>
-                <a:ea typeface="Roboto" panose="02000000000000000000" pitchFamily="2" charset="0"/>
-              </a:rPr>
-            </a:br>
-            <a:r>
-              <a:rPr kumimoji="0" lang="en-US" altLang="en-US" sz="1600" b="0" i="0" u="none" strike="noStrike" cap="none" normalizeH="0" baseline="0" dirty="0" err="1">
-                <a:ln>
-                  <a:noFill/>
-                </a:ln>
-                <a:solidFill>
-                  <a:srgbClr val="A9B7C6"/>
-                </a:solidFill>
-                <a:effectLst/>
-                <a:latin typeface="Roboto" panose="02000000000000000000" pitchFamily="2" charset="0"/>
-                <a:ea typeface="Roboto" panose="02000000000000000000" pitchFamily="2" charset="0"/>
-              </a:rPr>
-              <a:t>access_denied</a:t>
-            </a:r>
-            <a:r>
-              <a:rPr kumimoji="0" lang="en-US" altLang="en-US" sz="1600" b="0" i="0" u="none" strike="noStrike" cap="none" normalizeH="0" baseline="0" dirty="0">
-                <a:ln>
-                  <a:noFill/>
-                </a:ln>
-                <a:solidFill>
-                  <a:srgbClr val="A9B7C6"/>
-                </a:solidFill>
-                <a:effectLst/>
-                <a:latin typeface="Roboto" panose="02000000000000000000" pitchFamily="2" charset="0"/>
-                <a:ea typeface="Roboto" panose="02000000000000000000" pitchFamily="2" charset="0"/>
-              </a:rPr>
-              <a:t> = age &lt; </a:t>
-            </a:r>
-            <a:r>
-              <a:rPr kumimoji="0" lang="en-US" altLang="en-US" sz="1600" b="0" i="0" u="none" strike="noStrike" cap="none" normalizeH="0" baseline="0" dirty="0">
-                <a:ln>
-                  <a:noFill/>
-                </a:ln>
-                <a:solidFill>
-                  <a:srgbClr val="6897BB"/>
-                </a:solidFill>
-                <a:effectLst/>
-                <a:latin typeface="Roboto" panose="02000000000000000000" pitchFamily="2" charset="0"/>
-                <a:ea typeface="Roboto" panose="02000000000000000000" pitchFamily="2" charset="0"/>
-              </a:rPr>
-              <a:t>18 </a:t>
-            </a:r>
-            <a:r>
-              <a:rPr kumimoji="0" lang="en-US" altLang="en-US" sz="1600" b="0" i="0" u="none" strike="noStrike" cap="none" normalizeH="0" baseline="0" dirty="0">
-                <a:ln>
-                  <a:noFill/>
-                </a:ln>
-                <a:solidFill>
-                  <a:srgbClr val="CC7832"/>
-                </a:solidFill>
-                <a:effectLst/>
-                <a:latin typeface="Roboto" panose="02000000000000000000" pitchFamily="2" charset="0"/>
-                <a:ea typeface="Roboto" panose="02000000000000000000" pitchFamily="2" charset="0"/>
-              </a:rPr>
-              <a:t>and </a:t>
-            </a:r>
-            <a:r>
-              <a:rPr kumimoji="0" lang="en-US" altLang="en-US" sz="1600" b="0" i="0" u="none" strike="noStrike" cap="none" normalizeH="0" baseline="0" dirty="0" err="1">
-                <a:ln>
-                  <a:noFill/>
-                </a:ln>
-                <a:solidFill>
-                  <a:srgbClr val="A9B7C6"/>
-                </a:solidFill>
-                <a:effectLst/>
-                <a:latin typeface="Roboto" panose="02000000000000000000" pitchFamily="2" charset="0"/>
-                <a:ea typeface="Roboto" panose="02000000000000000000" pitchFamily="2" charset="0"/>
-              </a:rPr>
-              <a:t>age_restricted</a:t>
-            </a:r>
-            <a:r>
-              <a:rPr kumimoji="0" lang="en-US" altLang="en-US" sz="1600" b="0" i="0" u="none" strike="noStrike" cap="none" normalizeH="0" baseline="0" dirty="0">
-                <a:ln>
-                  <a:noFill/>
-                </a:ln>
-                <a:solidFill>
-                  <a:srgbClr val="A9B7C6"/>
-                </a:solidFill>
-                <a:effectLst/>
-                <a:latin typeface="Roboto" panose="02000000000000000000" pitchFamily="2" charset="0"/>
-                <a:ea typeface="Roboto" panose="02000000000000000000" pitchFamily="2" charset="0"/>
-              </a:rPr>
-              <a:t>  </a:t>
-            </a:r>
-            <a:r>
-              <a:rPr kumimoji="0" lang="en-US" altLang="en-US" sz="1600" b="0" i="0" u="none" strike="noStrike" cap="none" normalizeH="0" baseline="0" dirty="0">
-                <a:ln>
-                  <a:noFill/>
-                </a:ln>
-                <a:solidFill>
-                  <a:srgbClr val="808080"/>
-                </a:solidFill>
-                <a:effectLst/>
-                <a:latin typeface="Roboto" panose="02000000000000000000" pitchFamily="2" charset="0"/>
-                <a:ea typeface="Roboto" panose="02000000000000000000" pitchFamily="2" charset="0"/>
-              </a:rPr>
-              <a:t># True and True</a:t>
-            </a:r>
-            <a:br>
-              <a:rPr kumimoji="0" lang="en-US" altLang="en-US" sz="1600" b="0" i="0" u="none" strike="noStrike" cap="none" normalizeH="0" baseline="0" dirty="0">
-                <a:ln>
-                  <a:noFill/>
-                </a:ln>
-                <a:solidFill>
-                  <a:srgbClr val="808080"/>
-                </a:solidFill>
-                <a:effectLst/>
-                <a:latin typeface="Roboto" panose="02000000000000000000" pitchFamily="2" charset="0"/>
-                <a:ea typeface="Roboto" panose="02000000000000000000" pitchFamily="2" charset="0"/>
-              </a:rPr>
-            </a:br>
-            <a:r>
-              <a:rPr kumimoji="0" lang="en-US" altLang="en-US" sz="1600" b="0" i="0" u="none" strike="noStrike" cap="none" normalizeH="0" baseline="0" dirty="0">
-                <a:ln>
-                  <a:noFill/>
-                </a:ln>
-                <a:solidFill>
-                  <a:srgbClr val="8888C6"/>
-                </a:solidFill>
-                <a:effectLst/>
-                <a:latin typeface="Roboto" panose="02000000000000000000" pitchFamily="2" charset="0"/>
-                <a:ea typeface="Roboto" panose="02000000000000000000" pitchFamily="2" charset="0"/>
-              </a:rPr>
-              <a:t>print</a:t>
-            </a:r>
-            <a:r>
-              <a:rPr kumimoji="0" lang="en-US" altLang="en-US" sz="1600" b="0" i="0" u="none" strike="noStrike" cap="none" normalizeH="0" baseline="0" dirty="0">
-                <a:ln>
-                  <a:noFill/>
-                </a:ln>
-                <a:solidFill>
-                  <a:srgbClr val="A9B7C6"/>
-                </a:solidFill>
-                <a:effectLst/>
-                <a:latin typeface="Roboto" panose="02000000000000000000" pitchFamily="2" charset="0"/>
-                <a:ea typeface="Roboto" panose="02000000000000000000" pitchFamily="2" charset="0"/>
-              </a:rPr>
-              <a:t>(</a:t>
-            </a:r>
-            <a:r>
-              <a:rPr kumimoji="0" lang="en-US" altLang="en-US" sz="1600" b="0" i="0" u="none" strike="noStrike" cap="none" normalizeH="0" baseline="0" dirty="0" err="1">
-                <a:ln>
-                  <a:noFill/>
-                </a:ln>
-                <a:solidFill>
-                  <a:srgbClr val="A9B7C6"/>
-                </a:solidFill>
-                <a:effectLst/>
-                <a:latin typeface="Roboto" panose="02000000000000000000" pitchFamily="2" charset="0"/>
-                <a:ea typeface="Roboto" panose="02000000000000000000" pitchFamily="2" charset="0"/>
-              </a:rPr>
-              <a:t>access_denied</a:t>
-            </a:r>
-            <a:r>
-              <a:rPr kumimoji="0" lang="en-US" altLang="en-US" sz="1600" b="0" i="0" u="none" strike="noStrike" cap="none" normalizeH="0" baseline="0" dirty="0">
-                <a:ln>
-                  <a:noFill/>
-                </a:ln>
-                <a:solidFill>
-                  <a:srgbClr val="A9B7C6"/>
-                </a:solidFill>
-                <a:effectLst/>
-                <a:latin typeface="Roboto" panose="02000000000000000000" pitchFamily="2" charset="0"/>
-                <a:ea typeface="Roboto" panose="02000000000000000000" pitchFamily="2" charset="0"/>
-              </a:rPr>
-              <a:t>)  </a:t>
-            </a:r>
-            <a:r>
-              <a:rPr kumimoji="0" lang="en-US" altLang="en-US" sz="1600" b="0" i="0" u="none" strike="noStrike" cap="none" normalizeH="0" baseline="0" dirty="0">
-                <a:ln>
-                  <a:noFill/>
-                </a:ln>
-                <a:solidFill>
-                  <a:srgbClr val="808080"/>
-                </a:solidFill>
-                <a:effectLst/>
-                <a:latin typeface="Roboto" panose="02000000000000000000" pitchFamily="2" charset="0"/>
-                <a:ea typeface="Roboto" panose="02000000000000000000" pitchFamily="2" charset="0"/>
-              </a:rPr>
-              <a:t># True</a:t>
-            </a:r>
-            <a:br>
-              <a:rPr kumimoji="0" lang="en-US" altLang="en-US" sz="1600" b="0" i="0" u="none" strike="noStrike" cap="none" normalizeH="0" baseline="0" dirty="0">
-                <a:ln>
-                  <a:noFill/>
-                </a:ln>
-                <a:solidFill>
-                  <a:srgbClr val="808080"/>
-                </a:solidFill>
-                <a:effectLst/>
-                <a:latin typeface="Roboto" panose="02000000000000000000" pitchFamily="2" charset="0"/>
-                <a:ea typeface="Roboto" panose="02000000000000000000" pitchFamily="2" charset="0"/>
-              </a:rPr>
-            </a:br>
-            <a:br>
-              <a:rPr kumimoji="0" lang="en-US" altLang="en-US" sz="1600" b="0" i="0" u="none" strike="noStrike" cap="none" normalizeH="0" baseline="0" dirty="0">
-                <a:ln>
-                  <a:noFill/>
-                </a:ln>
-                <a:solidFill>
-                  <a:srgbClr val="808080"/>
-                </a:solidFill>
-                <a:effectLst/>
-                <a:latin typeface="Roboto" panose="02000000000000000000" pitchFamily="2" charset="0"/>
-                <a:ea typeface="Roboto" panose="02000000000000000000" pitchFamily="2" charset="0"/>
-              </a:rPr>
-            </a:br>
-            <a:r>
-              <a:rPr kumimoji="0" lang="en-US" altLang="en-US" sz="1600" b="0" i="0" u="none" strike="noStrike" cap="none" normalizeH="0" baseline="0" dirty="0" err="1">
-                <a:ln>
-                  <a:noFill/>
-                </a:ln>
-                <a:solidFill>
-                  <a:srgbClr val="A9B7C6"/>
-                </a:solidFill>
-                <a:effectLst/>
-                <a:latin typeface="Roboto" panose="02000000000000000000" pitchFamily="2" charset="0"/>
-                <a:ea typeface="Roboto" panose="02000000000000000000" pitchFamily="2" charset="0"/>
-              </a:rPr>
-              <a:t>age_restricted</a:t>
-            </a:r>
-            <a:r>
-              <a:rPr kumimoji="0" lang="en-US" altLang="en-US" sz="1600" b="0" i="0" u="none" strike="noStrike" cap="none" normalizeH="0" baseline="0" dirty="0">
-                <a:ln>
-                  <a:noFill/>
-                </a:ln>
-                <a:solidFill>
-                  <a:srgbClr val="A9B7C6"/>
-                </a:solidFill>
-                <a:effectLst/>
-                <a:latin typeface="Roboto" panose="02000000000000000000" pitchFamily="2" charset="0"/>
-                <a:ea typeface="Roboto" panose="02000000000000000000" pitchFamily="2" charset="0"/>
-              </a:rPr>
-              <a:t> = </a:t>
-            </a:r>
-            <a:r>
-              <a:rPr kumimoji="0" lang="en-US" altLang="en-US" sz="1600" b="0" i="0" u="none" strike="noStrike" cap="none" normalizeH="0" baseline="0" dirty="0">
-                <a:ln>
-                  <a:noFill/>
-                </a:ln>
-                <a:solidFill>
-                  <a:srgbClr val="CC7832"/>
-                </a:solidFill>
-                <a:effectLst/>
-                <a:latin typeface="Roboto" panose="02000000000000000000" pitchFamily="2" charset="0"/>
-                <a:ea typeface="Roboto" panose="02000000000000000000" pitchFamily="2" charset="0"/>
-              </a:rPr>
-              <a:t>False</a:t>
-            </a:r>
-            <a:br>
-              <a:rPr kumimoji="0" lang="en-US" altLang="en-US" sz="1600" b="0" i="0" u="none" strike="noStrike" cap="none" normalizeH="0" baseline="0" dirty="0">
-                <a:ln>
-                  <a:noFill/>
-                </a:ln>
-                <a:solidFill>
-                  <a:srgbClr val="CC7832"/>
-                </a:solidFill>
-                <a:effectLst/>
-                <a:latin typeface="Roboto" panose="02000000000000000000" pitchFamily="2" charset="0"/>
-                <a:ea typeface="Roboto" panose="02000000000000000000" pitchFamily="2" charset="0"/>
-              </a:rPr>
-            </a:br>
-            <a:r>
-              <a:rPr kumimoji="0" lang="en-US" altLang="en-US" sz="1600" b="0" i="0" u="none" strike="noStrike" cap="none" normalizeH="0" baseline="0" dirty="0" err="1">
-                <a:ln>
-                  <a:noFill/>
-                </a:ln>
-                <a:solidFill>
-                  <a:srgbClr val="A9B7C6"/>
-                </a:solidFill>
-                <a:effectLst/>
-                <a:latin typeface="Roboto" panose="02000000000000000000" pitchFamily="2" charset="0"/>
-                <a:ea typeface="Roboto" panose="02000000000000000000" pitchFamily="2" charset="0"/>
-              </a:rPr>
-              <a:t>access_denied</a:t>
-            </a:r>
-            <a:r>
-              <a:rPr kumimoji="0" lang="en-US" altLang="en-US" sz="1600" b="0" i="0" u="none" strike="noStrike" cap="none" normalizeH="0" baseline="0" dirty="0">
-                <a:ln>
-                  <a:noFill/>
-                </a:ln>
-                <a:solidFill>
-                  <a:srgbClr val="A9B7C6"/>
-                </a:solidFill>
-                <a:effectLst/>
-                <a:latin typeface="Roboto" panose="02000000000000000000" pitchFamily="2" charset="0"/>
-                <a:ea typeface="Roboto" panose="02000000000000000000" pitchFamily="2" charset="0"/>
-              </a:rPr>
-              <a:t> = age &lt; </a:t>
-            </a:r>
-            <a:r>
-              <a:rPr kumimoji="0" lang="en-US" altLang="en-US" sz="1600" b="0" i="0" u="none" strike="noStrike" cap="none" normalizeH="0" baseline="0" dirty="0">
-                <a:ln>
-                  <a:noFill/>
-                </a:ln>
-                <a:solidFill>
-                  <a:srgbClr val="6897BB"/>
-                </a:solidFill>
-                <a:effectLst/>
-                <a:latin typeface="Roboto" panose="02000000000000000000" pitchFamily="2" charset="0"/>
-                <a:ea typeface="Roboto" panose="02000000000000000000" pitchFamily="2" charset="0"/>
-              </a:rPr>
-              <a:t>18 </a:t>
-            </a:r>
-            <a:r>
-              <a:rPr kumimoji="0" lang="en-US" altLang="en-US" sz="1600" b="0" i="0" u="none" strike="noStrike" cap="none" normalizeH="0" baseline="0" dirty="0">
-                <a:ln>
-                  <a:noFill/>
-                </a:ln>
-                <a:solidFill>
-                  <a:srgbClr val="CC7832"/>
-                </a:solidFill>
-                <a:effectLst/>
-                <a:latin typeface="Roboto" panose="02000000000000000000" pitchFamily="2" charset="0"/>
-                <a:ea typeface="Roboto" panose="02000000000000000000" pitchFamily="2" charset="0"/>
-              </a:rPr>
-              <a:t>and </a:t>
-            </a:r>
-            <a:r>
-              <a:rPr kumimoji="0" lang="en-US" altLang="en-US" sz="1600" b="0" i="0" u="none" strike="noStrike" cap="none" normalizeH="0" baseline="0" dirty="0" err="1">
-                <a:ln>
-                  <a:noFill/>
-                </a:ln>
-                <a:solidFill>
-                  <a:srgbClr val="A9B7C6"/>
-                </a:solidFill>
-                <a:effectLst/>
-                <a:latin typeface="Roboto" panose="02000000000000000000" pitchFamily="2" charset="0"/>
-                <a:ea typeface="Roboto" panose="02000000000000000000" pitchFamily="2" charset="0"/>
-              </a:rPr>
-              <a:t>age_restricted</a:t>
-            </a:r>
-            <a:r>
-              <a:rPr kumimoji="0" lang="en-US" altLang="en-US" sz="1600" b="0" i="0" u="none" strike="noStrike" cap="none" normalizeH="0" baseline="0" dirty="0">
-                <a:ln>
-                  <a:noFill/>
-                </a:ln>
-                <a:solidFill>
-                  <a:srgbClr val="A9B7C6"/>
-                </a:solidFill>
-                <a:effectLst/>
-                <a:latin typeface="Roboto" panose="02000000000000000000" pitchFamily="2" charset="0"/>
-                <a:ea typeface="Roboto" panose="02000000000000000000" pitchFamily="2" charset="0"/>
-              </a:rPr>
-              <a:t>  </a:t>
-            </a:r>
-            <a:r>
-              <a:rPr kumimoji="0" lang="en-US" altLang="en-US" sz="1600" b="0" i="0" u="none" strike="noStrike" cap="none" normalizeH="0" baseline="0" dirty="0">
-                <a:ln>
-                  <a:noFill/>
-                </a:ln>
-                <a:solidFill>
-                  <a:srgbClr val="808080"/>
-                </a:solidFill>
-                <a:effectLst/>
-                <a:latin typeface="Roboto" panose="02000000000000000000" pitchFamily="2" charset="0"/>
-                <a:ea typeface="Roboto" panose="02000000000000000000" pitchFamily="2" charset="0"/>
-              </a:rPr>
-              <a:t># True and False</a:t>
-            </a:r>
-            <a:br>
-              <a:rPr kumimoji="0" lang="en-US" altLang="en-US" sz="1600" b="0" i="0" u="none" strike="noStrike" cap="none" normalizeH="0" baseline="0" dirty="0">
-                <a:ln>
-                  <a:noFill/>
-                </a:ln>
-                <a:solidFill>
-                  <a:srgbClr val="808080"/>
-                </a:solidFill>
-                <a:effectLst/>
-                <a:latin typeface="Roboto" panose="02000000000000000000" pitchFamily="2" charset="0"/>
-                <a:ea typeface="Roboto" panose="02000000000000000000" pitchFamily="2" charset="0"/>
-              </a:rPr>
-            </a:br>
-            <a:r>
-              <a:rPr kumimoji="0" lang="en-US" altLang="en-US" sz="1600" b="0" i="0" u="none" strike="noStrike" cap="none" normalizeH="0" baseline="0" dirty="0">
-                <a:ln>
-                  <a:noFill/>
-                </a:ln>
-                <a:solidFill>
-                  <a:srgbClr val="8888C6"/>
-                </a:solidFill>
-                <a:effectLst/>
-                <a:latin typeface="Roboto" panose="02000000000000000000" pitchFamily="2" charset="0"/>
-                <a:ea typeface="Roboto" panose="02000000000000000000" pitchFamily="2" charset="0"/>
-              </a:rPr>
-              <a:t>print</a:t>
-            </a:r>
-            <a:r>
-              <a:rPr kumimoji="0" lang="en-US" altLang="en-US" sz="1600" b="0" i="0" u="none" strike="noStrike" cap="none" normalizeH="0" baseline="0" dirty="0">
-                <a:ln>
-                  <a:noFill/>
-                </a:ln>
-                <a:solidFill>
-                  <a:srgbClr val="A9B7C6"/>
-                </a:solidFill>
-                <a:effectLst/>
-                <a:latin typeface="Roboto" panose="02000000000000000000" pitchFamily="2" charset="0"/>
-                <a:ea typeface="Roboto" panose="02000000000000000000" pitchFamily="2" charset="0"/>
-              </a:rPr>
-              <a:t>(</a:t>
-            </a:r>
-            <a:r>
-              <a:rPr kumimoji="0" lang="en-US" altLang="en-US" sz="1600" b="0" i="0" u="none" strike="noStrike" cap="none" normalizeH="0" baseline="0" dirty="0" err="1">
-                <a:ln>
-                  <a:noFill/>
-                </a:ln>
-                <a:solidFill>
-                  <a:srgbClr val="A9B7C6"/>
-                </a:solidFill>
-                <a:effectLst/>
-                <a:latin typeface="Roboto" panose="02000000000000000000" pitchFamily="2" charset="0"/>
-                <a:ea typeface="Roboto" panose="02000000000000000000" pitchFamily="2" charset="0"/>
-              </a:rPr>
-              <a:t>access_denied</a:t>
-            </a:r>
-            <a:r>
-              <a:rPr kumimoji="0" lang="en-US" altLang="en-US" sz="1600" b="0" i="0" u="none" strike="noStrike" cap="none" normalizeH="0" baseline="0" dirty="0">
-                <a:ln>
-                  <a:noFill/>
-                </a:ln>
-                <a:solidFill>
-                  <a:srgbClr val="A9B7C6"/>
-                </a:solidFill>
-                <a:effectLst/>
-                <a:latin typeface="Roboto" panose="02000000000000000000" pitchFamily="2" charset="0"/>
-                <a:ea typeface="Roboto" panose="02000000000000000000" pitchFamily="2" charset="0"/>
-              </a:rPr>
-              <a:t>)  </a:t>
-            </a:r>
-            <a:r>
-              <a:rPr kumimoji="0" lang="en-US" altLang="en-US" sz="1600" b="0" i="0" u="none" strike="noStrike" cap="none" normalizeH="0" baseline="0" dirty="0">
-                <a:ln>
-                  <a:noFill/>
-                </a:ln>
-                <a:solidFill>
-                  <a:srgbClr val="808080"/>
-                </a:solidFill>
-                <a:effectLst/>
-                <a:latin typeface="Roboto" panose="02000000000000000000" pitchFamily="2" charset="0"/>
-                <a:ea typeface="Roboto" panose="02000000000000000000" pitchFamily="2" charset="0"/>
-              </a:rPr>
-              <a:t># False</a:t>
-            </a:r>
-            <a:br>
-              <a:rPr kumimoji="0" lang="en-US" altLang="en-US" sz="1600" b="0" i="0" u="none" strike="noStrike" cap="none" normalizeH="0" baseline="0" dirty="0">
-                <a:ln>
-                  <a:noFill/>
-                </a:ln>
-                <a:solidFill>
-                  <a:srgbClr val="808080"/>
-                </a:solidFill>
-                <a:effectLst/>
-                <a:latin typeface="Roboto" panose="02000000000000000000" pitchFamily="2" charset="0"/>
-                <a:ea typeface="Roboto" panose="02000000000000000000" pitchFamily="2" charset="0"/>
-              </a:rPr>
-            </a:br>
-            <a:br>
-              <a:rPr kumimoji="0" lang="en-US" altLang="en-US" sz="1600" b="0" i="0" u="none" strike="noStrike" cap="none" normalizeH="0" baseline="0" dirty="0">
-                <a:ln>
-                  <a:noFill/>
-                </a:ln>
-                <a:solidFill>
-                  <a:srgbClr val="808080"/>
-                </a:solidFill>
-                <a:effectLst/>
-                <a:latin typeface="Roboto" panose="02000000000000000000" pitchFamily="2" charset="0"/>
-                <a:ea typeface="Roboto" panose="02000000000000000000" pitchFamily="2" charset="0"/>
-              </a:rPr>
-            </a:br>
-            <a:r>
-              <a:rPr kumimoji="0" lang="en-US" altLang="en-US" sz="1600" b="0" i="0" u="none" strike="noStrike" cap="none" normalizeH="0" baseline="0" dirty="0" err="1">
-                <a:ln>
-                  <a:noFill/>
-                </a:ln>
-                <a:solidFill>
-                  <a:srgbClr val="A9B7C6"/>
-                </a:solidFill>
-                <a:effectLst/>
-                <a:latin typeface="Roboto" panose="02000000000000000000" pitchFamily="2" charset="0"/>
-                <a:ea typeface="Roboto" panose="02000000000000000000" pitchFamily="2" charset="0"/>
-              </a:rPr>
-              <a:t>age_restricted</a:t>
-            </a:r>
-            <a:r>
-              <a:rPr kumimoji="0" lang="en-US" altLang="en-US" sz="1600" b="0" i="0" u="none" strike="noStrike" cap="none" normalizeH="0" baseline="0" dirty="0">
-                <a:ln>
-                  <a:noFill/>
-                </a:ln>
-                <a:solidFill>
-                  <a:srgbClr val="A9B7C6"/>
-                </a:solidFill>
-                <a:effectLst/>
-                <a:latin typeface="Roboto" panose="02000000000000000000" pitchFamily="2" charset="0"/>
-                <a:ea typeface="Roboto" panose="02000000000000000000" pitchFamily="2" charset="0"/>
-              </a:rPr>
-              <a:t> = </a:t>
-            </a:r>
-            <a:r>
-              <a:rPr kumimoji="0" lang="en-US" altLang="en-US" sz="1600" b="0" i="0" u="none" strike="noStrike" cap="none" normalizeH="0" baseline="0" dirty="0">
-                <a:ln>
-                  <a:noFill/>
-                </a:ln>
-                <a:solidFill>
-                  <a:srgbClr val="CC7832"/>
-                </a:solidFill>
-                <a:effectLst/>
-                <a:latin typeface="Roboto" panose="02000000000000000000" pitchFamily="2" charset="0"/>
-                <a:ea typeface="Roboto" panose="02000000000000000000" pitchFamily="2" charset="0"/>
-              </a:rPr>
-              <a:t>True</a:t>
-            </a:r>
-            <a:br>
-              <a:rPr kumimoji="0" lang="en-US" altLang="en-US" sz="1600" b="0" i="0" u="none" strike="noStrike" cap="none" normalizeH="0" baseline="0" dirty="0">
-                <a:ln>
-                  <a:noFill/>
-                </a:ln>
-                <a:solidFill>
-                  <a:srgbClr val="CC7832"/>
-                </a:solidFill>
-                <a:effectLst/>
-                <a:latin typeface="Roboto" panose="02000000000000000000" pitchFamily="2" charset="0"/>
-                <a:ea typeface="Roboto" panose="02000000000000000000" pitchFamily="2" charset="0"/>
-              </a:rPr>
-            </a:br>
-            <a:r>
-              <a:rPr kumimoji="0" lang="en-US" altLang="en-US" sz="1600" b="0" i="0" u="none" strike="noStrike" cap="none" normalizeH="0" baseline="0" dirty="0">
-                <a:ln>
-                  <a:noFill/>
-                </a:ln>
-                <a:solidFill>
-                  <a:srgbClr val="A9B7C6"/>
-                </a:solidFill>
-                <a:effectLst/>
-                <a:latin typeface="Roboto" panose="02000000000000000000" pitchFamily="2" charset="0"/>
-                <a:ea typeface="Roboto" panose="02000000000000000000" pitchFamily="2" charset="0"/>
-              </a:rPr>
-              <a:t>age = </a:t>
-            </a:r>
-            <a:r>
-              <a:rPr kumimoji="0" lang="en-US" altLang="en-US" sz="1600" b="0" i="0" u="none" strike="noStrike" cap="none" normalizeH="0" baseline="0" dirty="0">
-                <a:ln>
-                  <a:noFill/>
-                </a:ln>
-                <a:solidFill>
-                  <a:srgbClr val="6897BB"/>
-                </a:solidFill>
-                <a:effectLst/>
-                <a:latin typeface="Roboto" panose="02000000000000000000" pitchFamily="2" charset="0"/>
-                <a:ea typeface="Roboto" panose="02000000000000000000" pitchFamily="2" charset="0"/>
-              </a:rPr>
-              <a:t>22</a:t>
-            </a:r>
-            <a:br>
-              <a:rPr kumimoji="0" lang="en-US" altLang="en-US" sz="1600" b="0" i="0" u="none" strike="noStrike" cap="none" normalizeH="0" baseline="0" dirty="0">
-                <a:ln>
-                  <a:noFill/>
-                </a:ln>
-                <a:solidFill>
-                  <a:srgbClr val="6897BB"/>
-                </a:solidFill>
-                <a:effectLst/>
-                <a:latin typeface="Roboto" panose="02000000000000000000" pitchFamily="2" charset="0"/>
-                <a:ea typeface="Roboto" panose="02000000000000000000" pitchFamily="2" charset="0"/>
-              </a:rPr>
-            </a:br>
-            <a:r>
-              <a:rPr kumimoji="0" lang="en-US" altLang="en-US" sz="1600" b="0" i="0" u="none" strike="noStrike" cap="none" normalizeH="0" baseline="0" dirty="0" err="1">
-                <a:ln>
-                  <a:noFill/>
-                </a:ln>
-                <a:solidFill>
-                  <a:srgbClr val="A9B7C6"/>
-                </a:solidFill>
-                <a:effectLst/>
-                <a:latin typeface="Roboto" panose="02000000000000000000" pitchFamily="2" charset="0"/>
-                <a:ea typeface="Roboto" panose="02000000000000000000" pitchFamily="2" charset="0"/>
-              </a:rPr>
-              <a:t>access_denied</a:t>
-            </a:r>
-            <a:r>
-              <a:rPr kumimoji="0" lang="en-US" altLang="en-US" sz="1600" b="0" i="0" u="none" strike="noStrike" cap="none" normalizeH="0" baseline="0" dirty="0">
-                <a:ln>
-                  <a:noFill/>
-                </a:ln>
-                <a:solidFill>
-                  <a:srgbClr val="A9B7C6"/>
-                </a:solidFill>
-                <a:effectLst/>
-                <a:latin typeface="Roboto" panose="02000000000000000000" pitchFamily="2" charset="0"/>
-                <a:ea typeface="Roboto" panose="02000000000000000000" pitchFamily="2" charset="0"/>
-              </a:rPr>
-              <a:t> = age &lt; </a:t>
-            </a:r>
-            <a:r>
-              <a:rPr kumimoji="0" lang="en-US" altLang="en-US" sz="1600" b="0" i="0" u="none" strike="noStrike" cap="none" normalizeH="0" baseline="0" dirty="0">
-                <a:ln>
-                  <a:noFill/>
-                </a:ln>
-                <a:solidFill>
-                  <a:srgbClr val="6897BB"/>
-                </a:solidFill>
-                <a:effectLst/>
-                <a:latin typeface="Roboto" panose="02000000000000000000" pitchFamily="2" charset="0"/>
-                <a:ea typeface="Roboto" panose="02000000000000000000" pitchFamily="2" charset="0"/>
-              </a:rPr>
-              <a:t>18 </a:t>
-            </a:r>
-            <a:r>
-              <a:rPr kumimoji="0" lang="en-US" altLang="en-US" sz="1600" b="0" i="0" u="none" strike="noStrike" cap="none" normalizeH="0" baseline="0" dirty="0">
-                <a:ln>
-                  <a:noFill/>
-                </a:ln>
-                <a:solidFill>
-                  <a:srgbClr val="CC7832"/>
-                </a:solidFill>
-                <a:effectLst/>
-                <a:latin typeface="Roboto" panose="02000000000000000000" pitchFamily="2" charset="0"/>
-                <a:ea typeface="Roboto" panose="02000000000000000000" pitchFamily="2" charset="0"/>
-              </a:rPr>
-              <a:t>and </a:t>
-            </a:r>
-            <a:r>
-              <a:rPr kumimoji="0" lang="en-US" altLang="en-US" sz="1600" b="0" i="0" u="none" strike="noStrike" cap="none" normalizeH="0" baseline="0" dirty="0" err="1">
-                <a:ln>
-                  <a:noFill/>
-                </a:ln>
-                <a:solidFill>
-                  <a:srgbClr val="A9B7C6"/>
-                </a:solidFill>
-                <a:effectLst/>
-                <a:latin typeface="Roboto" panose="02000000000000000000" pitchFamily="2" charset="0"/>
-                <a:ea typeface="Roboto" panose="02000000000000000000" pitchFamily="2" charset="0"/>
-              </a:rPr>
-              <a:t>age_restricted</a:t>
-            </a:r>
-            <a:r>
-              <a:rPr kumimoji="0" lang="en-US" altLang="en-US" sz="1600" b="0" i="0" u="none" strike="noStrike" cap="none" normalizeH="0" baseline="0" dirty="0">
-                <a:ln>
-                  <a:noFill/>
-                </a:ln>
-                <a:solidFill>
-                  <a:srgbClr val="A9B7C6"/>
-                </a:solidFill>
-                <a:effectLst/>
-                <a:latin typeface="Roboto" panose="02000000000000000000" pitchFamily="2" charset="0"/>
-                <a:ea typeface="Roboto" panose="02000000000000000000" pitchFamily="2" charset="0"/>
-              </a:rPr>
-              <a:t>  </a:t>
-            </a:r>
-            <a:r>
-              <a:rPr kumimoji="0" lang="en-US" altLang="en-US" sz="1600" b="0" i="0" u="none" strike="noStrike" cap="none" normalizeH="0" baseline="0" dirty="0">
-                <a:ln>
-                  <a:noFill/>
-                </a:ln>
-                <a:solidFill>
-                  <a:srgbClr val="808080"/>
-                </a:solidFill>
-                <a:effectLst/>
-                <a:latin typeface="Roboto" panose="02000000000000000000" pitchFamily="2" charset="0"/>
-                <a:ea typeface="Roboto" panose="02000000000000000000" pitchFamily="2" charset="0"/>
-              </a:rPr>
-              <a:t># False and True</a:t>
-            </a:r>
-            <a:br>
-              <a:rPr kumimoji="0" lang="en-US" altLang="en-US" sz="1600" b="0" i="0" u="none" strike="noStrike" cap="none" normalizeH="0" baseline="0" dirty="0">
-                <a:ln>
-                  <a:noFill/>
-                </a:ln>
-                <a:solidFill>
-                  <a:srgbClr val="808080"/>
-                </a:solidFill>
-                <a:effectLst/>
-                <a:latin typeface="Roboto" panose="02000000000000000000" pitchFamily="2" charset="0"/>
-                <a:ea typeface="Roboto" panose="02000000000000000000" pitchFamily="2" charset="0"/>
-              </a:rPr>
-            </a:br>
-            <a:r>
-              <a:rPr kumimoji="0" lang="en-US" altLang="en-US" sz="1600" b="0" i="0" u="none" strike="noStrike" cap="none" normalizeH="0" baseline="0" dirty="0">
-                <a:ln>
-                  <a:noFill/>
-                </a:ln>
-                <a:solidFill>
-                  <a:srgbClr val="8888C6"/>
-                </a:solidFill>
-                <a:effectLst/>
-                <a:latin typeface="Roboto" panose="02000000000000000000" pitchFamily="2" charset="0"/>
-                <a:ea typeface="Roboto" panose="02000000000000000000" pitchFamily="2" charset="0"/>
-              </a:rPr>
-              <a:t>print</a:t>
-            </a:r>
-            <a:r>
-              <a:rPr kumimoji="0" lang="en-US" altLang="en-US" sz="1600" b="0" i="0" u="none" strike="noStrike" cap="none" normalizeH="0" baseline="0" dirty="0">
-                <a:ln>
-                  <a:noFill/>
-                </a:ln>
-                <a:solidFill>
-                  <a:srgbClr val="A9B7C6"/>
-                </a:solidFill>
-                <a:effectLst/>
-                <a:latin typeface="Roboto" panose="02000000000000000000" pitchFamily="2" charset="0"/>
-                <a:ea typeface="Roboto" panose="02000000000000000000" pitchFamily="2" charset="0"/>
-              </a:rPr>
-              <a:t>(</a:t>
-            </a:r>
-            <a:r>
-              <a:rPr kumimoji="0" lang="en-US" altLang="en-US" sz="1600" b="0" i="0" u="none" strike="noStrike" cap="none" normalizeH="0" baseline="0" dirty="0" err="1">
-                <a:ln>
-                  <a:noFill/>
-                </a:ln>
-                <a:solidFill>
-                  <a:srgbClr val="A9B7C6"/>
-                </a:solidFill>
-                <a:effectLst/>
-                <a:latin typeface="Roboto" panose="02000000000000000000" pitchFamily="2" charset="0"/>
-                <a:ea typeface="Roboto" panose="02000000000000000000" pitchFamily="2" charset="0"/>
-              </a:rPr>
-              <a:t>access_denied</a:t>
-            </a:r>
-            <a:r>
-              <a:rPr kumimoji="0" lang="en-US" altLang="en-US" sz="1600" b="0" i="0" u="none" strike="noStrike" cap="none" normalizeH="0" baseline="0" dirty="0">
-                <a:ln>
-                  <a:noFill/>
-                </a:ln>
-                <a:solidFill>
-                  <a:srgbClr val="A9B7C6"/>
-                </a:solidFill>
-                <a:effectLst/>
-                <a:latin typeface="Roboto" panose="02000000000000000000" pitchFamily="2" charset="0"/>
-                <a:ea typeface="Roboto" panose="02000000000000000000" pitchFamily="2" charset="0"/>
-              </a:rPr>
-              <a:t>)  </a:t>
-            </a:r>
-            <a:r>
-              <a:rPr kumimoji="0" lang="en-US" altLang="en-US" sz="1600" b="0" i="0" u="none" strike="noStrike" cap="none" normalizeH="0" baseline="0" dirty="0">
-                <a:ln>
-                  <a:noFill/>
-                </a:ln>
-                <a:solidFill>
-                  <a:srgbClr val="808080"/>
-                </a:solidFill>
-                <a:effectLst/>
-                <a:latin typeface="Roboto" panose="02000000000000000000" pitchFamily="2" charset="0"/>
-                <a:ea typeface="Roboto" panose="02000000000000000000" pitchFamily="2" charset="0"/>
-              </a:rPr>
-              <a:t># False</a:t>
-            </a:r>
-            <a:endParaRPr kumimoji="0" lang="en-US" altLang="en-US" sz="4000" b="0" i="0" u="none" strike="noStrike" cap="none" normalizeH="0" baseline="0" dirty="0">
-              <a:ln>
-                <a:noFill/>
-              </a:ln>
-              <a:solidFill>
-                <a:schemeClr val="tx1"/>
-              </a:solidFill>
-              <a:effectLst/>
-              <a:latin typeface="Roboto" panose="02000000000000000000" pitchFamily="2" charset="0"/>
-              <a:ea typeface="Roboto" panose="02000000000000000000" pitchFamily="2" charset="0"/>
-            </a:endParaRPr>
-          </a:p>
-        </p:txBody>
-      </p:sp>
-    </p:spTree>
-    <p:extLst>
-      <p:ext uri="{BB962C8B-B14F-4D97-AF65-F5344CB8AC3E}">
-        <p14:creationId xmlns:p14="http://schemas.microsoft.com/office/powerpoint/2010/main" val="1951682945"/>
-      </p:ext>
-    </p:extLst>
-  </p:cSld>
-  <p:clrMapOvr>
-    <a:masterClrMapping/>
-  </p:clrMapOvr>
-</p:sld>
-</file>
-
-<file path=ppt/slides/slide25.xml><?xml version="1.0" encoding="utf-8"?>
-<p:sld xmlns:a="http://schemas.openxmlformats.org/drawingml/2006/main" xmlns:r="http://schemas.openxmlformats.org/officeDocument/2006/relationships" xmlns:p="http://schemas.openxmlformats.org/presentationml/2006/main">
-  <p:cSld>
-    <p:spTree>
-      <p:nvGrpSpPr>
-        <p:cNvPr id="1" name=""/>
-        <p:cNvGrpSpPr/>
-        <p:nvPr/>
-      </p:nvGrpSpPr>
-      <p:grpSpPr>
-        <a:xfrm>
-          <a:off x="0" y="0"/>
-          <a:ext cx="0" cy="0"/>
-          <a:chOff x="0" y="0"/>
-          <a:chExt cx="0" cy="0"/>
-        </a:xfrm>
-      </p:grpSpPr>
-      <p:sp>
-        <p:nvSpPr>
-          <p:cNvPr id="2" name="Title 1">
-            <a:extLst>
-              <a:ext uri="{FF2B5EF4-FFF2-40B4-BE49-F238E27FC236}">
-                <a16:creationId xmlns:a16="http://schemas.microsoft.com/office/drawing/2014/main" id="{A2550421-BFA2-4B09-832F-B3DB7C65246E}"/>
-              </a:ext>
-            </a:extLst>
-          </p:cNvPr>
-          <p:cNvSpPr>
-            <a:spLocks noGrp="1"/>
-          </p:cNvSpPr>
-          <p:nvPr>
-            <p:ph type="title"/>
-          </p:nvPr>
-        </p:nvSpPr>
-        <p:spPr/>
-        <p:txBody>
-          <a:bodyPr/>
-          <a:lstStyle/>
-          <a:p>
-            <a:r>
-              <a:rPr lang="en-US" dirty="0" err="1"/>
-              <a:t>Unde</a:t>
-            </a:r>
-            <a:r>
-              <a:rPr lang="en-US" dirty="0"/>
-              <a:t> </a:t>
-            </a:r>
-            <a:r>
-              <a:rPr lang="en-US" dirty="0" err="1"/>
-              <a:t>folosesc</a:t>
-            </a:r>
-            <a:r>
-              <a:rPr lang="en-US" dirty="0"/>
-              <a:t> Boolean-ul</a:t>
-            </a:r>
-            <a:endParaRPr lang="ro-RO" dirty="0"/>
-          </a:p>
-        </p:txBody>
-      </p:sp>
-      <p:sp>
-        <p:nvSpPr>
-          <p:cNvPr id="5" name="Rectangle 2">
-            <a:extLst>
-              <a:ext uri="{FF2B5EF4-FFF2-40B4-BE49-F238E27FC236}">
-                <a16:creationId xmlns:a16="http://schemas.microsoft.com/office/drawing/2014/main" id="{66FBCD7C-505A-45CE-9762-4E56EC9915F5}"/>
-              </a:ext>
-            </a:extLst>
-          </p:cNvPr>
-          <p:cNvSpPr>
-            <a:spLocks noChangeArrowheads="1"/>
-          </p:cNvSpPr>
-          <p:nvPr/>
-        </p:nvSpPr>
-        <p:spPr bwMode="auto">
-          <a:xfrm>
-            <a:off x="2754125" y="2063918"/>
-            <a:ext cx="3514850" cy="1015663"/>
-          </a:xfrm>
-          <a:prstGeom prst="rect">
-            <a:avLst/>
-          </a:prstGeom>
-          <a:solidFill>
-            <a:srgbClr val="2B2B2B"/>
-          </a:solidFill>
-          <a:ln>
-            <a:noFill/>
-          </a:ln>
-          <a:effectLst>
-            <a:outerShdw blurRad="107950" dist="12700" dir="5400000" algn="ctr">
-              <a:srgbClr val="000000"/>
-            </a:outerShdw>
-          </a:effectLst>
-          <a:scene3d>
-            <a:camera prst="orthographicFront">
-              <a:rot lat="0" lon="0" rev="0"/>
-            </a:camera>
-            <a:lightRig rig="soft" dir="t">
-              <a:rot lat="0" lon="0" rev="0"/>
-            </a:lightRig>
-          </a:scene3d>
-          <a:sp3d contourW="44450" prstMaterial="matte">
-            <a:bevelT w="63500" h="63500" prst="artDeco"/>
-            <a:contourClr>
-              <a:srgbClr val="FFFFFF"/>
-            </a:contourClr>
-          </a:sp3d>
-          <a:extLst>
-            <a:ext uri="{91240B29-F687-4F45-9708-019B960494DF}">
-              <a14:hiddenLine xmlns:a14="http://schemas.microsoft.com/office/drawing/2010/main" w="9525">
-                <a:solidFill>
-                  <a:schemeClr val="tx1"/>
-                </a:solidFill>
-                <a:miter lim="800000"/>
-                <a:headEnd/>
-                <a:tailEnd/>
-              </a14:hiddenLine>
-            </a:ext>
-            <a:ext uri="{AF507438-7753-43E0-B8FC-AC1667EBCBE1}">
-              <a14:hiddenEffects xmlns:a14="http://schemas.microsoft.com/office/drawing/2010/main">
-                <a:effectLst>
-                  <a:outerShdw dist="35921" dir="2700000" algn="ctr" rotWithShape="0">
-                    <a:schemeClr val="bg2"/>
-                  </a:outerShdw>
-                </a:effectLst>
-              </a14:hiddenEffects>
-            </a:ext>
-          </a:extLst>
-        </p:spPr>
-        <p:txBody>
-          <a:bodyPr vert="horz" wrap="square" lIns="91440" tIns="45720" rIns="91440" bIns="45720" numCol="1" anchor="ctr" anchorCtr="0" compatLnSpc="1">
-            <a:prstTxWarp prst="textNoShape">
-              <a:avLst/>
-            </a:prstTxWarp>
-            <a:spAutoFit/>
-          </a:bodyPr>
-          <a:lstStyle/>
-          <a:p>
-            <a:pPr marL="0" marR="0" lvl="0" indent="0" algn="l" defTabSz="914400" rtl="0" eaLnBrk="0" fontAlgn="base" latinLnBrk="0" hangingPunct="0">
-              <a:lnSpc>
-                <a:spcPct val="100000"/>
-              </a:lnSpc>
-              <a:spcBef>
-                <a:spcPct val="0"/>
-              </a:spcBef>
-              <a:spcAft>
-                <a:spcPct val="0"/>
-              </a:spcAft>
-              <a:buClrTx/>
-              <a:buSzTx/>
-              <a:buFontTx/>
-              <a:buNone/>
-              <a:tabLst/>
-            </a:pPr>
-            <a:r>
-              <a:rPr kumimoji="0" lang="en-US" altLang="en-US" sz="2000" b="0" i="0" u="none" strike="noStrike" cap="none" normalizeH="0" baseline="0" dirty="0" err="1">
-                <a:ln>
-                  <a:noFill/>
-                </a:ln>
-                <a:solidFill>
-                  <a:srgbClr val="A9B7C6"/>
-                </a:solidFill>
-                <a:effectLst/>
-                <a:latin typeface="Roboto" panose="02000000000000000000" pitchFamily="2" charset="0"/>
-                <a:ea typeface="Roboto" panose="02000000000000000000" pitchFamily="2" charset="0"/>
-              </a:rPr>
-              <a:t>my_boolean</a:t>
-            </a:r>
-            <a:r>
-              <a:rPr kumimoji="0" lang="en-US" altLang="en-US" sz="2000" b="0" i="0" u="none" strike="noStrike" cap="none" normalizeH="0" baseline="0" dirty="0">
-                <a:ln>
-                  <a:noFill/>
-                </a:ln>
-                <a:solidFill>
-                  <a:srgbClr val="A9B7C6"/>
-                </a:solidFill>
-                <a:effectLst/>
-                <a:latin typeface="Roboto" panose="02000000000000000000" pitchFamily="2" charset="0"/>
-                <a:ea typeface="Roboto" panose="02000000000000000000" pitchFamily="2" charset="0"/>
-              </a:rPr>
-              <a:t> = </a:t>
-            </a:r>
-            <a:r>
-              <a:rPr kumimoji="0" lang="en-US" altLang="en-US" sz="2000" b="0" i="0" u="none" strike="noStrike" cap="none" normalizeH="0" baseline="0" dirty="0">
-                <a:ln>
-                  <a:noFill/>
-                </a:ln>
-                <a:solidFill>
-                  <a:srgbClr val="CC7832"/>
-                </a:solidFill>
-                <a:effectLst/>
-                <a:latin typeface="Roboto" panose="02000000000000000000" pitchFamily="2" charset="0"/>
-                <a:ea typeface="Roboto" panose="02000000000000000000" pitchFamily="2" charset="0"/>
-              </a:rPr>
-              <a:t>True</a:t>
-            </a:r>
-            <a:br>
-              <a:rPr kumimoji="0" lang="en-US" altLang="en-US" sz="2000" b="0" i="0" u="none" strike="noStrike" cap="none" normalizeH="0" baseline="0" dirty="0">
-                <a:ln>
-                  <a:noFill/>
-                </a:ln>
-                <a:solidFill>
-                  <a:srgbClr val="CC7832"/>
-                </a:solidFill>
-                <a:effectLst/>
-                <a:latin typeface="Roboto" panose="02000000000000000000" pitchFamily="2" charset="0"/>
-                <a:ea typeface="Roboto" panose="02000000000000000000" pitchFamily="2" charset="0"/>
-              </a:rPr>
-            </a:br>
-            <a:r>
-              <a:rPr kumimoji="0" lang="en-US" altLang="en-US" sz="2000" b="0" i="0" u="none" strike="noStrike" cap="none" normalizeH="0" baseline="0" dirty="0">
-                <a:ln>
-                  <a:noFill/>
-                </a:ln>
-                <a:solidFill>
-                  <a:srgbClr val="CC7832"/>
-                </a:solidFill>
-                <a:effectLst/>
-                <a:latin typeface="Roboto" panose="02000000000000000000" pitchFamily="2" charset="0"/>
-                <a:ea typeface="Roboto" panose="02000000000000000000" pitchFamily="2" charset="0"/>
-              </a:rPr>
-              <a:t>if </a:t>
-            </a:r>
-            <a:r>
-              <a:rPr kumimoji="0" lang="en-US" altLang="en-US" sz="2000" b="0" i="0" u="none" strike="noStrike" cap="none" normalizeH="0" baseline="0" dirty="0" err="1">
-                <a:ln>
-                  <a:noFill/>
-                </a:ln>
-                <a:solidFill>
-                  <a:srgbClr val="A9B7C6"/>
-                </a:solidFill>
-                <a:effectLst/>
-                <a:latin typeface="Roboto" panose="02000000000000000000" pitchFamily="2" charset="0"/>
-                <a:ea typeface="Roboto" panose="02000000000000000000" pitchFamily="2" charset="0"/>
-              </a:rPr>
-              <a:t>my_boolean</a:t>
-            </a:r>
-            <a:r>
-              <a:rPr kumimoji="0" lang="en-US" altLang="en-US" sz="2000" b="0" i="0" u="none" strike="noStrike" cap="none" normalizeH="0" baseline="0" dirty="0">
-                <a:ln>
-                  <a:noFill/>
-                </a:ln>
-                <a:solidFill>
-                  <a:srgbClr val="A9B7C6"/>
-                </a:solidFill>
-                <a:effectLst/>
-                <a:latin typeface="Roboto" panose="02000000000000000000" pitchFamily="2" charset="0"/>
-                <a:ea typeface="Roboto" panose="02000000000000000000" pitchFamily="2" charset="0"/>
-              </a:rPr>
-              <a:t>:</a:t>
-            </a:r>
-            <a:br>
-              <a:rPr kumimoji="0" lang="en-US" altLang="en-US" sz="2000" b="0" i="0" u="none" strike="noStrike" cap="none" normalizeH="0" baseline="0" dirty="0">
-                <a:ln>
-                  <a:noFill/>
-                </a:ln>
-                <a:solidFill>
-                  <a:srgbClr val="A9B7C6"/>
-                </a:solidFill>
-                <a:effectLst/>
-                <a:latin typeface="Roboto" panose="02000000000000000000" pitchFamily="2" charset="0"/>
-                <a:ea typeface="Roboto" panose="02000000000000000000" pitchFamily="2" charset="0"/>
-              </a:rPr>
-            </a:br>
-            <a:r>
-              <a:rPr kumimoji="0" lang="en-US" altLang="en-US" sz="2000" b="0" i="0" u="none" strike="noStrike" cap="none" normalizeH="0" baseline="0" dirty="0">
-                <a:ln>
-                  <a:noFill/>
-                </a:ln>
-                <a:solidFill>
-                  <a:srgbClr val="A9B7C6"/>
-                </a:solidFill>
-                <a:effectLst/>
-                <a:latin typeface="Roboto" panose="02000000000000000000" pitchFamily="2" charset="0"/>
-                <a:ea typeface="Roboto" panose="02000000000000000000" pitchFamily="2" charset="0"/>
-              </a:rPr>
-              <a:t>    </a:t>
-            </a:r>
-            <a:r>
-              <a:rPr kumimoji="0" lang="en-US" altLang="en-US" sz="2000" b="0" i="0" u="none" strike="noStrike" cap="none" normalizeH="0" baseline="0" dirty="0">
-                <a:ln>
-                  <a:noFill/>
-                </a:ln>
-                <a:solidFill>
-                  <a:srgbClr val="8888C6"/>
-                </a:solidFill>
-                <a:effectLst/>
-                <a:latin typeface="Roboto" panose="02000000000000000000" pitchFamily="2" charset="0"/>
-                <a:ea typeface="Roboto" panose="02000000000000000000" pitchFamily="2" charset="0"/>
-              </a:rPr>
-              <a:t>print</a:t>
-            </a:r>
-            <a:r>
-              <a:rPr kumimoji="0" lang="en-US" altLang="en-US" sz="2000" b="0" i="0" u="none" strike="noStrike" cap="none" normalizeH="0" baseline="0" dirty="0">
-                <a:ln>
-                  <a:noFill/>
-                </a:ln>
-                <a:solidFill>
-                  <a:srgbClr val="A9B7C6"/>
-                </a:solidFill>
-                <a:effectLst/>
-                <a:latin typeface="Roboto" panose="02000000000000000000" pitchFamily="2" charset="0"/>
-                <a:ea typeface="Roboto" panose="02000000000000000000" pitchFamily="2" charset="0"/>
-              </a:rPr>
-              <a:t>(</a:t>
-            </a:r>
-            <a:r>
-              <a:rPr kumimoji="0" lang="en-US" altLang="en-US" sz="2000" b="0" i="0" u="none" strike="noStrike" cap="none" normalizeH="0" baseline="0" dirty="0">
-                <a:ln>
-                  <a:noFill/>
-                </a:ln>
-                <a:solidFill>
-                  <a:srgbClr val="6A8759"/>
-                </a:solidFill>
-                <a:effectLst/>
-                <a:latin typeface="Roboto" panose="02000000000000000000" pitchFamily="2" charset="0"/>
-                <a:ea typeface="Roboto" panose="02000000000000000000" pitchFamily="2" charset="0"/>
-              </a:rPr>
-              <a:t>"My </a:t>
-            </a:r>
-            <a:r>
-              <a:rPr kumimoji="0" lang="en-US" altLang="en-US" sz="2000" b="0" i="0" u="none" strike="noStrike" cap="none" normalizeH="0" baseline="0" dirty="0" err="1">
-                <a:ln>
-                  <a:noFill/>
-                </a:ln>
-                <a:solidFill>
-                  <a:srgbClr val="6A8759"/>
-                </a:solidFill>
-                <a:effectLst/>
-                <a:latin typeface="Roboto" panose="02000000000000000000" pitchFamily="2" charset="0"/>
-                <a:ea typeface="Roboto" panose="02000000000000000000" pitchFamily="2" charset="0"/>
-              </a:rPr>
-              <a:t>boolean</a:t>
-            </a:r>
-            <a:r>
-              <a:rPr kumimoji="0" lang="en-US" altLang="en-US" sz="2000" b="0" i="0" u="none" strike="noStrike" cap="none" normalizeH="0" baseline="0" dirty="0">
-                <a:ln>
-                  <a:noFill/>
-                </a:ln>
-                <a:solidFill>
-                  <a:srgbClr val="6A8759"/>
-                </a:solidFill>
-                <a:effectLst/>
-                <a:latin typeface="Roboto" panose="02000000000000000000" pitchFamily="2" charset="0"/>
-                <a:ea typeface="Roboto" panose="02000000000000000000" pitchFamily="2" charset="0"/>
-              </a:rPr>
-              <a:t> is True"</a:t>
-            </a:r>
-            <a:r>
-              <a:rPr kumimoji="0" lang="en-US" altLang="en-US" sz="2000" b="0" i="0" u="none" strike="noStrike" cap="none" normalizeH="0" baseline="0" dirty="0">
-                <a:ln>
-                  <a:noFill/>
-                </a:ln>
-                <a:solidFill>
-                  <a:srgbClr val="A9B7C6"/>
-                </a:solidFill>
-                <a:effectLst/>
-                <a:latin typeface="Roboto" panose="02000000000000000000" pitchFamily="2" charset="0"/>
-                <a:ea typeface="Roboto" panose="02000000000000000000" pitchFamily="2" charset="0"/>
-              </a:rPr>
-              <a:t>)</a:t>
-            </a:r>
-            <a:endParaRPr kumimoji="0" lang="en-US" altLang="en-US" sz="4800" b="0" i="0" u="none" strike="noStrike" cap="none" normalizeH="0" baseline="0" dirty="0">
-              <a:ln>
-                <a:noFill/>
-              </a:ln>
-              <a:solidFill>
-                <a:schemeClr val="tx1"/>
-              </a:solidFill>
-              <a:effectLst/>
-              <a:latin typeface="Roboto" panose="02000000000000000000" pitchFamily="2" charset="0"/>
-              <a:ea typeface="Roboto" panose="02000000000000000000" pitchFamily="2" charset="0"/>
-            </a:endParaRPr>
-          </a:p>
-        </p:txBody>
-      </p:sp>
-    </p:spTree>
-    <p:extLst>
-      <p:ext uri="{BB962C8B-B14F-4D97-AF65-F5344CB8AC3E}">
-        <p14:creationId xmlns:p14="http://schemas.microsoft.com/office/powerpoint/2010/main" val="1382119592"/>
-      </p:ext>
-    </p:extLst>
-  </p:cSld>
-  <p:clrMapOvr>
-    <a:masterClrMapping/>
-  </p:clrMapOvr>
-</p:sld>
-</file>
-
-<file path=ppt/slides/slide26.xml><?xml version="1.0" encoding="utf-8"?>
-<p:sld xmlns:a="http://schemas.openxmlformats.org/drawingml/2006/main" xmlns:r="http://schemas.openxmlformats.org/officeDocument/2006/relationships" xmlns:p="http://schemas.openxmlformats.org/presentationml/2006/main">
-  <p:cSld>
-    <p:spTree>
-      <p:nvGrpSpPr>
-        <p:cNvPr id="1" name=""/>
-        <p:cNvGrpSpPr/>
-        <p:nvPr/>
-      </p:nvGrpSpPr>
-      <p:grpSpPr>
-        <a:xfrm>
-          <a:off x="0" y="0"/>
-          <a:ext cx="0" cy="0"/>
-          <a:chOff x="0" y="0"/>
-          <a:chExt cx="0" cy="0"/>
-        </a:xfrm>
-      </p:grpSpPr>
-      <p:sp>
-        <p:nvSpPr>
-          <p:cNvPr id="2" name="Title 1">
-            <a:extLst>
-              <a:ext uri="{FF2B5EF4-FFF2-40B4-BE49-F238E27FC236}">
-                <a16:creationId xmlns:a16="http://schemas.microsoft.com/office/drawing/2014/main" id="{D09F23FB-6150-4E1E-B6B0-A351D7BB021D}"/>
-              </a:ext>
-            </a:extLst>
-          </p:cNvPr>
-          <p:cNvSpPr>
-            <a:spLocks noGrp="1"/>
-          </p:cNvSpPr>
-          <p:nvPr>
-            <p:ph type="title"/>
-          </p:nvPr>
-        </p:nvSpPr>
-        <p:spPr/>
-        <p:txBody>
-          <a:bodyPr/>
-          <a:lstStyle/>
-          <a:p>
-            <a:r>
-              <a:rPr lang="en-US" dirty="0" err="1"/>
-              <a:t>Exercitiu</a:t>
-            </a:r>
-            <a:endParaRPr lang="ro-RO" dirty="0"/>
-          </a:p>
-        </p:txBody>
-      </p:sp>
-      <p:sp>
-        <p:nvSpPr>
-          <p:cNvPr id="3" name="TextBox 2">
-            <a:extLst>
-              <a:ext uri="{FF2B5EF4-FFF2-40B4-BE49-F238E27FC236}">
-                <a16:creationId xmlns:a16="http://schemas.microsoft.com/office/drawing/2014/main" id="{66244AFD-0283-4EC3-8CD9-5A774A43EB00}"/>
-              </a:ext>
-            </a:extLst>
-          </p:cNvPr>
-          <p:cNvSpPr txBox="1"/>
-          <p:nvPr/>
-        </p:nvSpPr>
-        <p:spPr>
-          <a:xfrm>
-            <a:off x="98250" y="675359"/>
-            <a:ext cx="6877538" cy="4185761"/>
-          </a:xfrm>
-          <a:prstGeom prst="rect">
-            <a:avLst/>
-          </a:prstGeom>
-          <a:noFill/>
-        </p:spPr>
-        <p:txBody>
-          <a:bodyPr wrap="square" rtlCol="0">
-            <a:spAutoFit/>
-          </a:bodyPr>
-          <a:lstStyle/>
-          <a:p>
-            <a:r>
-              <a:rPr lang="en-US" dirty="0" err="1"/>
-              <a:t>Elaboreaza</a:t>
-            </a:r>
-            <a:r>
-              <a:rPr lang="en-US" dirty="0"/>
-              <a:t> un program care </a:t>
-            </a:r>
-            <a:r>
-              <a:rPr lang="en-US" dirty="0" err="1"/>
-              <a:t>va</a:t>
-            </a:r>
-            <a:r>
-              <a:rPr lang="en-US" dirty="0"/>
-              <a:t>:</a:t>
-            </a:r>
-          </a:p>
-          <a:p>
-            <a:pPr marL="285750" indent="-285750">
-              <a:buFont typeface="Arial" panose="020B0604020202020204" pitchFamily="34" charset="0"/>
-              <a:buChar char="•"/>
-            </a:pPr>
-            <a:r>
-              <a:rPr lang="en-US" dirty="0"/>
-              <a:t>Cere </a:t>
-            </a:r>
-            <a:r>
-              <a:rPr lang="en-US" dirty="0" err="1"/>
-              <a:t>numele</a:t>
-            </a:r>
-            <a:r>
-              <a:rPr lang="en-US" dirty="0"/>
-              <a:t> </a:t>
-            </a:r>
-            <a:r>
-              <a:rPr lang="en-US" dirty="0" err="1"/>
-              <a:t>utilizatorului</a:t>
-            </a:r>
-            <a:r>
-              <a:rPr lang="en-US" dirty="0"/>
-              <a:t> din </a:t>
-            </a:r>
-            <a:r>
-              <a:rPr lang="en-US" dirty="0" err="1"/>
-              <a:t>consola</a:t>
-            </a:r>
-            <a:endParaRPr lang="en-US" dirty="0"/>
-          </a:p>
-          <a:p>
-            <a:pPr marL="285750" indent="-285750">
-              <a:buFont typeface="Arial" panose="020B0604020202020204" pitchFamily="34" charset="0"/>
-              <a:buChar char="•"/>
-            </a:pPr>
-            <a:r>
-              <a:rPr lang="en-US" dirty="0" err="1"/>
-              <a:t>Afisa</a:t>
-            </a:r>
-            <a:r>
-              <a:rPr lang="en-US" dirty="0"/>
-              <a:t> “Ce </a:t>
-            </a:r>
-            <a:r>
-              <a:rPr lang="en-US" dirty="0" err="1"/>
-              <a:t>nume</a:t>
-            </a:r>
-            <a:r>
-              <a:rPr lang="en-US" dirty="0"/>
-              <a:t> lung” </a:t>
-            </a:r>
-            <a:r>
-              <a:rPr lang="en-US" dirty="0" err="1"/>
-              <a:t>daca</a:t>
-            </a:r>
-            <a:r>
-              <a:rPr lang="en-US" dirty="0"/>
-              <a:t> </a:t>
-            </a:r>
-            <a:r>
-              <a:rPr lang="en-US" dirty="0" err="1"/>
-              <a:t>lungimea</a:t>
-            </a:r>
-            <a:r>
-              <a:rPr lang="en-US" dirty="0"/>
-              <a:t> </a:t>
-            </a:r>
-            <a:r>
-              <a:rPr lang="en-US" dirty="0" err="1"/>
-              <a:t>numelui</a:t>
-            </a:r>
-            <a:r>
-              <a:rPr lang="en-US" dirty="0"/>
-              <a:t> </a:t>
-            </a:r>
-            <a:r>
-              <a:rPr lang="en-US" dirty="0" err="1"/>
-              <a:t>este</a:t>
-            </a:r>
-            <a:r>
-              <a:rPr lang="en-US" dirty="0"/>
-              <a:t> </a:t>
-            </a:r>
-            <a:r>
-              <a:rPr lang="en-US" dirty="0" err="1"/>
-              <a:t>mai</a:t>
-            </a:r>
-            <a:r>
-              <a:rPr lang="en-US" dirty="0"/>
-              <a:t> mare </a:t>
-            </a:r>
-            <a:r>
-              <a:rPr lang="en-US" dirty="0" err="1"/>
-              <a:t>sau</a:t>
-            </a:r>
-            <a:r>
-              <a:rPr lang="en-US" dirty="0"/>
-              <a:t> egal de 7 </a:t>
-            </a:r>
-            <a:r>
-              <a:rPr lang="en-US" dirty="0" err="1"/>
-              <a:t>litere</a:t>
-            </a:r>
-            <a:endParaRPr lang="en-US" dirty="0"/>
-          </a:p>
-          <a:p>
-            <a:pPr marL="285750" indent="-285750">
-              <a:buFont typeface="Arial" panose="020B0604020202020204" pitchFamily="34" charset="0"/>
-              <a:buChar char="•"/>
-            </a:pPr>
-            <a:r>
-              <a:rPr lang="en-US" dirty="0" err="1"/>
-              <a:t>Va</a:t>
-            </a:r>
-            <a:r>
-              <a:rPr lang="en-US" dirty="0"/>
-              <a:t> </a:t>
-            </a:r>
-            <a:r>
-              <a:rPr lang="en-US" dirty="0" err="1"/>
-              <a:t>afisa</a:t>
-            </a:r>
-            <a:r>
-              <a:rPr lang="en-US" dirty="0"/>
-              <a:t> Merci + </a:t>
-            </a:r>
-            <a:r>
-              <a:rPr lang="en-US" dirty="0" err="1"/>
-              <a:t>nume</a:t>
-            </a:r>
-            <a:r>
-              <a:rPr lang="en-US" dirty="0"/>
-              <a:t> </a:t>
-            </a:r>
-            <a:r>
-              <a:rPr lang="en-US" dirty="0" err="1"/>
-              <a:t>indiferent</a:t>
-            </a:r>
-            <a:r>
-              <a:rPr lang="en-US" dirty="0"/>
-              <a:t> de </a:t>
-            </a:r>
-            <a:r>
-              <a:rPr lang="en-US" dirty="0" err="1"/>
-              <a:t>lungimea</a:t>
-            </a:r>
-            <a:r>
-              <a:rPr lang="en-US" dirty="0"/>
-              <a:t> </a:t>
-            </a:r>
-            <a:r>
-              <a:rPr lang="en-US" dirty="0" err="1"/>
-              <a:t>numelui</a:t>
-            </a:r>
-            <a:endParaRPr lang="en-US" dirty="0"/>
-          </a:p>
-          <a:p>
-            <a:endParaRPr lang="en-US" dirty="0"/>
-          </a:p>
-          <a:p>
-            <a:r>
-              <a:rPr lang="en-US" dirty="0" err="1"/>
-              <a:t>Exemplu</a:t>
-            </a:r>
-            <a:r>
-              <a:rPr lang="en-US"/>
-              <a:t> 1:</a:t>
-            </a:r>
-            <a:endParaRPr lang="en-US" dirty="0"/>
-          </a:p>
-          <a:p>
-            <a:r>
-              <a:rPr lang="en-US" dirty="0"/>
-              <a:t>Input: </a:t>
-            </a:r>
-            <a:r>
-              <a:rPr lang="en-US" dirty="0" err="1"/>
-              <a:t>Alexandru</a:t>
-            </a:r>
-            <a:endParaRPr lang="en-US" dirty="0"/>
-          </a:p>
-          <a:p>
-            <a:endParaRPr lang="en-US" dirty="0"/>
-          </a:p>
-          <a:p>
-            <a:r>
-              <a:rPr lang="en-US" dirty="0"/>
-              <a:t>Output: </a:t>
-            </a:r>
-          </a:p>
-          <a:p>
-            <a:r>
-              <a:rPr lang="en-US" dirty="0"/>
-              <a:t>Ce </a:t>
-            </a:r>
-            <a:r>
-              <a:rPr lang="en-US" dirty="0" err="1"/>
-              <a:t>nume</a:t>
-            </a:r>
-            <a:r>
-              <a:rPr lang="en-US" dirty="0"/>
-              <a:t> lung</a:t>
-            </a:r>
-          </a:p>
-          <a:p>
-            <a:r>
-              <a:rPr lang="en-US" dirty="0"/>
-              <a:t>Merci </a:t>
-            </a:r>
-            <a:r>
-              <a:rPr lang="en-US" dirty="0" err="1"/>
-              <a:t>Alexandru</a:t>
-            </a:r>
-            <a:endParaRPr lang="en-US" dirty="0"/>
-          </a:p>
-          <a:p>
-            <a:endParaRPr lang="en-US" dirty="0"/>
-          </a:p>
-          <a:p>
-            <a:r>
-              <a:rPr lang="en-US" dirty="0" err="1"/>
-              <a:t>Exemplu</a:t>
-            </a:r>
-            <a:r>
-              <a:rPr lang="en-US" dirty="0"/>
-              <a:t> 2:</a:t>
-            </a:r>
-          </a:p>
-          <a:p>
-            <a:endParaRPr lang="en-US" dirty="0"/>
-          </a:p>
-          <a:p>
-            <a:r>
-              <a:rPr lang="en-US" dirty="0"/>
-              <a:t>Input: </a:t>
-            </a:r>
-          </a:p>
-          <a:p>
-            <a:r>
-              <a:rPr lang="en-US" dirty="0"/>
-              <a:t>Ana</a:t>
-            </a:r>
-          </a:p>
-          <a:p>
-            <a:endParaRPr lang="en-US" dirty="0"/>
-          </a:p>
-          <a:p>
-            <a:r>
-              <a:rPr lang="en-US" dirty="0"/>
-              <a:t>Output: </a:t>
-            </a:r>
-          </a:p>
-          <a:p>
-            <a:r>
-              <a:rPr lang="en-US" dirty="0"/>
-              <a:t>Merci Ana</a:t>
-            </a:r>
-          </a:p>
-        </p:txBody>
-      </p:sp>
-    </p:spTree>
-    <p:extLst>
-      <p:ext uri="{BB962C8B-B14F-4D97-AF65-F5344CB8AC3E}">
-        <p14:creationId xmlns:p14="http://schemas.microsoft.com/office/powerpoint/2010/main" val="672368777"/>
-      </p:ext>
-    </p:extLst>
-  </p:cSld>
-  <p:clrMapOvr>
-    <a:masterClrMapping/>
-  </p:clrMapOvr>
-</p:sld>
-</file>
-
-<file path=ppt/slides/slide27.xml><?xml version="1.0" encoding="utf-8"?>
 <p:sld xmlns:a="http://schemas.openxmlformats.org/drawingml/2006/main" xmlns:r="http://schemas.openxmlformats.org/officeDocument/2006/relationships" xmlns:p="http://schemas.openxmlformats.org/presentationml/2006/main">
   <p:cSld>
     <p:spTree>
@@ -17476,7 +15683,7 @@
 </p:sld>
 </file>
 
-<file path=ppt/slides/slide28.xml><?xml version="1.0" encoding="utf-8"?>
+<file path=ppt/slides/slide25.xml><?xml version="1.0" encoding="utf-8"?>
 <p:sld xmlns:a="http://schemas.openxmlformats.org/drawingml/2006/main" xmlns:r="http://schemas.openxmlformats.org/officeDocument/2006/relationships" xmlns:p="http://schemas.openxmlformats.org/presentationml/2006/main">
   <p:cSld>
     <p:spTree>
@@ -17581,7 +15788,7 @@
 </p:sld>
 </file>
 
-<file path=ppt/slides/slide29.xml><?xml version="1.0" encoding="utf-8"?>
+<file path=ppt/slides/slide26.xml><?xml version="1.0" encoding="utf-8"?>
 <p:sld xmlns:a="http://schemas.openxmlformats.org/drawingml/2006/main" xmlns:r="http://schemas.openxmlformats.org/officeDocument/2006/relationships" xmlns:p="http://schemas.openxmlformats.org/presentationml/2006/main">
   <p:cSld>
     <p:spTree>
@@ -18113,6 +16320,554 @@
     <p:extLst>
       <p:ext uri="{BB962C8B-B14F-4D97-AF65-F5344CB8AC3E}">
         <p14:creationId xmlns:p14="http://schemas.microsoft.com/office/powerpoint/2010/main" val="2852776830"/>
+      </p:ext>
+    </p:extLst>
+  </p:cSld>
+  <p:clrMapOvr>
+    <a:masterClrMapping/>
+  </p:clrMapOvr>
+</p:sld>
+</file>
+
+<file path=ppt/slides/slide27.xml><?xml version="1.0" encoding="utf-8"?>
+<p:sld xmlns:a="http://schemas.openxmlformats.org/drawingml/2006/main" xmlns:r="http://schemas.openxmlformats.org/officeDocument/2006/relationships" xmlns:p="http://schemas.openxmlformats.org/presentationml/2006/main">
+  <p:cSld>
+    <p:spTree>
+      <p:nvGrpSpPr>
+        <p:cNvPr id="1" name=""/>
+        <p:cNvGrpSpPr/>
+        <p:nvPr/>
+      </p:nvGrpSpPr>
+      <p:grpSpPr>
+        <a:xfrm>
+          <a:off x="0" y="0"/>
+          <a:ext cx="0" cy="0"/>
+          <a:chOff x="0" y="0"/>
+          <a:chExt cx="0" cy="0"/>
+        </a:xfrm>
+      </p:grpSpPr>
+      <p:sp>
+        <p:nvSpPr>
+          <p:cNvPr id="2" name="Title 1">
+            <a:extLst>
+              <a:ext uri="{FF2B5EF4-FFF2-40B4-BE49-F238E27FC236}">
+                <a16:creationId xmlns:a16="http://schemas.microsoft.com/office/drawing/2014/main" id="{6AE53028-26B9-4A58-AE5B-545DC08A4926}"/>
+              </a:ext>
+            </a:extLst>
+          </p:cNvPr>
+          <p:cNvSpPr>
+            <a:spLocks noGrp="1"/>
+          </p:cNvSpPr>
+          <p:nvPr>
+            <p:ph type="title"/>
+          </p:nvPr>
+        </p:nvSpPr>
+        <p:spPr/>
+        <p:txBody>
+          <a:bodyPr>
+            <a:normAutofit/>
+          </a:bodyPr>
+          <a:lstStyle/>
+          <a:p>
+            <a:r>
+              <a:rPr lang="en-US" sz="2400" dirty="0" err="1"/>
+              <a:t>Exercitiu</a:t>
+            </a:r>
+            <a:endParaRPr lang="en-US" sz="2400" dirty="0"/>
+          </a:p>
+        </p:txBody>
+      </p:sp>
+      <p:sp>
+        <p:nvSpPr>
+          <p:cNvPr id="3" name="TextBox 2">
+            <a:extLst>
+              <a:ext uri="{FF2B5EF4-FFF2-40B4-BE49-F238E27FC236}">
+                <a16:creationId xmlns:a16="http://schemas.microsoft.com/office/drawing/2014/main" id="{04C55CB4-B3FE-4CDC-B883-A125CEF797BD}"/>
+              </a:ext>
+            </a:extLst>
+          </p:cNvPr>
+          <p:cNvSpPr txBox="1"/>
+          <p:nvPr/>
+        </p:nvSpPr>
+        <p:spPr>
+          <a:xfrm>
+            <a:off x="739140" y="1249680"/>
+            <a:ext cx="7299960" cy="646331"/>
+          </a:xfrm>
+          <a:prstGeom prst="rect">
+            <a:avLst/>
+          </a:prstGeom>
+          <a:noFill/>
+        </p:spPr>
+        <p:txBody>
+          <a:bodyPr wrap="square" rtlCol="0">
+            <a:spAutoFit/>
+          </a:bodyPr>
+          <a:lstStyle/>
+          <a:p>
+            <a:r>
+              <a:rPr lang="en-US" sz="1800" dirty="0" err="1"/>
+              <a:t>Creaza</a:t>
+            </a:r>
+            <a:r>
+              <a:rPr lang="en-US" sz="1800" dirty="0"/>
+              <a:t> un program care </a:t>
+            </a:r>
+            <a:r>
+              <a:rPr lang="en-US" sz="1800" dirty="0" err="1"/>
+              <a:t>va</a:t>
+            </a:r>
+            <a:r>
+              <a:rPr lang="en-US" sz="1800" dirty="0"/>
+              <a:t> </a:t>
+            </a:r>
+            <a:r>
+              <a:rPr lang="en-US" sz="1800" dirty="0" err="1"/>
+              <a:t>afisa</a:t>
+            </a:r>
+            <a:r>
+              <a:rPr lang="en-US" sz="1800" dirty="0"/>
+              <a:t> </a:t>
+            </a:r>
+            <a:r>
+              <a:rPr lang="en-US" sz="1800" dirty="0" err="1"/>
+              <a:t>daca</a:t>
+            </a:r>
+            <a:r>
+              <a:rPr lang="en-US" sz="1800" dirty="0"/>
+              <a:t> </a:t>
+            </a:r>
+            <a:r>
+              <a:rPr lang="en-US" sz="1800" dirty="0" err="1"/>
+              <a:t>doua</a:t>
+            </a:r>
+            <a:r>
+              <a:rPr lang="en-US" sz="1800" dirty="0"/>
+              <a:t> </a:t>
+            </a:r>
+            <a:r>
+              <a:rPr lang="en-US" sz="1800" dirty="0" err="1"/>
+              <a:t>stringuri</a:t>
+            </a:r>
+            <a:r>
+              <a:rPr lang="en-US" sz="1800" dirty="0"/>
+              <a:t> introduce la </a:t>
+            </a:r>
+            <a:r>
+              <a:rPr lang="en-US" sz="1800" dirty="0" err="1"/>
+              <a:t>consola</a:t>
+            </a:r>
+            <a:r>
+              <a:rPr lang="en-US" sz="1800" dirty="0"/>
+              <a:t> </a:t>
+            </a:r>
+            <a:r>
+              <a:rPr lang="en-US" sz="1800" dirty="0" err="1"/>
+              <a:t>contin</a:t>
+            </a:r>
+            <a:r>
+              <a:rPr lang="en-US" sz="1800" dirty="0"/>
+              <a:t> </a:t>
+            </a:r>
+            <a:r>
+              <a:rPr lang="en-US" sz="1800" dirty="0" err="1"/>
+              <a:t>acelas</a:t>
+            </a:r>
+            <a:r>
+              <a:rPr lang="en-US" sz="1800" dirty="0"/>
+              <a:t> text (indifferent de majuscule </a:t>
+            </a:r>
+            <a:r>
+              <a:rPr lang="en-US" sz="1800" dirty="0" err="1"/>
+              <a:t>sau</a:t>
+            </a:r>
+            <a:r>
+              <a:rPr lang="en-US" sz="1800" dirty="0"/>
+              <a:t> minuscule)</a:t>
+            </a:r>
+          </a:p>
+        </p:txBody>
+      </p:sp>
+      <p:sp>
+        <p:nvSpPr>
+          <p:cNvPr id="4" name="TextBox 3">
+            <a:extLst>
+              <a:ext uri="{FF2B5EF4-FFF2-40B4-BE49-F238E27FC236}">
+                <a16:creationId xmlns:a16="http://schemas.microsoft.com/office/drawing/2014/main" id="{A1B6B129-E4F6-461D-974D-5867E5E8AB0C}"/>
+              </a:ext>
+            </a:extLst>
+          </p:cNvPr>
+          <p:cNvSpPr txBox="1"/>
+          <p:nvPr/>
+        </p:nvSpPr>
+        <p:spPr>
+          <a:xfrm>
+            <a:off x="739140" y="2255520"/>
+            <a:ext cx="5920740" cy="1754326"/>
+          </a:xfrm>
+          <a:prstGeom prst="rect">
+            <a:avLst/>
+          </a:prstGeom>
+          <a:noFill/>
+        </p:spPr>
+        <p:txBody>
+          <a:bodyPr wrap="square" rtlCol="0">
+            <a:spAutoFit/>
+          </a:bodyPr>
+          <a:lstStyle/>
+          <a:p>
+            <a:r>
+              <a:rPr lang="en-US" sz="1800" dirty="0" err="1"/>
+              <a:t>Exemplu</a:t>
+            </a:r>
+            <a:r>
+              <a:rPr lang="en-US" sz="1800" dirty="0"/>
+              <a:t>:</a:t>
+            </a:r>
+          </a:p>
+          <a:p>
+            <a:endParaRPr lang="en-US" sz="1800" dirty="0"/>
+          </a:p>
+          <a:p>
+            <a:r>
+              <a:rPr lang="en-US" sz="1800" dirty="0"/>
+              <a:t>1: </a:t>
+            </a:r>
+            <a:r>
+              <a:rPr lang="en-US" sz="1800" dirty="0" err="1"/>
+              <a:t>Decembrie</a:t>
+            </a:r>
+            <a:endParaRPr lang="en-US" sz="1800" dirty="0"/>
+          </a:p>
+          <a:p>
+            <a:r>
+              <a:rPr lang="en-US" sz="1800" dirty="0"/>
+              <a:t>2: </a:t>
+            </a:r>
+            <a:r>
+              <a:rPr lang="en-US" sz="1800" dirty="0" err="1"/>
+              <a:t>decembrie</a:t>
+            </a:r>
+            <a:endParaRPr lang="en-US" sz="1800" dirty="0"/>
+          </a:p>
+          <a:p>
+            <a:endParaRPr lang="en-US" sz="1800" dirty="0"/>
+          </a:p>
+          <a:p>
+            <a:r>
+              <a:rPr lang="en-US" sz="1800" dirty="0" err="1"/>
+              <a:t>Rezultat</a:t>
+            </a:r>
+            <a:r>
+              <a:rPr lang="en-US" sz="1800" dirty="0"/>
+              <a:t>: True</a:t>
+            </a:r>
+          </a:p>
+        </p:txBody>
+      </p:sp>
+    </p:spTree>
+    <p:extLst>
+      <p:ext uri="{BB962C8B-B14F-4D97-AF65-F5344CB8AC3E}">
+        <p14:creationId xmlns:p14="http://schemas.microsoft.com/office/powerpoint/2010/main" val="1121376984"/>
+      </p:ext>
+    </p:extLst>
+  </p:cSld>
+  <p:clrMapOvr>
+    <a:masterClrMapping/>
+  </p:clrMapOvr>
+</p:sld>
+</file>
+
+<file path=ppt/slides/slide28.xml><?xml version="1.0" encoding="utf-8"?>
+<p:sld xmlns:a="http://schemas.openxmlformats.org/drawingml/2006/main" xmlns:r="http://schemas.openxmlformats.org/officeDocument/2006/relationships" xmlns:p="http://schemas.openxmlformats.org/presentationml/2006/main">
+  <p:cSld>
+    <p:spTree>
+      <p:nvGrpSpPr>
+        <p:cNvPr id="1" name=""/>
+        <p:cNvGrpSpPr/>
+        <p:nvPr/>
+      </p:nvGrpSpPr>
+      <p:grpSpPr>
+        <a:xfrm>
+          <a:off x="0" y="0"/>
+          <a:ext cx="0" cy="0"/>
+          <a:chOff x="0" y="0"/>
+          <a:chExt cx="0" cy="0"/>
+        </a:xfrm>
+      </p:grpSpPr>
+      <p:sp>
+        <p:nvSpPr>
+          <p:cNvPr id="2" name="Title 1">
+            <a:extLst>
+              <a:ext uri="{FF2B5EF4-FFF2-40B4-BE49-F238E27FC236}">
+                <a16:creationId xmlns:a16="http://schemas.microsoft.com/office/drawing/2014/main" id="{349564EF-4073-4EF9-AB46-28A973744338}"/>
+              </a:ext>
+            </a:extLst>
+          </p:cNvPr>
+          <p:cNvSpPr>
+            <a:spLocks noGrp="1"/>
+          </p:cNvSpPr>
+          <p:nvPr>
+            <p:ph type="title"/>
+          </p:nvPr>
+        </p:nvSpPr>
+        <p:spPr/>
+        <p:txBody>
+          <a:bodyPr>
+            <a:normAutofit/>
+          </a:bodyPr>
+          <a:lstStyle/>
+          <a:p>
+            <a:r>
+              <a:rPr lang="en-US" sz="2400" dirty="0"/>
+              <a:t>None</a:t>
+            </a:r>
+          </a:p>
+        </p:txBody>
+      </p:sp>
+      <p:sp>
+        <p:nvSpPr>
+          <p:cNvPr id="3" name="TextBox 2">
+            <a:extLst>
+              <a:ext uri="{FF2B5EF4-FFF2-40B4-BE49-F238E27FC236}">
+                <a16:creationId xmlns:a16="http://schemas.microsoft.com/office/drawing/2014/main" id="{491A78FA-A4AE-45D3-B4AA-F84DDF4B804D}"/>
+              </a:ext>
+            </a:extLst>
+          </p:cNvPr>
+          <p:cNvSpPr txBox="1"/>
+          <p:nvPr/>
+        </p:nvSpPr>
+        <p:spPr>
+          <a:xfrm>
+            <a:off x="236220" y="990600"/>
+            <a:ext cx="8526780" cy="2031325"/>
+          </a:xfrm>
+          <a:prstGeom prst="rect">
+            <a:avLst/>
+          </a:prstGeom>
+          <a:noFill/>
+        </p:spPr>
+        <p:txBody>
+          <a:bodyPr wrap="square" rtlCol="0">
+            <a:spAutoFit/>
+          </a:bodyPr>
+          <a:lstStyle/>
+          <a:p>
+            <a:r>
+              <a:rPr lang="en-US" sz="1800" dirty="0"/>
+              <a:t>None </a:t>
+            </a:r>
+            <a:r>
+              <a:rPr lang="en-US" sz="1800" dirty="0" err="1"/>
+              <a:t>exprima</a:t>
+            </a:r>
+            <a:r>
+              <a:rPr lang="en-US" sz="1800" dirty="0"/>
+              <a:t> </a:t>
+            </a:r>
+            <a:r>
+              <a:rPr lang="en-US" sz="1800" dirty="0" err="1"/>
+              <a:t>absenta</a:t>
+            </a:r>
+            <a:r>
+              <a:rPr lang="en-US" sz="1800" dirty="0"/>
+              <a:t> de </a:t>
+            </a:r>
+            <a:r>
+              <a:rPr lang="en-US" sz="1800" dirty="0" err="1"/>
+              <a:t>valoare</a:t>
+            </a:r>
+            <a:endParaRPr lang="en-US" sz="1800" dirty="0"/>
+          </a:p>
+          <a:p>
+            <a:endParaRPr lang="en-US" sz="1800" dirty="0"/>
+          </a:p>
+          <a:p>
+            <a:r>
+              <a:rPr lang="en-US" sz="1800" dirty="0" err="1"/>
+              <a:t>Singurul</a:t>
+            </a:r>
+            <a:r>
+              <a:rPr lang="en-US" sz="1800" dirty="0"/>
+              <a:t> tip de </a:t>
+            </a:r>
+            <a:r>
+              <a:rPr lang="en-US" sz="1800" dirty="0" err="1"/>
+              <a:t>operatii</a:t>
+            </a:r>
+            <a:r>
+              <a:rPr lang="en-US" sz="1800" dirty="0"/>
+              <a:t> cu none sunt</a:t>
+            </a:r>
+          </a:p>
+          <a:p>
+            <a:pPr marL="285750" indent="-285750">
+              <a:buFont typeface="Arial" panose="020B0604020202020204" pitchFamily="34" charset="0"/>
+              <a:buChar char="•"/>
+            </a:pPr>
+            <a:r>
+              <a:rPr lang="en-US" sz="1800" dirty="0" err="1"/>
+              <a:t>Compararea</a:t>
+            </a:r>
+            <a:r>
+              <a:rPr lang="en-US" sz="1800" dirty="0"/>
+              <a:t> </a:t>
+            </a:r>
+            <a:r>
+              <a:rPr lang="en-US" sz="1800" dirty="0" err="1"/>
+              <a:t>prin</a:t>
+            </a:r>
+            <a:r>
+              <a:rPr lang="en-US" sz="1800" dirty="0"/>
+              <a:t> </a:t>
+            </a:r>
+            <a:r>
+              <a:rPr lang="en-US" sz="1800" b="1" dirty="0"/>
+              <a:t>==</a:t>
+            </a:r>
+          </a:p>
+          <a:p>
+            <a:pPr marL="285750" indent="-285750">
+              <a:buFont typeface="Arial" panose="020B0604020202020204" pitchFamily="34" charset="0"/>
+              <a:buChar char="•"/>
+            </a:pPr>
+            <a:r>
+              <a:rPr lang="en-US" sz="1800" dirty="0" err="1"/>
+              <a:t>Compararea</a:t>
+            </a:r>
+            <a:r>
+              <a:rPr lang="en-US" sz="1800" dirty="0"/>
+              <a:t> </a:t>
+            </a:r>
+            <a:r>
+              <a:rPr lang="en-US" sz="1800" dirty="0" err="1"/>
+              <a:t>prin</a:t>
+            </a:r>
+            <a:r>
+              <a:rPr lang="en-US" sz="1800" dirty="0"/>
+              <a:t> </a:t>
+            </a:r>
+            <a:r>
+              <a:rPr lang="en-US" sz="1800" b="1" dirty="0"/>
+              <a:t>!=</a:t>
+            </a:r>
+          </a:p>
+          <a:p>
+            <a:pPr marL="285750" indent="-285750">
+              <a:buFont typeface="Arial" panose="020B0604020202020204" pitchFamily="34" charset="0"/>
+              <a:buChar char="•"/>
+            </a:pPr>
+            <a:r>
+              <a:rPr lang="en-US" sz="1800" dirty="0" err="1"/>
+              <a:t>Compararea</a:t>
+            </a:r>
+            <a:r>
+              <a:rPr lang="en-US" sz="1800" dirty="0"/>
+              <a:t> </a:t>
+            </a:r>
+            <a:r>
+              <a:rPr lang="en-US" sz="1800" dirty="0" err="1"/>
+              <a:t>prin</a:t>
+            </a:r>
+            <a:r>
+              <a:rPr lang="en-US" sz="1800" dirty="0"/>
+              <a:t> </a:t>
+            </a:r>
+            <a:r>
+              <a:rPr lang="en-US" sz="1800" b="1" dirty="0"/>
+              <a:t>is</a:t>
+            </a:r>
+          </a:p>
+          <a:p>
+            <a:pPr marL="285750" indent="-285750">
+              <a:buFont typeface="Arial" panose="020B0604020202020204" pitchFamily="34" charset="0"/>
+              <a:buChar char="•"/>
+            </a:pPr>
+            <a:r>
+              <a:rPr lang="en-US" sz="1800" dirty="0" err="1"/>
+              <a:t>Compararea</a:t>
+            </a:r>
+            <a:r>
+              <a:rPr lang="en-US" sz="1800" dirty="0"/>
+              <a:t> </a:t>
+            </a:r>
+            <a:r>
+              <a:rPr lang="en-US" sz="1800" dirty="0" err="1"/>
+              <a:t>prin</a:t>
+            </a:r>
+            <a:r>
+              <a:rPr lang="en-US" sz="1800" dirty="0"/>
+              <a:t> </a:t>
+            </a:r>
+            <a:r>
+              <a:rPr lang="en-US" sz="1800" b="1" dirty="0"/>
+              <a:t>is not</a:t>
+            </a:r>
+          </a:p>
+        </p:txBody>
+      </p:sp>
+    </p:spTree>
+    <p:extLst>
+      <p:ext uri="{BB962C8B-B14F-4D97-AF65-F5344CB8AC3E}">
+        <p14:creationId xmlns:p14="http://schemas.microsoft.com/office/powerpoint/2010/main" val="395441443"/>
+      </p:ext>
+    </p:extLst>
+  </p:cSld>
+  <p:clrMapOvr>
+    <a:masterClrMapping/>
+  </p:clrMapOvr>
+</p:sld>
+</file>
+
+<file path=ppt/slides/slide29.xml><?xml version="1.0" encoding="utf-8"?>
+<p:sld xmlns:a="http://schemas.openxmlformats.org/drawingml/2006/main" xmlns:r="http://schemas.openxmlformats.org/officeDocument/2006/relationships" xmlns:p="http://schemas.openxmlformats.org/presentationml/2006/main">
+  <p:cSld>
+    <p:spTree>
+      <p:nvGrpSpPr>
+        <p:cNvPr id="1" name=""/>
+        <p:cNvGrpSpPr/>
+        <p:nvPr/>
+      </p:nvGrpSpPr>
+      <p:grpSpPr>
+        <a:xfrm>
+          <a:off x="0" y="0"/>
+          <a:ext cx="0" cy="0"/>
+          <a:chOff x="0" y="0"/>
+          <a:chExt cx="0" cy="0"/>
+        </a:xfrm>
+      </p:grpSpPr>
+      <p:sp>
+        <p:nvSpPr>
+          <p:cNvPr id="2" name="Title 1">
+            <a:extLst>
+              <a:ext uri="{FF2B5EF4-FFF2-40B4-BE49-F238E27FC236}">
+                <a16:creationId xmlns:a16="http://schemas.microsoft.com/office/drawing/2014/main" id="{C4DA830B-4AD9-404D-BD7E-C1F1FA88D402}"/>
+              </a:ext>
+            </a:extLst>
+          </p:cNvPr>
+          <p:cNvSpPr>
+            <a:spLocks noGrp="1"/>
+          </p:cNvSpPr>
+          <p:nvPr>
+            <p:ph type="title"/>
+          </p:nvPr>
+        </p:nvSpPr>
+        <p:spPr/>
+        <p:txBody>
+          <a:bodyPr/>
+          <a:lstStyle/>
+          <a:p>
+            <a:r>
+              <a:rPr lang="en-US" dirty="0"/>
+              <a:t>Questions ? </a:t>
+            </a:r>
+          </a:p>
+        </p:txBody>
+      </p:sp>
+    </p:spTree>
+    <p:extLst>
+      <p:ext uri="{BB962C8B-B14F-4D97-AF65-F5344CB8AC3E}">
+        <p14:creationId xmlns:p14="http://schemas.microsoft.com/office/powerpoint/2010/main" val="1586656465"/>
       </p:ext>
     </p:extLst>
   </p:cSld>
@@ -19033,554 +17788,6 @@
 </file>
 
 <file path=ppt/slides/slide30.xml><?xml version="1.0" encoding="utf-8"?>
-<p:sld xmlns:a="http://schemas.openxmlformats.org/drawingml/2006/main" xmlns:r="http://schemas.openxmlformats.org/officeDocument/2006/relationships" xmlns:p="http://schemas.openxmlformats.org/presentationml/2006/main">
-  <p:cSld>
-    <p:spTree>
-      <p:nvGrpSpPr>
-        <p:cNvPr id="1" name=""/>
-        <p:cNvGrpSpPr/>
-        <p:nvPr/>
-      </p:nvGrpSpPr>
-      <p:grpSpPr>
-        <a:xfrm>
-          <a:off x="0" y="0"/>
-          <a:ext cx="0" cy="0"/>
-          <a:chOff x="0" y="0"/>
-          <a:chExt cx="0" cy="0"/>
-        </a:xfrm>
-      </p:grpSpPr>
-      <p:sp>
-        <p:nvSpPr>
-          <p:cNvPr id="2" name="Title 1">
-            <a:extLst>
-              <a:ext uri="{FF2B5EF4-FFF2-40B4-BE49-F238E27FC236}">
-                <a16:creationId xmlns:a16="http://schemas.microsoft.com/office/drawing/2014/main" id="{6AE53028-26B9-4A58-AE5B-545DC08A4926}"/>
-              </a:ext>
-            </a:extLst>
-          </p:cNvPr>
-          <p:cNvSpPr>
-            <a:spLocks noGrp="1"/>
-          </p:cNvSpPr>
-          <p:nvPr>
-            <p:ph type="title"/>
-          </p:nvPr>
-        </p:nvSpPr>
-        <p:spPr/>
-        <p:txBody>
-          <a:bodyPr>
-            <a:normAutofit/>
-          </a:bodyPr>
-          <a:lstStyle/>
-          <a:p>
-            <a:r>
-              <a:rPr lang="en-US" sz="2400" dirty="0" err="1"/>
-              <a:t>Exercitiu</a:t>
-            </a:r>
-            <a:endParaRPr lang="en-US" sz="2400" dirty="0"/>
-          </a:p>
-        </p:txBody>
-      </p:sp>
-      <p:sp>
-        <p:nvSpPr>
-          <p:cNvPr id="3" name="TextBox 2">
-            <a:extLst>
-              <a:ext uri="{FF2B5EF4-FFF2-40B4-BE49-F238E27FC236}">
-                <a16:creationId xmlns:a16="http://schemas.microsoft.com/office/drawing/2014/main" id="{04C55CB4-B3FE-4CDC-B883-A125CEF797BD}"/>
-              </a:ext>
-            </a:extLst>
-          </p:cNvPr>
-          <p:cNvSpPr txBox="1"/>
-          <p:nvPr/>
-        </p:nvSpPr>
-        <p:spPr>
-          <a:xfrm>
-            <a:off x="739140" y="1249680"/>
-            <a:ext cx="7299960" cy="646331"/>
-          </a:xfrm>
-          <a:prstGeom prst="rect">
-            <a:avLst/>
-          </a:prstGeom>
-          <a:noFill/>
-        </p:spPr>
-        <p:txBody>
-          <a:bodyPr wrap="square" rtlCol="0">
-            <a:spAutoFit/>
-          </a:bodyPr>
-          <a:lstStyle/>
-          <a:p>
-            <a:r>
-              <a:rPr lang="en-US" sz="1800" dirty="0" err="1"/>
-              <a:t>Creaza</a:t>
-            </a:r>
-            <a:r>
-              <a:rPr lang="en-US" sz="1800" dirty="0"/>
-              <a:t> un program care </a:t>
-            </a:r>
-            <a:r>
-              <a:rPr lang="en-US" sz="1800" dirty="0" err="1"/>
-              <a:t>va</a:t>
-            </a:r>
-            <a:r>
-              <a:rPr lang="en-US" sz="1800" dirty="0"/>
-              <a:t> </a:t>
-            </a:r>
-            <a:r>
-              <a:rPr lang="en-US" sz="1800" dirty="0" err="1"/>
-              <a:t>afisa</a:t>
-            </a:r>
-            <a:r>
-              <a:rPr lang="en-US" sz="1800" dirty="0"/>
-              <a:t> </a:t>
-            </a:r>
-            <a:r>
-              <a:rPr lang="en-US" sz="1800" dirty="0" err="1"/>
-              <a:t>daca</a:t>
-            </a:r>
-            <a:r>
-              <a:rPr lang="en-US" sz="1800" dirty="0"/>
-              <a:t> </a:t>
-            </a:r>
-            <a:r>
-              <a:rPr lang="en-US" sz="1800" dirty="0" err="1"/>
-              <a:t>doua</a:t>
-            </a:r>
-            <a:r>
-              <a:rPr lang="en-US" sz="1800" dirty="0"/>
-              <a:t> </a:t>
-            </a:r>
-            <a:r>
-              <a:rPr lang="en-US" sz="1800" dirty="0" err="1"/>
-              <a:t>stringuri</a:t>
-            </a:r>
-            <a:r>
-              <a:rPr lang="en-US" sz="1800" dirty="0"/>
-              <a:t> introduce la </a:t>
-            </a:r>
-            <a:r>
-              <a:rPr lang="en-US" sz="1800" dirty="0" err="1"/>
-              <a:t>consola</a:t>
-            </a:r>
-            <a:r>
-              <a:rPr lang="en-US" sz="1800" dirty="0"/>
-              <a:t> </a:t>
-            </a:r>
-            <a:r>
-              <a:rPr lang="en-US" sz="1800" dirty="0" err="1"/>
-              <a:t>contin</a:t>
-            </a:r>
-            <a:r>
-              <a:rPr lang="en-US" sz="1800" dirty="0"/>
-              <a:t> </a:t>
-            </a:r>
-            <a:r>
-              <a:rPr lang="en-US" sz="1800" dirty="0" err="1"/>
-              <a:t>acelas</a:t>
-            </a:r>
-            <a:r>
-              <a:rPr lang="en-US" sz="1800" dirty="0"/>
-              <a:t> text (indifferent de majuscule </a:t>
-            </a:r>
-            <a:r>
-              <a:rPr lang="en-US" sz="1800" dirty="0" err="1"/>
-              <a:t>sau</a:t>
-            </a:r>
-            <a:r>
-              <a:rPr lang="en-US" sz="1800" dirty="0"/>
-              <a:t> minuscule)</a:t>
-            </a:r>
-          </a:p>
-        </p:txBody>
-      </p:sp>
-      <p:sp>
-        <p:nvSpPr>
-          <p:cNvPr id="4" name="TextBox 3">
-            <a:extLst>
-              <a:ext uri="{FF2B5EF4-FFF2-40B4-BE49-F238E27FC236}">
-                <a16:creationId xmlns:a16="http://schemas.microsoft.com/office/drawing/2014/main" id="{A1B6B129-E4F6-461D-974D-5867E5E8AB0C}"/>
-              </a:ext>
-            </a:extLst>
-          </p:cNvPr>
-          <p:cNvSpPr txBox="1"/>
-          <p:nvPr/>
-        </p:nvSpPr>
-        <p:spPr>
-          <a:xfrm>
-            <a:off x="739140" y="2255520"/>
-            <a:ext cx="5920740" cy="1754326"/>
-          </a:xfrm>
-          <a:prstGeom prst="rect">
-            <a:avLst/>
-          </a:prstGeom>
-          <a:noFill/>
-        </p:spPr>
-        <p:txBody>
-          <a:bodyPr wrap="square" rtlCol="0">
-            <a:spAutoFit/>
-          </a:bodyPr>
-          <a:lstStyle/>
-          <a:p>
-            <a:r>
-              <a:rPr lang="en-US" sz="1800" dirty="0" err="1"/>
-              <a:t>Exemplu</a:t>
-            </a:r>
-            <a:r>
-              <a:rPr lang="en-US" sz="1800" dirty="0"/>
-              <a:t>:</a:t>
-            </a:r>
-          </a:p>
-          <a:p>
-            <a:endParaRPr lang="en-US" sz="1800" dirty="0"/>
-          </a:p>
-          <a:p>
-            <a:r>
-              <a:rPr lang="en-US" sz="1800" dirty="0"/>
-              <a:t>1: </a:t>
-            </a:r>
-            <a:r>
-              <a:rPr lang="en-US" sz="1800" dirty="0" err="1"/>
-              <a:t>Decembrie</a:t>
-            </a:r>
-            <a:endParaRPr lang="en-US" sz="1800" dirty="0"/>
-          </a:p>
-          <a:p>
-            <a:r>
-              <a:rPr lang="en-US" sz="1800" dirty="0"/>
-              <a:t>2: </a:t>
-            </a:r>
-            <a:r>
-              <a:rPr lang="en-US" sz="1800" dirty="0" err="1"/>
-              <a:t>decembrie</a:t>
-            </a:r>
-            <a:endParaRPr lang="en-US" sz="1800" dirty="0"/>
-          </a:p>
-          <a:p>
-            <a:endParaRPr lang="en-US" sz="1800" dirty="0"/>
-          </a:p>
-          <a:p>
-            <a:r>
-              <a:rPr lang="en-US" sz="1800" dirty="0" err="1"/>
-              <a:t>Rezultat</a:t>
-            </a:r>
-            <a:r>
-              <a:rPr lang="en-US" sz="1800" dirty="0"/>
-              <a:t>: True</a:t>
-            </a:r>
-          </a:p>
-        </p:txBody>
-      </p:sp>
-    </p:spTree>
-    <p:extLst>
-      <p:ext uri="{BB962C8B-B14F-4D97-AF65-F5344CB8AC3E}">
-        <p14:creationId xmlns:p14="http://schemas.microsoft.com/office/powerpoint/2010/main" val="1121376984"/>
-      </p:ext>
-    </p:extLst>
-  </p:cSld>
-  <p:clrMapOvr>
-    <a:masterClrMapping/>
-  </p:clrMapOvr>
-</p:sld>
-</file>
-
-<file path=ppt/slides/slide31.xml><?xml version="1.0" encoding="utf-8"?>
-<p:sld xmlns:a="http://schemas.openxmlformats.org/drawingml/2006/main" xmlns:r="http://schemas.openxmlformats.org/officeDocument/2006/relationships" xmlns:p="http://schemas.openxmlformats.org/presentationml/2006/main">
-  <p:cSld>
-    <p:spTree>
-      <p:nvGrpSpPr>
-        <p:cNvPr id="1" name=""/>
-        <p:cNvGrpSpPr/>
-        <p:nvPr/>
-      </p:nvGrpSpPr>
-      <p:grpSpPr>
-        <a:xfrm>
-          <a:off x="0" y="0"/>
-          <a:ext cx="0" cy="0"/>
-          <a:chOff x="0" y="0"/>
-          <a:chExt cx="0" cy="0"/>
-        </a:xfrm>
-      </p:grpSpPr>
-      <p:sp>
-        <p:nvSpPr>
-          <p:cNvPr id="2" name="Title 1">
-            <a:extLst>
-              <a:ext uri="{FF2B5EF4-FFF2-40B4-BE49-F238E27FC236}">
-                <a16:creationId xmlns:a16="http://schemas.microsoft.com/office/drawing/2014/main" id="{349564EF-4073-4EF9-AB46-28A973744338}"/>
-              </a:ext>
-            </a:extLst>
-          </p:cNvPr>
-          <p:cNvSpPr>
-            <a:spLocks noGrp="1"/>
-          </p:cNvSpPr>
-          <p:nvPr>
-            <p:ph type="title"/>
-          </p:nvPr>
-        </p:nvSpPr>
-        <p:spPr/>
-        <p:txBody>
-          <a:bodyPr>
-            <a:normAutofit/>
-          </a:bodyPr>
-          <a:lstStyle/>
-          <a:p>
-            <a:r>
-              <a:rPr lang="en-US" sz="2400" dirty="0"/>
-              <a:t>None</a:t>
-            </a:r>
-          </a:p>
-        </p:txBody>
-      </p:sp>
-      <p:sp>
-        <p:nvSpPr>
-          <p:cNvPr id="3" name="TextBox 2">
-            <a:extLst>
-              <a:ext uri="{FF2B5EF4-FFF2-40B4-BE49-F238E27FC236}">
-                <a16:creationId xmlns:a16="http://schemas.microsoft.com/office/drawing/2014/main" id="{491A78FA-A4AE-45D3-B4AA-F84DDF4B804D}"/>
-              </a:ext>
-            </a:extLst>
-          </p:cNvPr>
-          <p:cNvSpPr txBox="1"/>
-          <p:nvPr/>
-        </p:nvSpPr>
-        <p:spPr>
-          <a:xfrm>
-            <a:off x="236220" y="990600"/>
-            <a:ext cx="8526780" cy="2031325"/>
-          </a:xfrm>
-          <a:prstGeom prst="rect">
-            <a:avLst/>
-          </a:prstGeom>
-          <a:noFill/>
-        </p:spPr>
-        <p:txBody>
-          <a:bodyPr wrap="square" rtlCol="0">
-            <a:spAutoFit/>
-          </a:bodyPr>
-          <a:lstStyle/>
-          <a:p>
-            <a:r>
-              <a:rPr lang="en-US" sz="1800" dirty="0"/>
-              <a:t>None </a:t>
-            </a:r>
-            <a:r>
-              <a:rPr lang="en-US" sz="1800" dirty="0" err="1"/>
-              <a:t>exprima</a:t>
-            </a:r>
-            <a:r>
-              <a:rPr lang="en-US" sz="1800" dirty="0"/>
-              <a:t> </a:t>
-            </a:r>
-            <a:r>
-              <a:rPr lang="en-US" sz="1800" dirty="0" err="1"/>
-              <a:t>absenta</a:t>
-            </a:r>
-            <a:r>
-              <a:rPr lang="en-US" sz="1800" dirty="0"/>
-              <a:t> de </a:t>
-            </a:r>
-            <a:r>
-              <a:rPr lang="en-US" sz="1800" dirty="0" err="1"/>
-              <a:t>valoare</a:t>
-            </a:r>
-            <a:endParaRPr lang="en-US" sz="1800" dirty="0"/>
-          </a:p>
-          <a:p>
-            <a:endParaRPr lang="en-US" sz="1800" dirty="0"/>
-          </a:p>
-          <a:p>
-            <a:r>
-              <a:rPr lang="en-US" sz="1800" dirty="0" err="1"/>
-              <a:t>Singurul</a:t>
-            </a:r>
-            <a:r>
-              <a:rPr lang="en-US" sz="1800" dirty="0"/>
-              <a:t> tip de </a:t>
-            </a:r>
-            <a:r>
-              <a:rPr lang="en-US" sz="1800" dirty="0" err="1"/>
-              <a:t>operatii</a:t>
-            </a:r>
-            <a:r>
-              <a:rPr lang="en-US" sz="1800" dirty="0"/>
-              <a:t> cu none sunt</a:t>
-            </a:r>
-          </a:p>
-          <a:p>
-            <a:pPr marL="285750" indent="-285750">
-              <a:buFont typeface="Arial" panose="020B0604020202020204" pitchFamily="34" charset="0"/>
-              <a:buChar char="•"/>
-            </a:pPr>
-            <a:r>
-              <a:rPr lang="en-US" sz="1800" dirty="0" err="1"/>
-              <a:t>Compararea</a:t>
-            </a:r>
-            <a:r>
-              <a:rPr lang="en-US" sz="1800" dirty="0"/>
-              <a:t> </a:t>
-            </a:r>
-            <a:r>
-              <a:rPr lang="en-US" sz="1800" dirty="0" err="1"/>
-              <a:t>prin</a:t>
-            </a:r>
-            <a:r>
-              <a:rPr lang="en-US" sz="1800" dirty="0"/>
-              <a:t> </a:t>
-            </a:r>
-            <a:r>
-              <a:rPr lang="en-US" sz="1800" b="1" dirty="0"/>
-              <a:t>==</a:t>
-            </a:r>
-          </a:p>
-          <a:p>
-            <a:pPr marL="285750" indent="-285750">
-              <a:buFont typeface="Arial" panose="020B0604020202020204" pitchFamily="34" charset="0"/>
-              <a:buChar char="•"/>
-            </a:pPr>
-            <a:r>
-              <a:rPr lang="en-US" sz="1800" dirty="0" err="1"/>
-              <a:t>Compararea</a:t>
-            </a:r>
-            <a:r>
-              <a:rPr lang="en-US" sz="1800" dirty="0"/>
-              <a:t> </a:t>
-            </a:r>
-            <a:r>
-              <a:rPr lang="en-US" sz="1800" dirty="0" err="1"/>
-              <a:t>prin</a:t>
-            </a:r>
-            <a:r>
-              <a:rPr lang="en-US" sz="1800" dirty="0"/>
-              <a:t> </a:t>
-            </a:r>
-            <a:r>
-              <a:rPr lang="en-US" sz="1800" b="1" dirty="0"/>
-              <a:t>!=</a:t>
-            </a:r>
-          </a:p>
-          <a:p>
-            <a:pPr marL="285750" indent="-285750">
-              <a:buFont typeface="Arial" panose="020B0604020202020204" pitchFamily="34" charset="0"/>
-              <a:buChar char="•"/>
-            </a:pPr>
-            <a:r>
-              <a:rPr lang="en-US" sz="1800" dirty="0" err="1"/>
-              <a:t>Compararea</a:t>
-            </a:r>
-            <a:r>
-              <a:rPr lang="en-US" sz="1800" dirty="0"/>
-              <a:t> </a:t>
-            </a:r>
-            <a:r>
-              <a:rPr lang="en-US" sz="1800" dirty="0" err="1"/>
-              <a:t>prin</a:t>
-            </a:r>
-            <a:r>
-              <a:rPr lang="en-US" sz="1800" dirty="0"/>
-              <a:t> </a:t>
-            </a:r>
-            <a:r>
-              <a:rPr lang="en-US" sz="1800" b="1" dirty="0"/>
-              <a:t>is</a:t>
-            </a:r>
-          </a:p>
-          <a:p>
-            <a:pPr marL="285750" indent="-285750">
-              <a:buFont typeface="Arial" panose="020B0604020202020204" pitchFamily="34" charset="0"/>
-              <a:buChar char="•"/>
-            </a:pPr>
-            <a:r>
-              <a:rPr lang="en-US" sz="1800" dirty="0" err="1"/>
-              <a:t>Compararea</a:t>
-            </a:r>
-            <a:r>
-              <a:rPr lang="en-US" sz="1800" dirty="0"/>
-              <a:t> </a:t>
-            </a:r>
-            <a:r>
-              <a:rPr lang="en-US" sz="1800" dirty="0" err="1"/>
-              <a:t>prin</a:t>
-            </a:r>
-            <a:r>
-              <a:rPr lang="en-US" sz="1800" dirty="0"/>
-              <a:t> </a:t>
-            </a:r>
-            <a:r>
-              <a:rPr lang="en-US" sz="1800" b="1" dirty="0"/>
-              <a:t>is not</a:t>
-            </a:r>
-          </a:p>
-        </p:txBody>
-      </p:sp>
-    </p:spTree>
-    <p:extLst>
-      <p:ext uri="{BB962C8B-B14F-4D97-AF65-F5344CB8AC3E}">
-        <p14:creationId xmlns:p14="http://schemas.microsoft.com/office/powerpoint/2010/main" val="395441443"/>
-      </p:ext>
-    </p:extLst>
-  </p:cSld>
-  <p:clrMapOvr>
-    <a:masterClrMapping/>
-  </p:clrMapOvr>
-</p:sld>
-</file>
-
-<file path=ppt/slides/slide32.xml><?xml version="1.0" encoding="utf-8"?>
-<p:sld xmlns:a="http://schemas.openxmlformats.org/drawingml/2006/main" xmlns:r="http://schemas.openxmlformats.org/officeDocument/2006/relationships" xmlns:p="http://schemas.openxmlformats.org/presentationml/2006/main">
-  <p:cSld>
-    <p:spTree>
-      <p:nvGrpSpPr>
-        <p:cNvPr id="1" name=""/>
-        <p:cNvGrpSpPr/>
-        <p:nvPr/>
-      </p:nvGrpSpPr>
-      <p:grpSpPr>
-        <a:xfrm>
-          <a:off x="0" y="0"/>
-          <a:ext cx="0" cy="0"/>
-          <a:chOff x="0" y="0"/>
-          <a:chExt cx="0" cy="0"/>
-        </a:xfrm>
-      </p:grpSpPr>
-      <p:sp>
-        <p:nvSpPr>
-          <p:cNvPr id="2" name="Title 1">
-            <a:extLst>
-              <a:ext uri="{FF2B5EF4-FFF2-40B4-BE49-F238E27FC236}">
-                <a16:creationId xmlns:a16="http://schemas.microsoft.com/office/drawing/2014/main" id="{C4DA830B-4AD9-404D-BD7E-C1F1FA88D402}"/>
-              </a:ext>
-            </a:extLst>
-          </p:cNvPr>
-          <p:cNvSpPr>
-            <a:spLocks noGrp="1"/>
-          </p:cNvSpPr>
-          <p:nvPr>
-            <p:ph type="title"/>
-          </p:nvPr>
-        </p:nvSpPr>
-        <p:spPr/>
-        <p:txBody>
-          <a:bodyPr/>
-          <a:lstStyle/>
-          <a:p>
-            <a:r>
-              <a:rPr lang="en-US" dirty="0"/>
-              <a:t>Questions ? </a:t>
-            </a:r>
-          </a:p>
-        </p:txBody>
-      </p:sp>
-    </p:spTree>
-    <p:extLst>
-      <p:ext uri="{BB962C8B-B14F-4D97-AF65-F5344CB8AC3E}">
-        <p14:creationId xmlns:p14="http://schemas.microsoft.com/office/powerpoint/2010/main" val="1586656465"/>
-      </p:ext>
-    </p:extLst>
-  </p:cSld>
-  <p:clrMapOvr>
-    <a:masterClrMapping/>
-  </p:clrMapOvr>
-</p:sld>
-</file>
-
-<file path=ppt/slides/slide33.xml><?xml version="1.0" encoding="utf-8"?>
 <p:sld xmlns:a="http://schemas.openxmlformats.org/drawingml/2006/main" xmlns:r="http://schemas.openxmlformats.org/officeDocument/2006/relationships" xmlns:p="http://schemas.openxmlformats.org/presentationml/2006/main">
   <p:cSld>
     <p:spTree>
